--- a/11/Презентация - C# + .NET - Урок 11.pptx
+++ b/11/Презентация - C# + .NET - Урок 11.pptx
@@ -5,7 +5,7 @@
     <p:sldMasterId id="2147483659" r:id="rId1"/>
   </p:sldMasterIdLst>
   <p:notesMasterIdLst>
-    <p:notesMasterId r:id="rId16"/>
+    <p:notesMasterId r:id="rId18"/>
   </p:notesMasterIdLst>
   <p:sldIdLst>
     <p:sldId id="256" r:id="rId2"/>
@@ -17,40 +17,42 @@
     <p:sldId id="265" r:id="rId8"/>
     <p:sldId id="274" r:id="rId9"/>
     <p:sldId id="278" r:id="rId10"/>
-    <p:sldId id="275" r:id="rId11"/>
-    <p:sldId id="276" r:id="rId12"/>
-    <p:sldId id="277" r:id="rId13"/>
-    <p:sldId id="270" r:id="rId14"/>
-    <p:sldId id="271" r:id="rId15"/>
+    <p:sldId id="280" r:id="rId11"/>
+    <p:sldId id="281" r:id="rId12"/>
+    <p:sldId id="275" r:id="rId13"/>
+    <p:sldId id="276" r:id="rId14"/>
+    <p:sldId id="279" r:id="rId15"/>
+    <p:sldId id="270" r:id="rId16"/>
+    <p:sldId id="271" r:id="rId17"/>
   </p:sldIdLst>
   <p:sldSz cx="9144000" cy="5143500" type="screen16x9"/>
   <p:notesSz cx="6858000" cy="9144000"/>
   <p:embeddedFontLst>
     <p:embeddedFont>
-      <p:font typeface="Consolas" panose="020B0609020204030204" pitchFamily="49" charset="0"/>
-      <p:regular r:id="rId17"/>
-      <p:bold r:id="rId18"/>
-      <p:italic r:id="rId19"/>
-      <p:boldItalic r:id="rId20"/>
+      <p:font typeface="Roboto Mono" panose="020B0604020202020204" charset="0"/>
+      <p:regular r:id="rId19"/>
+      <p:bold r:id="rId20"/>
+      <p:italic r:id="rId21"/>
+      <p:boldItalic r:id="rId22"/>
     </p:embeddedFont>
     <p:embeddedFont>
-      <p:font typeface="Roboto Mono" panose="020B0604020202020204" charset="0"/>
-      <p:regular r:id="rId21"/>
-      <p:bold r:id="rId22"/>
-      <p:italic r:id="rId23"/>
-      <p:boldItalic r:id="rId24"/>
+      <p:font typeface="Consolas" panose="020B0609020204030204" pitchFamily="49" charset="0"/>
+      <p:regular r:id="rId23"/>
+      <p:bold r:id="rId24"/>
+      <p:italic r:id="rId25"/>
+      <p:boldItalic r:id="rId26"/>
     </p:embeddedFont>
     <p:embeddedFont>
       <p:font typeface="Roboto Slab" panose="020B0604020202020204" charset="0"/>
-      <p:regular r:id="rId25"/>
-      <p:bold r:id="rId26"/>
+      <p:regular r:id="rId27"/>
+      <p:bold r:id="rId28"/>
     </p:embeddedFont>
     <p:embeddedFont>
       <p:font typeface="Roboto" panose="020B0604020202020204" charset="0"/>
-      <p:regular r:id="rId27"/>
-      <p:bold r:id="rId28"/>
-      <p:italic r:id="rId29"/>
-      <p:boldItalic r:id="rId30"/>
+      <p:regular r:id="rId29"/>
+      <p:bold r:id="rId30"/>
+      <p:italic r:id="rId31"/>
+      <p:boldItalic r:id="rId32"/>
     </p:embeddedFont>
   </p:embeddedFontLst>
   <p:defaultTextStyle>
@@ -282,6 +284,11 @@
       </a:defRPr>
     </a:lvl9pPr>
   </p:defaultTextStyle>
+  <p:extLst>
+    <p:ext uri="{EFAFB233-063F-42B5-8137-9DF3F51BA10A}">
+      <p15:sldGuideLst xmlns:p15="http://schemas.microsoft.com/office/powerpoint/2012/main"/>
+    </p:ext>
+  </p:extLst>
 </p:presentation>
 </file>
 
@@ -830,6 +837,110 @@
 </p:notes>
 </file>
 
+<file path=ppt/notesSlides/notesSlide10.xml><?xml version="1.0" encoding="utf-8"?>
+<p:notes xmlns:a="http://schemas.openxmlformats.org/drawingml/2006/main" xmlns:r="http://schemas.openxmlformats.org/officeDocument/2006/relationships" xmlns:p="http://schemas.openxmlformats.org/presentationml/2006/main" showMasterSp="0" showMasterPhAnim="0">
+  <p:cSld>
+    <p:spTree>
+      <p:nvGrpSpPr>
+        <p:cNvPr id="1" name="Shape 164"/>
+        <p:cNvGrpSpPr/>
+        <p:nvPr/>
+      </p:nvGrpSpPr>
+      <p:grpSpPr>
+        <a:xfrm>
+          <a:off x="0" y="0"/>
+          <a:ext cx="0" cy="0"/>
+          <a:chOff x="0" y="0"/>
+          <a:chExt cx="0" cy="0"/>
+        </a:xfrm>
+      </p:grpSpPr>
+      <p:sp>
+        <p:nvSpPr>
+          <p:cNvPr id="165" name="Google Shape;165;g34f1108a36_0_254:notes"/>
+          <p:cNvSpPr>
+            <a:spLocks noGrp="1" noRot="1" noChangeAspect="1"/>
+          </p:cNvSpPr>
+          <p:nvPr>
+            <p:ph type="sldImg" idx="2"/>
+          </p:nvPr>
+        </p:nvSpPr>
+        <p:spPr>
+          <a:xfrm>
+            <a:off x="381000" y="685800"/>
+            <a:ext cx="6096000" cy="3429000"/>
+          </a:xfrm>
+          <a:custGeom>
+            <a:avLst/>
+            <a:gdLst/>
+            <a:ahLst/>
+            <a:cxnLst/>
+            <a:rect l="l" t="t" r="r" b="b"/>
+            <a:pathLst>
+              <a:path w="120000" h="120000" extrusionOk="0">
+                <a:moveTo>
+                  <a:pt x="0" y="0"/>
+                </a:moveTo>
+                <a:lnTo>
+                  <a:pt x="120000" y="0"/>
+                </a:lnTo>
+                <a:lnTo>
+                  <a:pt x="120000" y="120000"/>
+                </a:lnTo>
+                <a:lnTo>
+                  <a:pt x="0" y="120000"/>
+                </a:lnTo>
+                <a:close/>
+              </a:path>
+            </a:pathLst>
+          </a:custGeom>
+        </p:spPr>
+      </p:sp>
+      <p:sp>
+        <p:nvSpPr>
+          <p:cNvPr id="166" name="Google Shape;166;g34f1108a36_0_254:notes"/>
+          <p:cNvSpPr txBox="1">
+            <a:spLocks noGrp="1"/>
+          </p:cNvSpPr>
+          <p:nvPr>
+            <p:ph type="body" idx="1"/>
+          </p:nvPr>
+        </p:nvSpPr>
+        <p:spPr>
+          <a:xfrm>
+            <a:off x="685800" y="4343400"/>
+            <a:ext cx="5486400" cy="4114800"/>
+          </a:xfrm>
+          <a:prstGeom prst="rect">
+            <a:avLst/>
+          </a:prstGeom>
+        </p:spPr>
+        <p:txBody>
+          <a:bodyPr spcFirstLastPara="1" wrap="square" lIns="91425" tIns="91425" rIns="91425" bIns="91425" anchor="t" anchorCtr="0">
+            <a:noAutofit/>
+          </a:bodyPr>
+          <a:lstStyle/>
+          <a:p>
+            <a:pPr marL="0" lvl="0" indent="0" algn="l" rtl="0">
+              <a:spcBef>
+                <a:spcPts val="0"/>
+              </a:spcBef>
+              <a:spcAft>
+                <a:spcPts val="0"/>
+              </a:spcAft>
+              <a:buNone/>
+            </a:pPr>
+            <a:endParaRPr/>
+          </a:p>
+        </p:txBody>
+      </p:sp>
+    </p:spTree>
+  </p:cSld>
+  <p:clrMapOvr>
+    <a:masterClrMapping/>
+  </p:clrMapOvr>
+</p:notes>
+</file>
+
 <file path=ppt/notesSlides/notesSlide2.xml><?xml version="1.0" encoding="utf-8"?>
 <p:notes xmlns:a="http://schemas.openxmlformats.org/drawingml/2006/main" xmlns:r="http://schemas.openxmlformats.org/officeDocument/2006/relationships" xmlns:p="http://schemas.openxmlformats.org/presentationml/2006/main" showMasterSp="0" showMasterPhAnim="0">
   <p:cSld>
@@ -1356,6 +1467,181 @@
 </file>
 
 <file path=ppt/notesSlides/notesSlide7.xml><?xml version="1.0" encoding="utf-8"?>
+<p:notes xmlns:a="http://schemas.openxmlformats.org/drawingml/2006/main" xmlns:r="http://schemas.openxmlformats.org/officeDocument/2006/relationships" xmlns:p="http://schemas.openxmlformats.org/presentationml/2006/main">
+  <p:cSld>
+    <p:spTree>
+      <p:nvGrpSpPr>
+        <p:cNvPr id="1" name=""/>
+        <p:cNvGrpSpPr/>
+        <p:nvPr/>
+      </p:nvGrpSpPr>
+      <p:grpSpPr>
+        <a:xfrm>
+          <a:off x="0" y="0"/>
+          <a:ext cx="0" cy="0"/>
+          <a:chOff x="0" y="0"/>
+          <a:chExt cx="0" cy="0"/>
+        </a:xfrm>
+      </p:grpSpPr>
+      <p:sp>
+        <p:nvSpPr>
+          <p:cNvPr id="2" name="Образ слайда 1"/>
+          <p:cNvSpPr>
+            <a:spLocks noGrp="1" noRot="1" noChangeAspect="1"/>
+          </p:cNvSpPr>
+          <p:nvPr>
+            <p:ph type="sldImg"/>
+          </p:nvPr>
+        </p:nvSpPr>
+        <p:spPr>
+          <a:xfrm>
+            <a:off x="381000" y="685800"/>
+            <a:ext cx="6096000" cy="3429000"/>
+          </a:xfrm>
+        </p:spPr>
+      </p:sp>
+      <p:sp>
+        <p:nvSpPr>
+          <p:cNvPr id="3" name="Заметки 2"/>
+          <p:cNvSpPr>
+            <a:spLocks noGrp="1"/>
+          </p:cNvSpPr>
+          <p:nvPr>
+            <p:ph type="body" idx="1"/>
+          </p:nvPr>
+        </p:nvSpPr>
+        <p:spPr/>
+        <p:txBody>
+          <a:bodyPr/>
+          <a:lstStyle/>
+          <a:p>
+            <a:endParaRPr lang="ru-RU" dirty="0"/>
+          </a:p>
+        </p:txBody>
+      </p:sp>
+    </p:spTree>
+    <p:extLst>
+      <p:ext uri="{BB962C8B-B14F-4D97-AF65-F5344CB8AC3E}">
+        <p14:creationId xmlns:p14="http://schemas.microsoft.com/office/powerpoint/2010/main" val="3057268709"/>
+      </p:ext>
+    </p:extLst>
+  </p:cSld>
+  <p:clrMapOvr>
+    <a:masterClrMapping/>
+  </p:clrMapOvr>
+</p:notes>
+</file>
+
+<file path=ppt/notesSlides/notesSlide8.xml><?xml version="1.0" encoding="utf-8"?>
+<p:notes xmlns:a="http://schemas.openxmlformats.org/drawingml/2006/main" xmlns:r="http://schemas.openxmlformats.org/officeDocument/2006/relationships" xmlns:p="http://schemas.openxmlformats.org/presentationml/2006/main" showMasterSp="0" showMasterPhAnim="0">
+  <p:cSld>
+    <p:spTree>
+      <p:nvGrpSpPr>
+        <p:cNvPr id="1" name="Shape 150"/>
+        <p:cNvGrpSpPr/>
+        <p:nvPr/>
+      </p:nvGrpSpPr>
+      <p:grpSpPr>
+        <a:xfrm>
+          <a:off x="0" y="0"/>
+          <a:ext cx="0" cy="0"/>
+          <a:chOff x="0" y="0"/>
+          <a:chExt cx="0" cy="0"/>
+        </a:xfrm>
+      </p:grpSpPr>
+      <p:sp>
+        <p:nvSpPr>
+          <p:cNvPr id="151" name="Google Shape;151;g55cedae8a8_0_6:notes"/>
+          <p:cNvSpPr>
+            <a:spLocks noGrp="1" noRot="1" noChangeAspect="1"/>
+          </p:cNvSpPr>
+          <p:nvPr>
+            <p:ph type="sldImg" idx="2"/>
+          </p:nvPr>
+        </p:nvSpPr>
+        <p:spPr>
+          <a:xfrm>
+            <a:off x="381000" y="685800"/>
+            <a:ext cx="6096000" cy="3429000"/>
+          </a:xfrm>
+          <a:custGeom>
+            <a:avLst/>
+            <a:gdLst/>
+            <a:ahLst/>
+            <a:cxnLst/>
+            <a:rect l="l" t="t" r="r" b="b"/>
+            <a:pathLst>
+              <a:path w="120000" h="120000" extrusionOk="0">
+                <a:moveTo>
+                  <a:pt x="0" y="0"/>
+                </a:moveTo>
+                <a:lnTo>
+                  <a:pt x="120000" y="0"/>
+                </a:lnTo>
+                <a:lnTo>
+                  <a:pt x="120000" y="120000"/>
+                </a:lnTo>
+                <a:lnTo>
+                  <a:pt x="0" y="120000"/>
+                </a:lnTo>
+                <a:close/>
+              </a:path>
+            </a:pathLst>
+          </a:custGeom>
+        </p:spPr>
+      </p:sp>
+      <p:sp>
+        <p:nvSpPr>
+          <p:cNvPr id="152" name="Google Shape;152;g55cedae8a8_0_6:notes"/>
+          <p:cNvSpPr txBox="1">
+            <a:spLocks noGrp="1"/>
+          </p:cNvSpPr>
+          <p:nvPr>
+            <p:ph type="body" idx="1"/>
+          </p:nvPr>
+        </p:nvSpPr>
+        <p:spPr>
+          <a:xfrm>
+            <a:off x="685800" y="4343400"/>
+            <a:ext cx="5486400" cy="4114800"/>
+          </a:xfrm>
+          <a:prstGeom prst="rect">
+            <a:avLst/>
+          </a:prstGeom>
+        </p:spPr>
+        <p:txBody>
+          <a:bodyPr spcFirstLastPara="1" wrap="square" lIns="91425" tIns="91425" rIns="91425" bIns="91425" anchor="t" anchorCtr="0">
+            <a:noAutofit/>
+          </a:bodyPr>
+          <a:lstStyle/>
+          <a:p>
+            <a:pPr marL="0" lvl="0" indent="0" algn="l" rtl="0">
+              <a:spcBef>
+                <a:spcPts val="0"/>
+              </a:spcBef>
+              <a:spcAft>
+                <a:spcPts val="0"/>
+              </a:spcAft>
+              <a:buNone/>
+            </a:pPr>
+            <a:endParaRPr/>
+          </a:p>
+        </p:txBody>
+      </p:sp>
+    </p:spTree>
+    <p:extLst>
+      <p:ext uri="{BB962C8B-B14F-4D97-AF65-F5344CB8AC3E}">
+        <p14:creationId xmlns:p14="http://schemas.microsoft.com/office/powerpoint/2010/main" val="3816541546"/>
+      </p:ext>
+    </p:extLst>
+  </p:cSld>
+  <p:clrMapOvr>
+    <a:masterClrMapping/>
+  </p:clrMapOvr>
+</p:notes>
+</file>
+
+<file path=ppt/notesSlides/notesSlide9.xml><?xml version="1.0" encoding="utf-8"?>
 <p:notes xmlns:a="http://schemas.openxmlformats.org/drawingml/2006/main" xmlns:r="http://schemas.openxmlformats.org/officeDocument/2006/relationships" xmlns:p="http://schemas.openxmlformats.org/presentationml/2006/main" showMasterSp="0" showMasterPhAnim="0">
   <p:cSld>
     <p:spTree>
@@ -1416,110 +1702,6 @@
       <p:sp>
         <p:nvSpPr>
           <p:cNvPr id="159" name="Google Shape;159;g4ae6e2fbef_0_100:notes"/>
-          <p:cNvSpPr txBox="1">
-            <a:spLocks noGrp="1"/>
-          </p:cNvSpPr>
-          <p:nvPr>
-            <p:ph type="body" idx="1"/>
-          </p:nvPr>
-        </p:nvSpPr>
-        <p:spPr>
-          <a:xfrm>
-            <a:off x="685800" y="4343400"/>
-            <a:ext cx="5486400" cy="4114800"/>
-          </a:xfrm>
-          <a:prstGeom prst="rect">
-            <a:avLst/>
-          </a:prstGeom>
-        </p:spPr>
-        <p:txBody>
-          <a:bodyPr spcFirstLastPara="1" wrap="square" lIns="91425" tIns="91425" rIns="91425" bIns="91425" anchor="t" anchorCtr="0">
-            <a:noAutofit/>
-          </a:bodyPr>
-          <a:lstStyle/>
-          <a:p>
-            <a:pPr marL="0" lvl="0" indent="0" algn="l" rtl="0">
-              <a:spcBef>
-                <a:spcPts val="0"/>
-              </a:spcBef>
-              <a:spcAft>
-                <a:spcPts val="0"/>
-              </a:spcAft>
-              <a:buNone/>
-            </a:pPr>
-            <a:endParaRPr/>
-          </a:p>
-        </p:txBody>
-      </p:sp>
-    </p:spTree>
-  </p:cSld>
-  <p:clrMapOvr>
-    <a:masterClrMapping/>
-  </p:clrMapOvr>
-</p:notes>
-</file>
-
-<file path=ppt/notesSlides/notesSlide8.xml><?xml version="1.0" encoding="utf-8"?>
-<p:notes xmlns:a="http://schemas.openxmlformats.org/drawingml/2006/main" xmlns:r="http://schemas.openxmlformats.org/officeDocument/2006/relationships" xmlns:p="http://schemas.openxmlformats.org/presentationml/2006/main" showMasterSp="0" showMasterPhAnim="0">
-  <p:cSld>
-    <p:spTree>
-      <p:nvGrpSpPr>
-        <p:cNvPr id="1" name="Shape 164"/>
-        <p:cNvGrpSpPr/>
-        <p:nvPr/>
-      </p:nvGrpSpPr>
-      <p:grpSpPr>
-        <a:xfrm>
-          <a:off x="0" y="0"/>
-          <a:ext cx="0" cy="0"/>
-          <a:chOff x="0" y="0"/>
-          <a:chExt cx="0" cy="0"/>
-        </a:xfrm>
-      </p:grpSpPr>
-      <p:sp>
-        <p:nvSpPr>
-          <p:cNvPr id="165" name="Google Shape;165;g34f1108a36_0_254:notes"/>
-          <p:cNvSpPr>
-            <a:spLocks noGrp="1" noRot="1" noChangeAspect="1"/>
-          </p:cNvSpPr>
-          <p:nvPr>
-            <p:ph type="sldImg" idx="2"/>
-          </p:nvPr>
-        </p:nvSpPr>
-        <p:spPr>
-          <a:xfrm>
-            <a:off x="381000" y="685800"/>
-            <a:ext cx="6096000" cy="3429000"/>
-          </a:xfrm>
-          <a:custGeom>
-            <a:avLst/>
-            <a:gdLst/>
-            <a:ahLst/>
-            <a:cxnLst/>
-            <a:rect l="l" t="t" r="r" b="b"/>
-            <a:pathLst>
-              <a:path w="120000" h="120000" extrusionOk="0">
-                <a:moveTo>
-                  <a:pt x="0" y="0"/>
-                </a:moveTo>
-                <a:lnTo>
-                  <a:pt x="120000" y="0"/>
-                </a:lnTo>
-                <a:lnTo>
-                  <a:pt x="120000" y="120000"/>
-                </a:lnTo>
-                <a:lnTo>
-                  <a:pt x="0" y="120000"/>
-                </a:lnTo>
-                <a:close/>
-              </a:path>
-            </a:pathLst>
-          </a:custGeom>
-        </p:spPr>
-      </p:sp>
-      <p:sp>
-        <p:nvSpPr>
-          <p:cNvPr id="166" name="Google Shape;166;g34f1108a36_0_254:notes"/>
           <p:cNvSpPr txBox="1">
             <a:spLocks noGrp="1"/>
           </p:cNvSpPr>
@@ -7054,11 +7236,7 @@
             </a:r>
             <a:r>
               <a:rPr lang="ru" sz="2400" dirty="0" smtClean="0"/>
-              <a:t>интерфейсы</a:t>
-            </a:r>
-            <a:r>
-              <a:rPr lang="ru" sz="2400" dirty="0" smtClean="0"/>
-              <a:t>)</a:t>
+              <a:t>интерфейсы)</a:t>
             </a:r>
             <a:endParaRPr sz="2400" dirty="0"/>
           </a:p>
@@ -7186,7 +7364,7 @@
           <a:p>
             <a:r>
               <a:rPr lang="ru-RU" dirty="0" smtClean="0"/>
-              <a:t>Интерфейсы</a:t>
+              <a:t>Полиморфизм</a:t>
             </a:r>
             <a:endParaRPr lang="ru-RU" dirty="0"/>
           </a:p>
@@ -7194,70 +7372,784 @@
       </p:sp>
       <p:sp>
         <p:nvSpPr>
-          <p:cNvPr id="3" name="Текст 2"/>
-          <p:cNvSpPr>
-            <a:spLocks noGrp="1"/>
-          </p:cNvSpPr>
-          <p:nvPr>
-            <p:ph type="body" idx="1"/>
-          </p:nvPr>
-        </p:nvSpPr>
-        <p:spPr>
-          <a:xfrm>
-            <a:off x="387900" y="1489824"/>
-            <a:ext cx="8368200" cy="1810589"/>
-          </a:xfrm>
-        </p:spPr>
-        <p:txBody>
-          <a:bodyPr/>
-          <a:lstStyle/>
-          <a:p>
-            <a:r>
-              <a:rPr lang="ru-RU" sz="1400" dirty="0"/>
-              <a:t>В большинстве статей смысл интерфейса разъясняется как «договор» о том, что должен содержать класс, какие свойства и методы</a:t>
-            </a:r>
-            <a:r>
-              <a:rPr lang="ru-RU" sz="1400" dirty="0" smtClean="0"/>
-              <a:t>.</a:t>
-            </a:r>
-          </a:p>
-          <a:p>
-            <a:r>
-              <a:rPr lang="ru-RU" sz="1400" dirty="0"/>
-              <a:t>К счастью возможности интерфейса намного интереснее. Интерфейс может задать общий признак для разнородных объектов, а это открывает огромные возможности по части </a:t>
-            </a:r>
-            <a:r>
-              <a:rPr lang="ru-RU" sz="1400" dirty="0" smtClean="0"/>
-              <a:t>гибкости </a:t>
-            </a:r>
-            <a:r>
-              <a:rPr lang="ru-RU" sz="1400" dirty="0"/>
-              <a:t>кода</a:t>
-            </a:r>
-            <a:r>
-              <a:rPr lang="ru-RU" sz="1400" dirty="0" smtClean="0"/>
-              <a:t>.</a:t>
-            </a:r>
-          </a:p>
-          <a:p>
-            <a:r>
-              <a:rPr lang="ru-RU" sz="1400" dirty="0" smtClean="0"/>
-              <a:t>Интерфейс не может иметь полей и реализованных методов</a:t>
-            </a:r>
-            <a:endParaRPr lang="ru-RU" sz="1400" dirty="0"/>
-          </a:p>
-        </p:txBody>
-      </p:sp>
-      <p:sp>
-        <p:nvSpPr>
-          <p:cNvPr id="6" name="Прямоугольник 5"/>
+          <p:cNvPr id="4" name="Прямоугольник 3"/>
           <p:cNvSpPr/>
           <p:nvPr/>
         </p:nvSpPr>
         <p:spPr>
           <a:xfrm>
-            <a:off x="730800" y="3200846"/>
-            <a:ext cx="4572000" cy="1384995"/>
+            <a:off x="387900" y="1574071"/>
+            <a:ext cx="3547996" cy="2862322"/>
+          </a:xfrm>
+          <a:prstGeom prst="rect">
+            <a:avLst/>
+          </a:prstGeom>
+        </p:spPr>
+        <p:txBody>
+          <a:bodyPr wrap="square">
+            <a:spAutoFit/>
+          </a:bodyPr>
+          <a:lstStyle/>
+          <a:p>
+            <a:r>
+              <a:rPr lang="en-US" sz="1200" dirty="0">
+                <a:solidFill>
+                  <a:srgbClr val="569CD6"/>
+                </a:solidFill>
+                <a:latin typeface="Consolas" panose="020B0609020204030204" pitchFamily="49" charset="0"/>
+              </a:rPr>
+              <a:t>public</a:t>
+            </a:r>
+            <a:r>
+              <a:rPr lang="en-US" sz="1200" dirty="0">
+                <a:solidFill>
+                  <a:srgbClr val="D4D4D4"/>
+                </a:solidFill>
+                <a:latin typeface="Consolas" panose="020B0609020204030204" pitchFamily="49" charset="0"/>
+              </a:rPr>
+              <a:t> </a:t>
+            </a:r>
+            <a:r>
+              <a:rPr lang="en-US" sz="1200" dirty="0">
+                <a:solidFill>
+                  <a:srgbClr val="569CD6"/>
+                </a:solidFill>
+                <a:latin typeface="Consolas" panose="020B0609020204030204" pitchFamily="49" charset="0"/>
+              </a:rPr>
+              <a:t>class</a:t>
+            </a:r>
+            <a:r>
+              <a:rPr lang="en-US" sz="1200" dirty="0">
+                <a:solidFill>
+                  <a:srgbClr val="D4D4D4"/>
+                </a:solidFill>
+                <a:latin typeface="Consolas" panose="020B0609020204030204" pitchFamily="49" charset="0"/>
+              </a:rPr>
+              <a:t> </a:t>
+            </a:r>
+            <a:r>
+              <a:rPr lang="en-US" sz="1200" dirty="0">
+                <a:solidFill>
+                  <a:srgbClr val="4EC9B0"/>
+                </a:solidFill>
+                <a:latin typeface="Consolas" panose="020B0609020204030204" pitchFamily="49" charset="0"/>
+              </a:rPr>
+              <a:t>Shape</a:t>
+            </a:r>
+            <a:endParaRPr lang="en-US" sz="1200" dirty="0">
+              <a:solidFill>
+                <a:srgbClr val="D4D4D4"/>
+              </a:solidFill>
+              <a:latin typeface="Consolas" panose="020B0609020204030204" pitchFamily="49" charset="0"/>
+            </a:endParaRPr>
+          </a:p>
+          <a:p>
+            <a:r>
+              <a:rPr lang="en-US" sz="1200" dirty="0">
+                <a:solidFill>
+                  <a:srgbClr val="D4D4D4"/>
+                </a:solidFill>
+                <a:latin typeface="Consolas" panose="020B0609020204030204" pitchFamily="49" charset="0"/>
+              </a:rPr>
+              <a:t>{</a:t>
+            </a:r>
+          </a:p>
+          <a:p>
+            <a:r>
+              <a:rPr lang="en-US" sz="1200" dirty="0">
+                <a:solidFill>
+                  <a:srgbClr val="D4D4D4"/>
+                </a:solidFill>
+                <a:latin typeface="Consolas" panose="020B0609020204030204" pitchFamily="49" charset="0"/>
+              </a:rPr>
+              <a:t>    </a:t>
+            </a:r>
+            <a:r>
+              <a:rPr lang="en-US" sz="1200" dirty="0">
+                <a:solidFill>
+                  <a:srgbClr val="6A9955"/>
+                </a:solidFill>
+                <a:latin typeface="Consolas" panose="020B0609020204030204" pitchFamily="49" charset="0"/>
+              </a:rPr>
+              <a:t>// A few example members</a:t>
+            </a:r>
+            <a:endParaRPr lang="en-US" sz="1200" dirty="0">
+              <a:solidFill>
+                <a:srgbClr val="D4D4D4"/>
+              </a:solidFill>
+              <a:latin typeface="Consolas" panose="020B0609020204030204" pitchFamily="49" charset="0"/>
+            </a:endParaRPr>
+          </a:p>
+          <a:p>
+            <a:r>
+              <a:rPr lang="en-US" sz="1200" dirty="0">
+                <a:solidFill>
+                  <a:srgbClr val="D4D4D4"/>
+                </a:solidFill>
+                <a:latin typeface="Consolas" panose="020B0609020204030204" pitchFamily="49" charset="0"/>
+              </a:rPr>
+              <a:t>    </a:t>
+            </a:r>
+            <a:r>
+              <a:rPr lang="en-US" sz="1200" dirty="0">
+                <a:solidFill>
+                  <a:srgbClr val="569CD6"/>
+                </a:solidFill>
+                <a:latin typeface="Consolas" panose="020B0609020204030204" pitchFamily="49" charset="0"/>
+              </a:rPr>
+              <a:t>public</a:t>
+            </a:r>
+            <a:r>
+              <a:rPr lang="en-US" sz="1200" dirty="0">
+                <a:solidFill>
+                  <a:srgbClr val="D4D4D4"/>
+                </a:solidFill>
+                <a:latin typeface="Consolas" panose="020B0609020204030204" pitchFamily="49" charset="0"/>
+              </a:rPr>
+              <a:t> </a:t>
+            </a:r>
+            <a:r>
+              <a:rPr lang="en-US" sz="1200" dirty="0">
+                <a:solidFill>
+                  <a:srgbClr val="569CD6"/>
+                </a:solidFill>
+                <a:latin typeface="Consolas" panose="020B0609020204030204" pitchFamily="49" charset="0"/>
+              </a:rPr>
+              <a:t>int</a:t>
+            </a:r>
+            <a:r>
+              <a:rPr lang="en-US" sz="1200" dirty="0">
+                <a:solidFill>
+                  <a:srgbClr val="D4D4D4"/>
+                </a:solidFill>
+                <a:latin typeface="Consolas" panose="020B0609020204030204" pitchFamily="49" charset="0"/>
+              </a:rPr>
+              <a:t> </a:t>
+            </a:r>
+            <a:r>
+              <a:rPr lang="en-US" sz="1200" dirty="0">
+                <a:solidFill>
+                  <a:srgbClr val="9CDCFE"/>
+                </a:solidFill>
+                <a:latin typeface="Consolas" panose="020B0609020204030204" pitchFamily="49" charset="0"/>
+              </a:rPr>
+              <a:t>X</a:t>
+            </a:r>
+            <a:r>
+              <a:rPr lang="en-US" sz="1200" dirty="0">
+                <a:solidFill>
+                  <a:srgbClr val="D4D4D4"/>
+                </a:solidFill>
+                <a:latin typeface="Consolas" panose="020B0609020204030204" pitchFamily="49" charset="0"/>
+              </a:rPr>
+              <a:t> { </a:t>
+            </a:r>
+            <a:r>
+              <a:rPr lang="en-US" sz="1200" dirty="0">
+                <a:solidFill>
+                  <a:srgbClr val="569CD6"/>
+                </a:solidFill>
+                <a:latin typeface="Consolas" panose="020B0609020204030204" pitchFamily="49" charset="0"/>
+              </a:rPr>
+              <a:t>get</a:t>
+            </a:r>
+            <a:r>
+              <a:rPr lang="en-US" sz="1200" dirty="0">
+                <a:solidFill>
+                  <a:srgbClr val="D4D4D4"/>
+                </a:solidFill>
+                <a:latin typeface="Consolas" panose="020B0609020204030204" pitchFamily="49" charset="0"/>
+              </a:rPr>
+              <a:t>; </a:t>
+            </a:r>
+            <a:r>
+              <a:rPr lang="en-US" sz="1200" dirty="0">
+                <a:solidFill>
+                  <a:srgbClr val="569CD6"/>
+                </a:solidFill>
+                <a:latin typeface="Consolas" panose="020B0609020204030204" pitchFamily="49" charset="0"/>
+              </a:rPr>
+              <a:t>private</a:t>
+            </a:r>
+            <a:r>
+              <a:rPr lang="en-US" sz="1200" dirty="0">
+                <a:solidFill>
+                  <a:srgbClr val="D4D4D4"/>
+                </a:solidFill>
+                <a:latin typeface="Consolas" panose="020B0609020204030204" pitchFamily="49" charset="0"/>
+              </a:rPr>
+              <a:t> </a:t>
+            </a:r>
+            <a:r>
+              <a:rPr lang="en-US" sz="1200" dirty="0">
+                <a:solidFill>
+                  <a:srgbClr val="569CD6"/>
+                </a:solidFill>
+                <a:latin typeface="Consolas" panose="020B0609020204030204" pitchFamily="49" charset="0"/>
+              </a:rPr>
+              <a:t>set</a:t>
+            </a:r>
+            <a:r>
+              <a:rPr lang="en-US" sz="1200" dirty="0">
+                <a:solidFill>
+                  <a:srgbClr val="D4D4D4"/>
+                </a:solidFill>
+                <a:latin typeface="Consolas" panose="020B0609020204030204" pitchFamily="49" charset="0"/>
+              </a:rPr>
+              <a:t>; }</a:t>
+            </a:r>
+          </a:p>
+          <a:p>
+            <a:r>
+              <a:rPr lang="en-US" sz="1200" dirty="0">
+                <a:solidFill>
+                  <a:srgbClr val="D4D4D4"/>
+                </a:solidFill>
+                <a:latin typeface="Consolas" panose="020B0609020204030204" pitchFamily="49" charset="0"/>
+              </a:rPr>
+              <a:t>    </a:t>
+            </a:r>
+            <a:r>
+              <a:rPr lang="en-US" sz="1200" dirty="0">
+                <a:solidFill>
+                  <a:srgbClr val="569CD6"/>
+                </a:solidFill>
+                <a:latin typeface="Consolas" panose="020B0609020204030204" pitchFamily="49" charset="0"/>
+              </a:rPr>
+              <a:t>public</a:t>
+            </a:r>
+            <a:r>
+              <a:rPr lang="en-US" sz="1200" dirty="0">
+                <a:solidFill>
+                  <a:srgbClr val="D4D4D4"/>
+                </a:solidFill>
+                <a:latin typeface="Consolas" panose="020B0609020204030204" pitchFamily="49" charset="0"/>
+              </a:rPr>
+              <a:t> </a:t>
+            </a:r>
+            <a:r>
+              <a:rPr lang="en-US" sz="1200" dirty="0">
+                <a:solidFill>
+                  <a:srgbClr val="569CD6"/>
+                </a:solidFill>
+                <a:latin typeface="Consolas" panose="020B0609020204030204" pitchFamily="49" charset="0"/>
+              </a:rPr>
+              <a:t>int</a:t>
+            </a:r>
+            <a:r>
+              <a:rPr lang="en-US" sz="1200" dirty="0">
+                <a:solidFill>
+                  <a:srgbClr val="D4D4D4"/>
+                </a:solidFill>
+                <a:latin typeface="Consolas" panose="020B0609020204030204" pitchFamily="49" charset="0"/>
+              </a:rPr>
+              <a:t> </a:t>
+            </a:r>
+            <a:r>
+              <a:rPr lang="en-US" sz="1200" dirty="0">
+                <a:solidFill>
+                  <a:srgbClr val="9CDCFE"/>
+                </a:solidFill>
+                <a:latin typeface="Consolas" panose="020B0609020204030204" pitchFamily="49" charset="0"/>
+              </a:rPr>
+              <a:t>Y</a:t>
+            </a:r>
+            <a:r>
+              <a:rPr lang="en-US" sz="1200" dirty="0">
+                <a:solidFill>
+                  <a:srgbClr val="D4D4D4"/>
+                </a:solidFill>
+                <a:latin typeface="Consolas" panose="020B0609020204030204" pitchFamily="49" charset="0"/>
+              </a:rPr>
+              <a:t> { </a:t>
+            </a:r>
+            <a:r>
+              <a:rPr lang="en-US" sz="1200" dirty="0">
+                <a:solidFill>
+                  <a:srgbClr val="569CD6"/>
+                </a:solidFill>
+                <a:latin typeface="Consolas" panose="020B0609020204030204" pitchFamily="49" charset="0"/>
+              </a:rPr>
+              <a:t>get</a:t>
+            </a:r>
+            <a:r>
+              <a:rPr lang="en-US" sz="1200" dirty="0">
+                <a:solidFill>
+                  <a:srgbClr val="D4D4D4"/>
+                </a:solidFill>
+                <a:latin typeface="Consolas" panose="020B0609020204030204" pitchFamily="49" charset="0"/>
+              </a:rPr>
+              <a:t>; </a:t>
+            </a:r>
+            <a:r>
+              <a:rPr lang="en-US" sz="1200" dirty="0">
+                <a:solidFill>
+                  <a:srgbClr val="569CD6"/>
+                </a:solidFill>
+                <a:latin typeface="Consolas" panose="020B0609020204030204" pitchFamily="49" charset="0"/>
+              </a:rPr>
+              <a:t>private</a:t>
+            </a:r>
+            <a:r>
+              <a:rPr lang="en-US" sz="1200" dirty="0">
+                <a:solidFill>
+                  <a:srgbClr val="D4D4D4"/>
+                </a:solidFill>
+                <a:latin typeface="Consolas" panose="020B0609020204030204" pitchFamily="49" charset="0"/>
+              </a:rPr>
+              <a:t> </a:t>
+            </a:r>
+            <a:r>
+              <a:rPr lang="en-US" sz="1200" dirty="0">
+                <a:solidFill>
+                  <a:srgbClr val="569CD6"/>
+                </a:solidFill>
+                <a:latin typeface="Consolas" panose="020B0609020204030204" pitchFamily="49" charset="0"/>
+              </a:rPr>
+              <a:t>set</a:t>
+            </a:r>
+            <a:r>
+              <a:rPr lang="en-US" sz="1200" dirty="0">
+                <a:solidFill>
+                  <a:srgbClr val="D4D4D4"/>
+                </a:solidFill>
+                <a:latin typeface="Consolas" panose="020B0609020204030204" pitchFamily="49" charset="0"/>
+              </a:rPr>
+              <a:t>; }</a:t>
+            </a:r>
+          </a:p>
+          <a:p>
+            <a:r>
+              <a:rPr lang="en-US" sz="1200" dirty="0">
+                <a:solidFill>
+                  <a:srgbClr val="D4D4D4"/>
+                </a:solidFill>
+                <a:latin typeface="Consolas" panose="020B0609020204030204" pitchFamily="49" charset="0"/>
+              </a:rPr>
+              <a:t>    </a:t>
+            </a:r>
+            <a:r>
+              <a:rPr lang="en-US" sz="1200" dirty="0">
+                <a:solidFill>
+                  <a:srgbClr val="569CD6"/>
+                </a:solidFill>
+                <a:latin typeface="Consolas" panose="020B0609020204030204" pitchFamily="49" charset="0"/>
+              </a:rPr>
+              <a:t>public</a:t>
+            </a:r>
+            <a:r>
+              <a:rPr lang="en-US" sz="1200" dirty="0">
+                <a:solidFill>
+                  <a:srgbClr val="D4D4D4"/>
+                </a:solidFill>
+                <a:latin typeface="Consolas" panose="020B0609020204030204" pitchFamily="49" charset="0"/>
+              </a:rPr>
+              <a:t> </a:t>
+            </a:r>
+            <a:r>
+              <a:rPr lang="en-US" sz="1200" dirty="0">
+                <a:solidFill>
+                  <a:srgbClr val="569CD6"/>
+                </a:solidFill>
+                <a:latin typeface="Consolas" panose="020B0609020204030204" pitchFamily="49" charset="0"/>
+              </a:rPr>
+              <a:t>int</a:t>
+            </a:r>
+            <a:r>
+              <a:rPr lang="en-US" sz="1200" dirty="0">
+                <a:solidFill>
+                  <a:srgbClr val="D4D4D4"/>
+                </a:solidFill>
+                <a:latin typeface="Consolas" panose="020B0609020204030204" pitchFamily="49" charset="0"/>
+              </a:rPr>
+              <a:t> </a:t>
+            </a:r>
+            <a:r>
+              <a:rPr lang="en-US" sz="1200" dirty="0">
+                <a:solidFill>
+                  <a:srgbClr val="9CDCFE"/>
+                </a:solidFill>
+                <a:latin typeface="Consolas" panose="020B0609020204030204" pitchFamily="49" charset="0"/>
+              </a:rPr>
+              <a:t>Height</a:t>
+            </a:r>
+            <a:r>
+              <a:rPr lang="en-US" sz="1200" dirty="0">
+                <a:solidFill>
+                  <a:srgbClr val="D4D4D4"/>
+                </a:solidFill>
+                <a:latin typeface="Consolas" panose="020B0609020204030204" pitchFamily="49" charset="0"/>
+              </a:rPr>
+              <a:t> { </a:t>
+            </a:r>
+            <a:r>
+              <a:rPr lang="en-US" sz="1200" dirty="0">
+                <a:solidFill>
+                  <a:srgbClr val="569CD6"/>
+                </a:solidFill>
+                <a:latin typeface="Consolas" panose="020B0609020204030204" pitchFamily="49" charset="0"/>
+              </a:rPr>
+              <a:t>get</a:t>
+            </a:r>
+            <a:r>
+              <a:rPr lang="en-US" sz="1200" dirty="0">
+                <a:solidFill>
+                  <a:srgbClr val="D4D4D4"/>
+                </a:solidFill>
+                <a:latin typeface="Consolas" panose="020B0609020204030204" pitchFamily="49" charset="0"/>
+              </a:rPr>
+              <a:t>; </a:t>
+            </a:r>
+            <a:r>
+              <a:rPr lang="en-US" sz="1200" dirty="0">
+                <a:solidFill>
+                  <a:srgbClr val="569CD6"/>
+                </a:solidFill>
+                <a:latin typeface="Consolas" panose="020B0609020204030204" pitchFamily="49" charset="0"/>
+              </a:rPr>
+              <a:t>set</a:t>
+            </a:r>
+            <a:r>
+              <a:rPr lang="en-US" sz="1200" dirty="0">
+                <a:solidFill>
+                  <a:srgbClr val="D4D4D4"/>
+                </a:solidFill>
+                <a:latin typeface="Consolas" panose="020B0609020204030204" pitchFamily="49" charset="0"/>
+              </a:rPr>
+              <a:t>; }</a:t>
+            </a:r>
+          </a:p>
+          <a:p>
+            <a:r>
+              <a:rPr lang="en-US" sz="1200" dirty="0">
+                <a:solidFill>
+                  <a:srgbClr val="D4D4D4"/>
+                </a:solidFill>
+                <a:latin typeface="Consolas" panose="020B0609020204030204" pitchFamily="49" charset="0"/>
+              </a:rPr>
+              <a:t>    </a:t>
+            </a:r>
+            <a:r>
+              <a:rPr lang="en-US" sz="1200" dirty="0">
+                <a:solidFill>
+                  <a:srgbClr val="569CD6"/>
+                </a:solidFill>
+                <a:latin typeface="Consolas" panose="020B0609020204030204" pitchFamily="49" charset="0"/>
+              </a:rPr>
+              <a:t>public</a:t>
+            </a:r>
+            <a:r>
+              <a:rPr lang="en-US" sz="1200" dirty="0">
+                <a:solidFill>
+                  <a:srgbClr val="D4D4D4"/>
+                </a:solidFill>
+                <a:latin typeface="Consolas" panose="020B0609020204030204" pitchFamily="49" charset="0"/>
+              </a:rPr>
+              <a:t> </a:t>
+            </a:r>
+            <a:r>
+              <a:rPr lang="en-US" sz="1200" dirty="0">
+                <a:solidFill>
+                  <a:srgbClr val="569CD6"/>
+                </a:solidFill>
+                <a:latin typeface="Consolas" panose="020B0609020204030204" pitchFamily="49" charset="0"/>
+              </a:rPr>
+              <a:t>int</a:t>
+            </a:r>
+            <a:r>
+              <a:rPr lang="en-US" sz="1200" dirty="0">
+                <a:solidFill>
+                  <a:srgbClr val="D4D4D4"/>
+                </a:solidFill>
+                <a:latin typeface="Consolas" panose="020B0609020204030204" pitchFamily="49" charset="0"/>
+              </a:rPr>
+              <a:t> </a:t>
+            </a:r>
+            <a:r>
+              <a:rPr lang="en-US" sz="1200" dirty="0">
+                <a:solidFill>
+                  <a:srgbClr val="9CDCFE"/>
+                </a:solidFill>
+                <a:latin typeface="Consolas" panose="020B0609020204030204" pitchFamily="49" charset="0"/>
+              </a:rPr>
+              <a:t>Width</a:t>
+            </a:r>
+            <a:r>
+              <a:rPr lang="en-US" sz="1200" dirty="0">
+                <a:solidFill>
+                  <a:srgbClr val="D4D4D4"/>
+                </a:solidFill>
+                <a:latin typeface="Consolas" panose="020B0609020204030204" pitchFamily="49" charset="0"/>
+              </a:rPr>
+              <a:t> { </a:t>
+            </a:r>
+            <a:r>
+              <a:rPr lang="en-US" sz="1200" dirty="0">
+                <a:solidFill>
+                  <a:srgbClr val="569CD6"/>
+                </a:solidFill>
+                <a:latin typeface="Consolas" panose="020B0609020204030204" pitchFamily="49" charset="0"/>
+              </a:rPr>
+              <a:t>get</a:t>
+            </a:r>
+            <a:r>
+              <a:rPr lang="en-US" sz="1200" dirty="0">
+                <a:solidFill>
+                  <a:srgbClr val="D4D4D4"/>
+                </a:solidFill>
+                <a:latin typeface="Consolas" panose="020B0609020204030204" pitchFamily="49" charset="0"/>
+              </a:rPr>
+              <a:t>; </a:t>
+            </a:r>
+            <a:r>
+              <a:rPr lang="en-US" sz="1200" dirty="0">
+                <a:solidFill>
+                  <a:srgbClr val="569CD6"/>
+                </a:solidFill>
+                <a:latin typeface="Consolas" panose="020B0609020204030204" pitchFamily="49" charset="0"/>
+              </a:rPr>
+              <a:t>set</a:t>
+            </a:r>
+            <a:r>
+              <a:rPr lang="en-US" sz="1200" dirty="0">
+                <a:solidFill>
+                  <a:srgbClr val="D4D4D4"/>
+                </a:solidFill>
+                <a:latin typeface="Consolas" panose="020B0609020204030204" pitchFamily="49" charset="0"/>
+              </a:rPr>
+              <a:t>; }</a:t>
+            </a:r>
+          </a:p>
+          <a:p>
+            <a:r>
+              <a:rPr lang="en-US" sz="1200" dirty="0">
+                <a:solidFill>
+                  <a:srgbClr val="D4D4D4"/>
+                </a:solidFill>
+                <a:latin typeface="Consolas" panose="020B0609020204030204" pitchFamily="49" charset="0"/>
+              </a:rPr>
+              <a:t>   </a:t>
+            </a:r>
+          </a:p>
+          <a:p>
+            <a:r>
+              <a:rPr lang="en-US" sz="1200" dirty="0">
+                <a:solidFill>
+                  <a:srgbClr val="D4D4D4"/>
+                </a:solidFill>
+                <a:latin typeface="Consolas" panose="020B0609020204030204" pitchFamily="49" charset="0"/>
+              </a:rPr>
+              <a:t>    </a:t>
+            </a:r>
+            <a:r>
+              <a:rPr lang="en-US" sz="1200" dirty="0">
+                <a:solidFill>
+                  <a:srgbClr val="6A9955"/>
+                </a:solidFill>
+                <a:latin typeface="Consolas" panose="020B0609020204030204" pitchFamily="49" charset="0"/>
+              </a:rPr>
+              <a:t>// Virtual method</a:t>
+            </a:r>
+            <a:endParaRPr lang="en-US" sz="1200" dirty="0">
+              <a:solidFill>
+                <a:srgbClr val="D4D4D4"/>
+              </a:solidFill>
+              <a:latin typeface="Consolas" panose="020B0609020204030204" pitchFamily="49" charset="0"/>
+            </a:endParaRPr>
+          </a:p>
+          <a:p>
+            <a:r>
+              <a:rPr lang="en-US" sz="1200" dirty="0">
+                <a:solidFill>
+                  <a:srgbClr val="D4D4D4"/>
+                </a:solidFill>
+                <a:latin typeface="Consolas" panose="020B0609020204030204" pitchFamily="49" charset="0"/>
+              </a:rPr>
+              <a:t>    </a:t>
+            </a:r>
+            <a:r>
+              <a:rPr lang="en-US" sz="1200" dirty="0">
+                <a:solidFill>
+                  <a:srgbClr val="569CD6"/>
+                </a:solidFill>
+                <a:latin typeface="Consolas" panose="020B0609020204030204" pitchFamily="49" charset="0"/>
+              </a:rPr>
+              <a:t>public</a:t>
+            </a:r>
+            <a:r>
+              <a:rPr lang="en-US" sz="1200" dirty="0">
+                <a:solidFill>
+                  <a:srgbClr val="D4D4D4"/>
+                </a:solidFill>
+                <a:latin typeface="Consolas" panose="020B0609020204030204" pitchFamily="49" charset="0"/>
+              </a:rPr>
+              <a:t> </a:t>
+            </a:r>
+            <a:r>
+              <a:rPr lang="en-US" sz="1200" dirty="0">
+                <a:solidFill>
+                  <a:srgbClr val="569CD6"/>
+                </a:solidFill>
+                <a:latin typeface="Consolas" panose="020B0609020204030204" pitchFamily="49" charset="0"/>
+              </a:rPr>
+              <a:t>virtual</a:t>
+            </a:r>
+            <a:r>
+              <a:rPr lang="en-US" sz="1200" dirty="0">
+                <a:solidFill>
+                  <a:srgbClr val="D4D4D4"/>
+                </a:solidFill>
+                <a:latin typeface="Consolas" panose="020B0609020204030204" pitchFamily="49" charset="0"/>
+              </a:rPr>
+              <a:t> </a:t>
+            </a:r>
+            <a:r>
+              <a:rPr lang="en-US" sz="1200" dirty="0">
+                <a:solidFill>
+                  <a:srgbClr val="569CD6"/>
+                </a:solidFill>
+                <a:latin typeface="Consolas" panose="020B0609020204030204" pitchFamily="49" charset="0"/>
+              </a:rPr>
+              <a:t>void</a:t>
+            </a:r>
+            <a:r>
+              <a:rPr lang="en-US" sz="1200" dirty="0">
+                <a:solidFill>
+                  <a:srgbClr val="D4D4D4"/>
+                </a:solidFill>
+                <a:latin typeface="Consolas" panose="020B0609020204030204" pitchFamily="49" charset="0"/>
+              </a:rPr>
+              <a:t> </a:t>
+            </a:r>
+            <a:r>
+              <a:rPr lang="en-US" sz="1200" dirty="0">
+                <a:solidFill>
+                  <a:srgbClr val="DCDCAA"/>
+                </a:solidFill>
+                <a:latin typeface="Consolas" panose="020B0609020204030204" pitchFamily="49" charset="0"/>
+              </a:rPr>
+              <a:t>Draw</a:t>
+            </a:r>
+            <a:r>
+              <a:rPr lang="en-US" sz="1200" dirty="0">
+                <a:solidFill>
+                  <a:srgbClr val="D4D4D4"/>
+                </a:solidFill>
+                <a:latin typeface="Consolas" panose="020B0609020204030204" pitchFamily="49" charset="0"/>
+              </a:rPr>
+              <a:t>()</a:t>
+            </a:r>
+          </a:p>
+          <a:p>
+            <a:r>
+              <a:rPr lang="en-US" sz="1200" dirty="0">
+                <a:solidFill>
+                  <a:srgbClr val="D4D4D4"/>
+                </a:solidFill>
+                <a:latin typeface="Consolas" panose="020B0609020204030204" pitchFamily="49" charset="0"/>
+              </a:rPr>
+              <a:t>    {</a:t>
+            </a:r>
+          </a:p>
+          <a:p>
+            <a:r>
+              <a:rPr lang="en-US" sz="1200" dirty="0">
+                <a:solidFill>
+                  <a:srgbClr val="D4D4D4"/>
+                </a:solidFill>
+                <a:latin typeface="Consolas" panose="020B0609020204030204" pitchFamily="49" charset="0"/>
+              </a:rPr>
+              <a:t>        </a:t>
+            </a:r>
+            <a:r>
+              <a:rPr lang="en-US" sz="1200" dirty="0" err="1">
+                <a:solidFill>
+                  <a:srgbClr val="9CDCFE"/>
+                </a:solidFill>
+                <a:latin typeface="Consolas" panose="020B0609020204030204" pitchFamily="49" charset="0"/>
+              </a:rPr>
+              <a:t>Console</a:t>
+            </a:r>
+            <a:r>
+              <a:rPr lang="en-US" sz="1200" dirty="0" err="1">
+                <a:solidFill>
+                  <a:srgbClr val="D4D4D4"/>
+                </a:solidFill>
+                <a:latin typeface="Consolas" panose="020B0609020204030204" pitchFamily="49" charset="0"/>
+              </a:rPr>
+              <a:t>.</a:t>
+            </a:r>
+            <a:r>
+              <a:rPr lang="en-US" sz="1200" dirty="0" err="1">
+                <a:solidFill>
+                  <a:srgbClr val="DCDCAA"/>
+                </a:solidFill>
+                <a:latin typeface="Consolas" panose="020B0609020204030204" pitchFamily="49" charset="0"/>
+              </a:rPr>
+              <a:t>WriteLine</a:t>
+            </a:r>
+            <a:r>
+              <a:rPr lang="en-US" sz="1200" dirty="0">
+                <a:solidFill>
+                  <a:srgbClr val="D4D4D4"/>
+                </a:solidFill>
+                <a:latin typeface="Consolas" panose="020B0609020204030204" pitchFamily="49" charset="0"/>
+              </a:rPr>
+              <a:t>(</a:t>
+            </a:r>
+            <a:r>
+              <a:rPr lang="en-US" sz="1200" dirty="0">
+                <a:solidFill>
+                  <a:srgbClr val="CE9178"/>
+                </a:solidFill>
+                <a:latin typeface="Consolas" panose="020B0609020204030204" pitchFamily="49" charset="0"/>
+              </a:rPr>
+              <a:t>"Base Shape"</a:t>
+            </a:r>
+            <a:r>
+              <a:rPr lang="en-US" sz="1200" dirty="0">
+                <a:solidFill>
+                  <a:srgbClr val="D4D4D4"/>
+                </a:solidFill>
+                <a:latin typeface="Consolas" panose="020B0609020204030204" pitchFamily="49" charset="0"/>
+              </a:rPr>
+              <a:t>);</a:t>
+            </a:r>
+          </a:p>
+          <a:p>
+            <a:r>
+              <a:rPr lang="en-US" sz="1200" dirty="0">
+                <a:solidFill>
+                  <a:srgbClr val="D4D4D4"/>
+                </a:solidFill>
+                <a:latin typeface="Consolas" panose="020B0609020204030204" pitchFamily="49" charset="0"/>
+              </a:rPr>
+              <a:t>    }</a:t>
+            </a:r>
+          </a:p>
+          <a:p>
+            <a:r>
+              <a:rPr lang="en-US" sz="1200" dirty="0">
+                <a:solidFill>
+                  <a:srgbClr val="D4D4D4"/>
+                </a:solidFill>
+                <a:latin typeface="Consolas" panose="020B0609020204030204" pitchFamily="49" charset="0"/>
+              </a:rPr>
+              <a:t>}</a:t>
+            </a:r>
+          </a:p>
+        </p:txBody>
+      </p:sp>
+      <p:sp>
+        <p:nvSpPr>
+          <p:cNvPr id="5" name="Прямоугольник 4"/>
+          <p:cNvSpPr/>
+          <p:nvPr/>
+        </p:nvSpPr>
+        <p:spPr>
+          <a:xfrm>
+            <a:off x="4187139" y="1574071"/>
+            <a:ext cx="4572000" cy="3416320"/>
           </a:xfrm>
           <a:prstGeom prst="rect">
             <a:avLst/>
@@ -7270,77 +8162,62 @@
           <a:lstStyle/>
           <a:p>
             <a:r>
-              <a:rPr lang="en-US" dirty="0">
-                <a:solidFill>
-                  <a:schemeClr val="bg1">
-                    <a:lumMod val="40000"/>
-                    <a:lumOff val="60000"/>
-                  </a:schemeClr>
-                </a:solidFill>
-                <a:latin typeface="Consolas" panose="020B0609020204030204" pitchFamily="49" charset="0"/>
-              </a:rPr>
-              <a:t>public</a:t>
-            </a:r>
-            <a:r>
-              <a:rPr lang="en-US" dirty="0">
-                <a:latin typeface="Consolas" panose="020B0609020204030204" pitchFamily="49" charset="0"/>
-              </a:rPr>
-              <a:t> </a:t>
-            </a:r>
-            <a:r>
-              <a:rPr lang="en-US" dirty="0">
-                <a:solidFill>
-                  <a:schemeClr val="bg1">
-                    <a:lumMod val="40000"/>
-                    <a:lumOff val="60000"/>
-                  </a:schemeClr>
-                </a:solidFill>
-                <a:latin typeface="Consolas" panose="020B0609020204030204" pitchFamily="49" charset="0"/>
-              </a:rPr>
-              <a:t>interface</a:t>
-            </a:r>
-            <a:r>
-              <a:rPr lang="en-US" dirty="0">
-                <a:latin typeface="Consolas" panose="020B0609020204030204" pitchFamily="49" charset="0"/>
-              </a:rPr>
-              <a:t> </a:t>
-            </a:r>
-            <a:r>
-              <a:rPr lang="en-US" dirty="0" err="1">
-                <a:solidFill>
-                  <a:schemeClr val="tx1"/>
-                </a:solidFill>
-                <a:latin typeface="Consolas" panose="020B0609020204030204" pitchFamily="49" charset="0"/>
-              </a:rPr>
-              <a:t>I</a:t>
-            </a:r>
-            <a:r>
-              <a:rPr lang="en-US" dirty="0" err="1" smtClean="0">
-                <a:solidFill>
-                  <a:schemeClr val="tx1"/>
-                </a:solidFill>
-                <a:latin typeface="Consolas" panose="020B0609020204030204" pitchFamily="49" charset="0"/>
-              </a:rPr>
-              <a:t>Animal</a:t>
-            </a:r>
-            <a:endParaRPr lang="en-US" dirty="0">
+              <a:rPr lang="en-US" sz="1200" dirty="0">
+                <a:solidFill>
+                  <a:srgbClr val="569CD6"/>
+                </a:solidFill>
+                <a:latin typeface="Consolas" panose="020B0609020204030204" pitchFamily="49" charset="0"/>
+              </a:rPr>
+              <a:t>class</a:t>
+            </a:r>
+            <a:r>
+              <a:rPr lang="en-US" sz="1200" dirty="0">
+                <a:solidFill>
+                  <a:srgbClr val="D4D4D4"/>
+                </a:solidFill>
+                <a:latin typeface="Consolas" panose="020B0609020204030204" pitchFamily="49" charset="0"/>
+              </a:rPr>
+              <a:t> </a:t>
+            </a:r>
+            <a:r>
+              <a:rPr lang="en-US" sz="1200" dirty="0">
+                <a:solidFill>
+                  <a:srgbClr val="4EC9B0"/>
+                </a:solidFill>
+                <a:latin typeface="Consolas" panose="020B0609020204030204" pitchFamily="49" charset="0"/>
+              </a:rPr>
+              <a:t>Circle</a:t>
+            </a:r>
+            <a:r>
+              <a:rPr lang="en-US" sz="1200" dirty="0">
+                <a:solidFill>
+                  <a:srgbClr val="D4D4D4"/>
+                </a:solidFill>
+                <a:latin typeface="Consolas" panose="020B0609020204030204" pitchFamily="49" charset="0"/>
+              </a:rPr>
+              <a:t> : </a:t>
+            </a:r>
+            <a:r>
+              <a:rPr lang="en-US" sz="1200" dirty="0">
+                <a:solidFill>
+                  <a:srgbClr val="4EC9B0"/>
+                </a:solidFill>
+                <a:latin typeface="Consolas" panose="020B0609020204030204" pitchFamily="49" charset="0"/>
+              </a:rPr>
+              <a:t>Shape</a:t>
+            </a:r>
+            <a:endParaRPr lang="en-US" sz="1200" dirty="0">
               <a:solidFill>
-                <a:schemeClr val="tx1"/>
+                <a:srgbClr val="D4D4D4"/>
               </a:solidFill>
               <a:latin typeface="Consolas" panose="020B0609020204030204" pitchFamily="49" charset="0"/>
             </a:endParaRPr>
           </a:p>
           <a:p>
             <a:r>
-              <a:rPr lang="ru-RU" dirty="0">
-                <a:latin typeface="Consolas" panose="020B0609020204030204" pitchFamily="49" charset="0"/>
-              </a:rPr>
-              <a:t>    </a:t>
-            </a:r>
-            <a:r>
-              <a:rPr lang="ru-RU" dirty="0">
-                <a:solidFill>
-                  <a:schemeClr val="tx1"/>
+              <a:rPr lang="en-US" sz="1200" dirty="0">
+                <a:solidFill>
+                  <a:srgbClr val="D4D4D4"/>
                 </a:solidFill>
                 <a:latin typeface="Consolas" panose="020B0609020204030204" pitchFamily="49" charset="0"/>
               </a:rPr>
@@ -7349,254 +8226,582 @@
           </a:p>
           <a:p>
             <a:r>
-              <a:rPr lang="en-US" dirty="0">
-                <a:latin typeface="Consolas" panose="020B0609020204030204" pitchFamily="49" charset="0"/>
-              </a:rPr>
-              <a:t>        </a:t>
-            </a:r>
-            <a:r>
-              <a:rPr lang="en-US" dirty="0">
-                <a:solidFill>
-                  <a:schemeClr val="bg1">
-                    <a:lumMod val="40000"/>
-                    <a:lumOff val="60000"/>
-                  </a:schemeClr>
-                </a:solidFill>
-                <a:latin typeface="Consolas" panose="020B0609020204030204" pitchFamily="49" charset="0"/>
-              </a:rPr>
-              <a:t>int</a:t>
-            </a:r>
-            <a:r>
-              <a:rPr lang="en-US" dirty="0">
-                <a:latin typeface="Consolas" panose="020B0609020204030204" pitchFamily="49" charset="0"/>
-              </a:rPr>
-              <a:t> </a:t>
-            </a:r>
-            <a:r>
-              <a:rPr lang="en-US" dirty="0">
-                <a:solidFill>
-                  <a:schemeClr val="tx1"/>
-                </a:solidFill>
-                <a:latin typeface="Consolas" panose="020B0609020204030204" pitchFamily="49" charset="0"/>
-              </a:rPr>
-              <a:t>Age;</a:t>
-            </a:r>
-            <a:r>
-              <a:rPr lang="en-US" dirty="0">
-                <a:latin typeface="Consolas" panose="020B0609020204030204" pitchFamily="49" charset="0"/>
-              </a:rPr>
-              <a:t> </a:t>
-            </a:r>
-            <a:r>
-              <a:rPr lang="en-US" dirty="0">
-                <a:solidFill>
-                  <a:srgbClr val="008000"/>
-                </a:solidFill>
-                <a:latin typeface="Consolas" panose="020B0609020204030204" pitchFamily="49" charset="0"/>
-              </a:rPr>
-              <a:t>// </a:t>
-            </a:r>
-            <a:r>
-              <a:rPr lang="ru-RU" dirty="0">
-                <a:solidFill>
-                  <a:srgbClr val="008000"/>
-                </a:solidFill>
-                <a:latin typeface="Consolas" panose="020B0609020204030204" pitchFamily="49" charset="0"/>
-              </a:rPr>
-              <a:t>Ошибка компиляции</a:t>
-            </a:r>
-            <a:endParaRPr lang="ru-RU" dirty="0">
+              <a:rPr lang="en-US" sz="1200" dirty="0">
+                <a:solidFill>
+                  <a:srgbClr val="D4D4D4"/>
+                </a:solidFill>
+                <a:latin typeface="Consolas" panose="020B0609020204030204" pitchFamily="49" charset="0"/>
+              </a:rPr>
+              <a:t>    </a:t>
+            </a:r>
+            <a:r>
+              <a:rPr lang="en-US" sz="1200" dirty="0">
+                <a:solidFill>
+                  <a:srgbClr val="569CD6"/>
+                </a:solidFill>
+                <a:latin typeface="Consolas" panose="020B0609020204030204" pitchFamily="49" charset="0"/>
+              </a:rPr>
+              <a:t>public</a:t>
+            </a:r>
+            <a:r>
+              <a:rPr lang="en-US" sz="1200" dirty="0">
+                <a:solidFill>
+                  <a:srgbClr val="D4D4D4"/>
+                </a:solidFill>
+                <a:latin typeface="Consolas" panose="020B0609020204030204" pitchFamily="49" charset="0"/>
+              </a:rPr>
+              <a:t> </a:t>
+            </a:r>
+            <a:r>
+              <a:rPr lang="en-US" sz="1200" dirty="0">
+                <a:solidFill>
+                  <a:srgbClr val="569CD6"/>
+                </a:solidFill>
+                <a:latin typeface="Consolas" panose="020B0609020204030204" pitchFamily="49" charset="0"/>
+              </a:rPr>
+              <a:t>override</a:t>
+            </a:r>
+            <a:r>
+              <a:rPr lang="en-US" sz="1200" dirty="0">
+                <a:solidFill>
+                  <a:srgbClr val="D4D4D4"/>
+                </a:solidFill>
+                <a:latin typeface="Consolas" panose="020B0609020204030204" pitchFamily="49" charset="0"/>
+              </a:rPr>
+              <a:t> </a:t>
+            </a:r>
+            <a:r>
+              <a:rPr lang="en-US" sz="1200" dirty="0">
+                <a:solidFill>
+                  <a:srgbClr val="569CD6"/>
+                </a:solidFill>
+                <a:latin typeface="Consolas" panose="020B0609020204030204" pitchFamily="49" charset="0"/>
+              </a:rPr>
+              <a:t>void</a:t>
+            </a:r>
+            <a:r>
+              <a:rPr lang="en-US" sz="1200" dirty="0">
+                <a:solidFill>
+                  <a:srgbClr val="D4D4D4"/>
+                </a:solidFill>
+                <a:latin typeface="Consolas" panose="020B0609020204030204" pitchFamily="49" charset="0"/>
+              </a:rPr>
+              <a:t> </a:t>
+            </a:r>
+            <a:r>
+              <a:rPr lang="en-US" sz="1200" dirty="0">
+                <a:solidFill>
+                  <a:srgbClr val="DCDCAA"/>
+                </a:solidFill>
+                <a:latin typeface="Consolas" panose="020B0609020204030204" pitchFamily="49" charset="0"/>
+              </a:rPr>
+              <a:t>Draw</a:t>
+            </a:r>
+            <a:r>
+              <a:rPr lang="en-US" sz="1200" dirty="0">
+                <a:solidFill>
+                  <a:srgbClr val="D4D4D4"/>
+                </a:solidFill>
+                <a:latin typeface="Consolas" panose="020B0609020204030204" pitchFamily="49" charset="0"/>
+              </a:rPr>
+              <a:t>()</a:t>
+            </a:r>
+          </a:p>
+          <a:p>
+            <a:r>
+              <a:rPr lang="en-US" sz="1200" dirty="0">
+                <a:solidFill>
+                  <a:srgbClr val="D4D4D4"/>
+                </a:solidFill>
+                <a:latin typeface="Consolas" panose="020B0609020204030204" pitchFamily="49" charset="0"/>
+              </a:rPr>
+              <a:t>    {</a:t>
+            </a:r>
+          </a:p>
+          <a:p>
+            <a:r>
+              <a:rPr lang="en-US" sz="1200" dirty="0">
+                <a:solidFill>
+                  <a:srgbClr val="D4D4D4"/>
+                </a:solidFill>
+                <a:latin typeface="Consolas" panose="020B0609020204030204" pitchFamily="49" charset="0"/>
+              </a:rPr>
+              <a:t>        </a:t>
+            </a:r>
+            <a:r>
+              <a:rPr lang="en-US" sz="1200" dirty="0">
+                <a:solidFill>
+                  <a:srgbClr val="6A9955"/>
+                </a:solidFill>
+                <a:latin typeface="Consolas" panose="020B0609020204030204" pitchFamily="49" charset="0"/>
+              </a:rPr>
+              <a:t>// Code to draw a circle...</a:t>
+            </a:r>
+            <a:endParaRPr lang="en-US" sz="1200" dirty="0">
+              <a:solidFill>
+                <a:srgbClr val="D4D4D4"/>
+              </a:solidFill>
               <a:latin typeface="Consolas" panose="020B0609020204030204" pitchFamily="49" charset="0"/>
             </a:endParaRPr>
           </a:p>
           <a:p>
             <a:r>
-              <a:rPr lang="en-US" dirty="0">
-                <a:latin typeface="Consolas" panose="020B0609020204030204" pitchFamily="49" charset="0"/>
-              </a:rPr>
-              <a:t>        </a:t>
-            </a:r>
-            <a:r>
-              <a:rPr lang="en-US" dirty="0">
-                <a:solidFill>
-                  <a:schemeClr val="bg1">
-                    <a:lumMod val="40000"/>
-                    <a:lumOff val="60000"/>
-                  </a:schemeClr>
-                </a:solidFill>
-                <a:latin typeface="Consolas" panose="020B0609020204030204" pitchFamily="49" charset="0"/>
-              </a:rPr>
-              <a:t>int</a:t>
-            </a:r>
-            <a:r>
-              <a:rPr lang="en-US" dirty="0">
-                <a:latin typeface="Consolas" panose="020B0609020204030204" pitchFamily="49" charset="0"/>
-              </a:rPr>
-              <a:t> </a:t>
-            </a:r>
-            <a:r>
-              <a:rPr lang="en-US" dirty="0" err="1">
-                <a:solidFill>
-                  <a:schemeClr val="tx1"/>
-                </a:solidFill>
-                <a:latin typeface="Consolas" panose="020B0609020204030204" pitchFamily="49" charset="0"/>
-              </a:rPr>
-              <a:t>GetAge</a:t>
-            </a:r>
-            <a:r>
-              <a:rPr lang="en-US" dirty="0">
-                <a:solidFill>
-                  <a:schemeClr val="tx1"/>
+              <a:rPr lang="en-US" sz="1200" dirty="0">
+                <a:solidFill>
+                  <a:srgbClr val="D4D4D4"/>
+                </a:solidFill>
+                <a:latin typeface="Consolas" panose="020B0609020204030204" pitchFamily="49" charset="0"/>
+              </a:rPr>
+              <a:t>        </a:t>
+            </a:r>
+            <a:r>
+              <a:rPr lang="en-US" sz="1200" dirty="0" err="1">
+                <a:solidFill>
+                  <a:srgbClr val="9CDCFE"/>
+                </a:solidFill>
+                <a:latin typeface="Consolas" panose="020B0609020204030204" pitchFamily="49" charset="0"/>
+              </a:rPr>
+              <a:t>Console</a:t>
+            </a:r>
+            <a:r>
+              <a:rPr lang="en-US" sz="1200" dirty="0" err="1">
+                <a:solidFill>
+                  <a:srgbClr val="D4D4D4"/>
+                </a:solidFill>
+                <a:latin typeface="Consolas" panose="020B0609020204030204" pitchFamily="49" charset="0"/>
+              </a:rPr>
+              <a:t>.</a:t>
+            </a:r>
+            <a:r>
+              <a:rPr lang="en-US" sz="1200" dirty="0" err="1">
+                <a:solidFill>
+                  <a:srgbClr val="DCDCAA"/>
+                </a:solidFill>
+                <a:latin typeface="Consolas" panose="020B0609020204030204" pitchFamily="49" charset="0"/>
+              </a:rPr>
+              <a:t>WriteLine</a:t>
+            </a:r>
+            <a:r>
+              <a:rPr lang="en-US" sz="1200" dirty="0">
+                <a:solidFill>
+                  <a:srgbClr val="D4D4D4"/>
                 </a:solidFill>
                 <a:latin typeface="Consolas" panose="020B0609020204030204" pitchFamily="49" charset="0"/>
               </a:rPr>
               <a:t>(</a:t>
             </a:r>
             <a:r>
-              <a:rPr lang="en-US" dirty="0">
-                <a:solidFill>
-                  <a:schemeClr val="bg1">
-                    <a:lumMod val="40000"/>
-                    <a:lumOff val="60000"/>
-                  </a:schemeClr>
-                </a:solidFill>
-                <a:latin typeface="Consolas" panose="020B0609020204030204" pitchFamily="49" charset="0"/>
-              </a:rPr>
-              <a:t>int</a:t>
-            </a:r>
-            <a:r>
-              <a:rPr lang="en-US" dirty="0">
-                <a:latin typeface="Consolas" panose="020B0609020204030204" pitchFamily="49" charset="0"/>
-              </a:rPr>
-              <a:t> </a:t>
-            </a:r>
-            <a:r>
-              <a:rPr lang="en-US" dirty="0">
-                <a:solidFill>
-                  <a:schemeClr val="tx1"/>
-                </a:solidFill>
-                <a:latin typeface="Consolas" panose="020B0609020204030204" pitchFamily="49" charset="0"/>
-              </a:rPr>
-              <a:t>value);</a:t>
-            </a:r>
-          </a:p>
-          <a:p>
-            <a:r>
-              <a:rPr lang="en-US" dirty="0">
-                <a:latin typeface="Consolas" panose="020B0609020204030204" pitchFamily="49" charset="0"/>
-              </a:rPr>
-              <a:t>        </a:t>
-            </a:r>
-            <a:r>
-              <a:rPr lang="en-US" dirty="0">
-                <a:solidFill>
-                  <a:schemeClr val="bg1">
-                    <a:lumMod val="40000"/>
-                    <a:lumOff val="60000"/>
-                  </a:schemeClr>
-                </a:solidFill>
-                <a:latin typeface="Consolas" panose="020B0609020204030204" pitchFamily="49" charset="0"/>
-              </a:rPr>
-              <a:t>int</a:t>
-            </a:r>
-            <a:r>
-              <a:rPr lang="en-US" dirty="0">
-                <a:latin typeface="Consolas" panose="020B0609020204030204" pitchFamily="49" charset="0"/>
-              </a:rPr>
-              <a:t> </a:t>
-            </a:r>
-            <a:r>
-              <a:rPr lang="en-US" dirty="0">
-                <a:solidFill>
-                  <a:schemeClr val="tx1"/>
-                </a:solidFill>
-                <a:latin typeface="Consolas" panose="020B0609020204030204" pitchFamily="49" charset="0"/>
-              </a:rPr>
-              <a:t>Size {</a:t>
-            </a:r>
-            <a:r>
-              <a:rPr lang="en-US" dirty="0">
-                <a:latin typeface="Consolas" panose="020B0609020204030204" pitchFamily="49" charset="0"/>
-              </a:rPr>
-              <a:t> </a:t>
-            </a:r>
-            <a:r>
-              <a:rPr lang="en-US" dirty="0">
-                <a:solidFill>
-                  <a:schemeClr val="bg1">
-                    <a:lumMod val="40000"/>
-                    <a:lumOff val="60000"/>
-                  </a:schemeClr>
-                </a:solidFill>
-                <a:latin typeface="Consolas" panose="020B0609020204030204" pitchFamily="49" charset="0"/>
-              </a:rPr>
-              <a:t>get</a:t>
-            </a:r>
-            <a:r>
-              <a:rPr lang="en-US" dirty="0">
-                <a:solidFill>
-                  <a:schemeClr val="tx1"/>
-                </a:solidFill>
-                <a:latin typeface="Consolas" panose="020B0609020204030204" pitchFamily="49" charset="0"/>
-              </a:rPr>
-              <a:t>;</a:t>
-            </a:r>
-            <a:r>
-              <a:rPr lang="en-US" dirty="0">
-                <a:latin typeface="Consolas" panose="020B0609020204030204" pitchFamily="49" charset="0"/>
-              </a:rPr>
-              <a:t> </a:t>
-            </a:r>
-            <a:r>
-              <a:rPr lang="en-US" dirty="0">
-                <a:solidFill>
-                  <a:schemeClr val="bg1">
-                    <a:lumMod val="40000"/>
-                    <a:lumOff val="60000"/>
-                  </a:schemeClr>
-                </a:solidFill>
-                <a:latin typeface="Consolas" panose="020B0609020204030204" pitchFamily="49" charset="0"/>
-              </a:rPr>
-              <a:t>set</a:t>
-            </a:r>
-            <a:r>
-              <a:rPr lang="en-US" dirty="0">
-                <a:solidFill>
-                  <a:schemeClr val="tx1"/>
-                </a:solidFill>
-                <a:latin typeface="Consolas" panose="020B0609020204030204" pitchFamily="49" charset="0"/>
-              </a:rPr>
-              <a:t>; }</a:t>
-            </a:r>
-          </a:p>
-          <a:p>
-            <a:r>
-              <a:rPr lang="ru-RU" dirty="0">
-                <a:latin typeface="Consolas" panose="020B0609020204030204" pitchFamily="49" charset="0"/>
-              </a:rPr>
-              <a:t>    </a:t>
-            </a:r>
-            <a:r>
-              <a:rPr lang="ru-RU" dirty="0">
-                <a:solidFill>
-                  <a:schemeClr val="tx1"/>
+              <a:rPr lang="en-US" sz="1200" dirty="0">
+                <a:solidFill>
+                  <a:srgbClr val="CE9178"/>
+                </a:solidFill>
+                <a:latin typeface="Consolas" panose="020B0609020204030204" pitchFamily="49" charset="0"/>
+              </a:rPr>
+              <a:t>"Drawing a circle"</a:t>
+            </a:r>
+            <a:r>
+              <a:rPr lang="en-US" sz="1200" dirty="0">
+                <a:solidFill>
+                  <a:srgbClr val="D4D4D4"/>
+                </a:solidFill>
+                <a:latin typeface="Consolas" panose="020B0609020204030204" pitchFamily="49" charset="0"/>
+              </a:rPr>
+              <a:t>);</a:t>
+            </a:r>
+          </a:p>
+          <a:p>
+            <a:r>
+              <a:rPr lang="en-US" sz="1200" dirty="0">
+                <a:solidFill>
+                  <a:srgbClr val="D4D4D4"/>
+                </a:solidFill>
+                <a:latin typeface="Consolas" panose="020B0609020204030204" pitchFamily="49" charset="0"/>
+              </a:rPr>
+              <a:t>        </a:t>
+            </a:r>
+            <a:r>
+              <a:rPr lang="en-US" sz="1200" dirty="0" err="1">
+                <a:solidFill>
+                  <a:srgbClr val="569CD6"/>
+                </a:solidFill>
+                <a:latin typeface="Consolas" panose="020B0609020204030204" pitchFamily="49" charset="0"/>
+              </a:rPr>
+              <a:t>base</a:t>
+            </a:r>
+            <a:r>
+              <a:rPr lang="en-US" sz="1200" dirty="0" err="1">
+                <a:solidFill>
+                  <a:srgbClr val="D4D4D4"/>
+                </a:solidFill>
+                <a:latin typeface="Consolas" panose="020B0609020204030204" pitchFamily="49" charset="0"/>
+              </a:rPr>
+              <a:t>.</a:t>
+            </a:r>
+            <a:r>
+              <a:rPr lang="en-US" sz="1200" dirty="0" err="1">
+                <a:solidFill>
+                  <a:srgbClr val="DCDCAA"/>
+                </a:solidFill>
+                <a:latin typeface="Consolas" panose="020B0609020204030204" pitchFamily="49" charset="0"/>
+              </a:rPr>
+              <a:t>Draw</a:t>
+            </a:r>
+            <a:r>
+              <a:rPr lang="en-US" sz="1200" dirty="0">
+                <a:solidFill>
+                  <a:srgbClr val="D4D4D4"/>
+                </a:solidFill>
+                <a:latin typeface="Consolas" panose="020B0609020204030204" pitchFamily="49" charset="0"/>
+              </a:rPr>
+              <a:t>();</a:t>
+            </a:r>
+          </a:p>
+          <a:p>
+            <a:r>
+              <a:rPr lang="en-US" sz="1200" dirty="0">
+                <a:solidFill>
+                  <a:srgbClr val="D4D4D4"/>
+                </a:solidFill>
+                <a:latin typeface="Consolas" panose="020B0609020204030204" pitchFamily="49" charset="0"/>
+              </a:rPr>
+              <a:t>    }</a:t>
+            </a:r>
+          </a:p>
+          <a:p>
+            <a:r>
+              <a:rPr lang="en-US" sz="1200" dirty="0">
+                <a:solidFill>
+                  <a:srgbClr val="D4D4D4"/>
                 </a:solidFill>
                 <a:latin typeface="Consolas" panose="020B0609020204030204" pitchFamily="49" charset="0"/>
               </a:rPr>
               <a:t>}</a:t>
             </a:r>
-            <a:endParaRPr lang="ru-RU" dirty="0">
+          </a:p>
+          <a:p>
+            <a:r>
+              <a:rPr lang="en-US" sz="1200" dirty="0">
+                <a:solidFill>
+                  <a:srgbClr val="569CD6"/>
+                </a:solidFill>
+                <a:latin typeface="Consolas" panose="020B0609020204030204" pitchFamily="49" charset="0"/>
+              </a:rPr>
+              <a:t>class</a:t>
+            </a:r>
+            <a:r>
+              <a:rPr lang="en-US" sz="1200" dirty="0">
+                <a:solidFill>
+                  <a:srgbClr val="D4D4D4"/>
+                </a:solidFill>
+                <a:latin typeface="Consolas" panose="020B0609020204030204" pitchFamily="49" charset="0"/>
+              </a:rPr>
+              <a:t> </a:t>
+            </a:r>
+            <a:r>
+              <a:rPr lang="en-US" sz="1200" dirty="0">
+                <a:solidFill>
+                  <a:srgbClr val="4EC9B0"/>
+                </a:solidFill>
+                <a:latin typeface="Consolas" panose="020B0609020204030204" pitchFamily="49" charset="0"/>
+              </a:rPr>
+              <a:t>Rectangle</a:t>
+            </a:r>
+            <a:r>
+              <a:rPr lang="en-US" sz="1200" dirty="0">
+                <a:solidFill>
+                  <a:srgbClr val="D4D4D4"/>
+                </a:solidFill>
+                <a:latin typeface="Consolas" panose="020B0609020204030204" pitchFamily="49" charset="0"/>
+              </a:rPr>
+              <a:t> : </a:t>
+            </a:r>
+            <a:r>
+              <a:rPr lang="en-US" sz="1200" dirty="0">
+                <a:solidFill>
+                  <a:srgbClr val="4EC9B0"/>
+                </a:solidFill>
+                <a:latin typeface="Consolas" panose="020B0609020204030204" pitchFamily="49" charset="0"/>
+              </a:rPr>
+              <a:t>Shape</a:t>
+            </a:r>
+            <a:endParaRPr lang="en-US" sz="1200" dirty="0">
               <a:solidFill>
-                <a:schemeClr val="tx1"/>
+                <a:srgbClr val="D4D4D4"/>
               </a:solidFill>
+              <a:latin typeface="Consolas" panose="020B0609020204030204" pitchFamily="49" charset="0"/>
             </a:endParaRPr>
+          </a:p>
+          <a:p>
+            <a:r>
+              <a:rPr lang="en-US" sz="1200" dirty="0">
+                <a:solidFill>
+                  <a:srgbClr val="D4D4D4"/>
+                </a:solidFill>
+                <a:latin typeface="Consolas" panose="020B0609020204030204" pitchFamily="49" charset="0"/>
+              </a:rPr>
+              <a:t>{</a:t>
+            </a:r>
+          </a:p>
+          <a:p>
+            <a:r>
+              <a:rPr lang="en-US" sz="1200" dirty="0">
+                <a:solidFill>
+                  <a:srgbClr val="D4D4D4"/>
+                </a:solidFill>
+                <a:latin typeface="Consolas" panose="020B0609020204030204" pitchFamily="49" charset="0"/>
+              </a:rPr>
+              <a:t>    </a:t>
+            </a:r>
+            <a:r>
+              <a:rPr lang="en-US" sz="1200" dirty="0">
+                <a:solidFill>
+                  <a:srgbClr val="569CD6"/>
+                </a:solidFill>
+                <a:latin typeface="Consolas" panose="020B0609020204030204" pitchFamily="49" charset="0"/>
+              </a:rPr>
+              <a:t>public</a:t>
+            </a:r>
+            <a:r>
+              <a:rPr lang="en-US" sz="1200" dirty="0">
+                <a:solidFill>
+                  <a:srgbClr val="D4D4D4"/>
+                </a:solidFill>
+                <a:latin typeface="Consolas" panose="020B0609020204030204" pitchFamily="49" charset="0"/>
+              </a:rPr>
+              <a:t> </a:t>
+            </a:r>
+            <a:r>
+              <a:rPr lang="en-US" sz="1200" dirty="0">
+                <a:solidFill>
+                  <a:srgbClr val="569CD6"/>
+                </a:solidFill>
+                <a:latin typeface="Consolas" panose="020B0609020204030204" pitchFamily="49" charset="0"/>
+              </a:rPr>
+              <a:t>override</a:t>
+            </a:r>
+            <a:r>
+              <a:rPr lang="en-US" sz="1200" dirty="0">
+                <a:solidFill>
+                  <a:srgbClr val="D4D4D4"/>
+                </a:solidFill>
+                <a:latin typeface="Consolas" panose="020B0609020204030204" pitchFamily="49" charset="0"/>
+              </a:rPr>
+              <a:t> </a:t>
+            </a:r>
+            <a:r>
+              <a:rPr lang="en-US" sz="1200" dirty="0">
+                <a:solidFill>
+                  <a:srgbClr val="569CD6"/>
+                </a:solidFill>
+                <a:latin typeface="Consolas" panose="020B0609020204030204" pitchFamily="49" charset="0"/>
+              </a:rPr>
+              <a:t>void</a:t>
+            </a:r>
+            <a:r>
+              <a:rPr lang="en-US" sz="1200" dirty="0">
+                <a:solidFill>
+                  <a:srgbClr val="D4D4D4"/>
+                </a:solidFill>
+                <a:latin typeface="Consolas" panose="020B0609020204030204" pitchFamily="49" charset="0"/>
+              </a:rPr>
+              <a:t> </a:t>
+            </a:r>
+            <a:r>
+              <a:rPr lang="en-US" sz="1200" dirty="0">
+                <a:solidFill>
+                  <a:srgbClr val="DCDCAA"/>
+                </a:solidFill>
+                <a:latin typeface="Consolas" panose="020B0609020204030204" pitchFamily="49" charset="0"/>
+              </a:rPr>
+              <a:t>Draw</a:t>
+            </a:r>
+            <a:r>
+              <a:rPr lang="en-US" sz="1200" dirty="0">
+                <a:solidFill>
+                  <a:srgbClr val="D4D4D4"/>
+                </a:solidFill>
+                <a:latin typeface="Consolas" panose="020B0609020204030204" pitchFamily="49" charset="0"/>
+              </a:rPr>
+              <a:t>()</a:t>
+            </a:r>
+          </a:p>
+          <a:p>
+            <a:r>
+              <a:rPr lang="en-US" sz="1200" dirty="0">
+                <a:solidFill>
+                  <a:srgbClr val="D4D4D4"/>
+                </a:solidFill>
+                <a:latin typeface="Consolas" panose="020B0609020204030204" pitchFamily="49" charset="0"/>
+              </a:rPr>
+              <a:t>    {</a:t>
+            </a:r>
+          </a:p>
+          <a:p>
+            <a:r>
+              <a:rPr lang="en-US" sz="1200" dirty="0">
+                <a:solidFill>
+                  <a:srgbClr val="D4D4D4"/>
+                </a:solidFill>
+                <a:latin typeface="Consolas" panose="020B0609020204030204" pitchFamily="49" charset="0"/>
+              </a:rPr>
+              <a:t>        </a:t>
+            </a:r>
+            <a:r>
+              <a:rPr lang="en-US" sz="1200" dirty="0">
+                <a:solidFill>
+                  <a:srgbClr val="6A9955"/>
+                </a:solidFill>
+                <a:latin typeface="Consolas" panose="020B0609020204030204" pitchFamily="49" charset="0"/>
+              </a:rPr>
+              <a:t>// Code to draw a rectangle...</a:t>
+            </a:r>
+            <a:endParaRPr lang="en-US" sz="1200" dirty="0">
+              <a:solidFill>
+                <a:srgbClr val="D4D4D4"/>
+              </a:solidFill>
+              <a:latin typeface="Consolas" panose="020B0609020204030204" pitchFamily="49" charset="0"/>
+            </a:endParaRPr>
+          </a:p>
+          <a:p>
+            <a:r>
+              <a:rPr lang="en-US" sz="1200" dirty="0">
+                <a:solidFill>
+                  <a:srgbClr val="D4D4D4"/>
+                </a:solidFill>
+                <a:latin typeface="Consolas" panose="020B0609020204030204" pitchFamily="49" charset="0"/>
+              </a:rPr>
+              <a:t>        </a:t>
+            </a:r>
+            <a:r>
+              <a:rPr lang="en-US" sz="1200" dirty="0" err="1">
+                <a:solidFill>
+                  <a:srgbClr val="9CDCFE"/>
+                </a:solidFill>
+                <a:latin typeface="Consolas" panose="020B0609020204030204" pitchFamily="49" charset="0"/>
+              </a:rPr>
+              <a:t>Console</a:t>
+            </a:r>
+            <a:r>
+              <a:rPr lang="en-US" sz="1200" dirty="0" err="1">
+                <a:solidFill>
+                  <a:srgbClr val="D4D4D4"/>
+                </a:solidFill>
+                <a:latin typeface="Consolas" panose="020B0609020204030204" pitchFamily="49" charset="0"/>
+              </a:rPr>
+              <a:t>.</a:t>
+            </a:r>
+            <a:r>
+              <a:rPr lang="en-US" sz="1200" dirty="0" err="1">
+                <a:solidFill>
+                  <a:srgbClr val="DCDCAA"/>
+                </a:solidFill>
+                <a:latin typeface="Consolas" panose="020B0609020204030204" pitchFamily="49" charset="0"/>
+              </a:rPr>
+              <a:t>WriteLine</a:t>
+            </a:r>
+            <a:r>
+              <a:rPr lang="en-US" sz="1200" dirty="0">
+                <a:solidFill>
+                  <a:srgbClr val="D4D4D4"/>
+                </a:solidFill>
+                <a:latin typeface="Consolas" panose="020B0609020204030204" pitchFamily="49" charset="0"/>
+              </a:rPr>
+              <a:t>(</a:t>
+            </a:r>
+            <a:r>
+              <a:rPr lang="en-US" sz="1200" dirty="0">
+                <a:solidFill>
+                  <a:srgbClr val="CE9178"/>
+                </a:solidFill>
+                <a:latin typeface="Consolas" panose="020B0609020204030204" pitchFamily="49" charset="0"/>
+              </a:rPr>
+              <a:t>"Drawing a rectangle"</a:t>
+            </a:r>
+            <a:r>
+              <a:rPr lang="en-US" sz="1200" dirty="0">
+                <a:solidFill>
+                  <a:srgbClr val="D4D4D4"/>
+                </a:solidFill>
+                <a:latin typeface="Consolas" panose="020B0609020204030204" pitchFamily="49" charset="0"/>
+              </a:rPr>
+              <a:t>);</a:t>
+            </a:r>
+          </a:p>
+          <a:p>
+            <a:r>
+              <a:rPr lang="en-US" sz="1200" dirty="0">
+                <a:solidFill>
+                  <a:srgbClr val="D4D4D4"/>
+                </a:solidFill>
+                <a:latin typeface="Consolas" panose="020B0609020204030204" pitchFamily="49" charset="0"/>
+              </a:rPr>
+              <a:t>        </a:t>
+            </a:r>
+            <a:r>
+              <a:rPr lang="en-US" sz="1200" dirty="0" err="1">
+                <a:solidFill>
+                  <a:srgbClr val="569CD6"/>
+                </a:solidFill>
+                <a:latin typeface="Consolas" panose="020B0609020204030204" pitchFamily="49" charset="0"/>
+              </a:rPr>
+              <a:t>base</a:t>
+            </a:r>
+            <a:r>
+              <a:rPr lang="en-US" sz="1200" dirty="0" err="1">
+                <a:solidFill>
+                  <a:srgbClr val="D4D4D4"/>
+                </a:solidFill>
+                <a:latin typeface="Consolas" panose="020B0609020204030204" pitchFamily="49" charset="0"/>
+              </a:rPr>
+              <a:t>.</a:t>
+            </a:r>
+            <a:r>
+              <a:rPr lang="en-US" sz="1200" dirty="0" err="1">
+                <a:solidFill>
+                  <a:srgbClr val="DCDCAA"/>
+                </a:solidFill>
+                <a:latin typeface="Consolas" panose="020B0609020204030204" pitchFamily="49" charset="0"/>
+              </a:rPr>
+              <a:t>Draw</a:t>
+            </a:r>
+            <a:r>
+              <a:rPr lang="en-US" sz="1200" dirty="0">
+                <a:solidFill>
+                  <a:srgbClr val="D4D4D4"/>
+                </a:solidFill>
+                <a:latin typeface="Consolas" panose="020B0609020204030204" pitchFamily="49" charset="0"/>
+              </a:rPr>
+              <a:t>();</a:t>
+            </a:r>
+          </a:p>
+          <a:p>
+            <a:r>
+              <a:rPr lang="en-US" sz="1200" dirty="0">
+                <a:solidFill>
+                  <a:srgbClr val="D4D4D4"/>
+                </a:solidFill>
+                <a:latin typeface="Consolas" panose="020B0609020204030204" pitchFamily="49" charset="0"/>
+              </a:rPr>
+              <a:t>    }</a:t>
+            </a:r>
+          </a:p>
+          <a:p>
+            <a:r>
+              <a:rPr lang="en-US" sz="1200" dirty="0">
+                <a:solidFill>
+                  <a:srgbClr val="D4D4D4"/>
+                </a:solidFill>
+                <a:latin typeface="Consolas" panose="020B0609020204030204" pitchFamily="49" charset="0"/>
+              </a:rPr>
+              <a:t>}</a:t>
+            </a:r>
           </a:p>
         </p:txBody>
       </p:sp>
     </p:spTree>
     <p:extLst>
       <p:ext uri="{BB962C8B-B14F-4D97-AF65-F5344CB8AC3E}">
-        <p14:creationId xmlns:p14="http://schemas.microsoft.com/office/powerpoint/2010/main" val="370336584"/>
+        <p14:creationId xmlns:p14="http://schemas.microsoft.com/office/powerpoint/2010/main" val="586275266"/>
       </p:ext>
     </p:extLst>
   </p:cSld>
@@ -7639,173 +8844,652 @@
           <a:lstStyle/>
           <a:p>
             <a:r>
-              <a:rPr lang="ru-RU" dirty="0" smtClean="0"/>
-              <a:t>Интерфейсы	</a:t>
-            </a:r>
-            <a:endParaRPr lang="ru-RU" dirty="0"/>
+              <a:rPr lang="ru-RU" sz="2800" dirty="0" smtClean="0"/>
+              <a:t>Использование полиморфизма в программе</a:t>
+            </a:r>
+            <a:endParaRPr lang="ru-RU" sz="2800" dirty="0"/>
           </a:p>
         </p:txBody>
       </p:sp>
       <p:sp>
         <p:nvSpPr>
-          <p:cNvPr id="3" name="Текст 2"/>
-          <p:cNvSpPr>
-            <a:spLocks noGrp="1"/>
-          </p:cNvSpPr>
-          <p:nvPr>
-            <p:ph type="body" idx="1"/>
-          </p:nvPr>
+          <p:cNvPr id="4" name="Прямоугольник 3"/>
+          <p:cNvSpPr/>
+          <p:nvPr/>
         </p:nvSpPr>
-        <p:spPr/>
+        <p:spPr>
+          <a:xfrm>
+            <a:off x="387900" y="1391756"/>
+            <a:ext cx="4572000" cy="3323987"/>
+          </a:xfrm>
+          <a:prstGeom prst="rect">
+            <a:avLst/>
+          </a:prstGeom>
+        </p:spPr>
         <p:txBody>
-          <a:bodyPr/>
+          <a:bodyPr>
+            <a:spAutoFit/>
+          </a:bodyPr>
           <a:lstStyle/>
           <a:p>
-            <a:pPr marL="114300" indent="0">
-              <a:buNone/>
-            </a:pPr>
             <a:r>
               <a:rPr lang="en-US" dirty="0">
                 <a:solidFill>
-                  <a:schemeClr val="bg1">
-                    <a:lumMod val="40000"/>
-                    <a:lumOff val="60000"/>
-                  </a:schemeClr>
-                </a:solidFill>
-              </a:rPr>
-              <a:t>c</a:t>
+                  <a:srgbClr val="569CD6"/>
+                </a:solidFill>
+                <a:latin typeface="Consolas" panose="020B0609020204030204" pitchFamily="49" charset="0"/>
+              </a:rPr>
+              <a:t>static</a:t>
+            </a:r>
+            <a:r>
+              <a:rPr lang="en-US" dirty="0">
+                <a:solidFill>
+                  <a:srgbClr val="D4D4D4"/>
+                </a:solidFill>
+                <a:latin typeface="Consolas" panose="020B0609020204030204" pitchFamily="49" charset="0"/>
+              </a:rPr>
+              <a:t> </a:t>
+            </a:r>
+            <a:r>
+              <a:rPr lang="en-US" dirty="0">
+                <a:solidFill>
+                  <a:srgbClr val="569CD6"/>
+                </a:solidFill>
+                <a:latin typeface="Consolas" panose="020B0609020204030204" pitchFamily="49" charset="0"/>
+              </a:rPr>
+              <a:t>void</a:t>
+            </a:r>
+            <a:r>
+              <a:rPr lang="en-US" dirty="0">
+                <a:solidFill>
+                  <a:srgbClr val="D4D4D4"/>
+                </a:solidFill>
+                <a:latin typeface="Consolas" panose="020B0609020204030204" pitchFamily="49" charset="0"/>
+              </a:rPr>
+              <a:t> </a:t>
+            </a:r>
+            <a:r>
+              <a:rPr lang="en-US" dirty="0">
+                <a:solidFill>
+                  <a:srgbClr val="DCDCAA"/>
+                </a:solidFill>
+                <a:latin typeface="Consolas" panose="020B0609020204030204" pitchFamily="49" charset="0"/>
+              </a:rPr>
+              <a:t>Main</a:t>
+            </a:r>
+            <a:r>
+              <a:rPr lang="en-US" dirty="0">
+                <a:solidFill>
+                  <a:srgbClr val="D4D4D4"/>
+                </a:solidFill>
+                <a:latin typeface="Consolas" panose="020B0609020204030204" pitchFamily="49" charset="0"/>
+              </a:rPr>
+              <a:t>(</a:t>
+            </a:r>
+            <a:r>
+              <a:rPr lang="en-US" dirty="0">
+                <a:solidFill>
+                  <a:srgbClr val="569CD6"/>
+                </a:solidFill>
+                <a:latin typeface="Consolas" panose="020B0609020204030204" pitchFamily="49" charset="0"/>
+              </a:rPr>
+              <a:t>string</a:t>
+            </a:r>
+            <a:r>
+              <a:rPr lang="en-US" dirty="0">
+                <a:solidFill>
+                  <a:srgbClr val="D4D4D4"/>
+                </a:solidFill>
+                <a:latin typeface="Consolas" panose="020B0609020204030204" pitchFamily="49" charset="0"/>
+              </a:rPr>
+              <a:t>[] </a:t>
+            </a:r>
+            <a:r>
+              <a:rPr lang="en-US" dirty="0" err="1">
+                <a:solidFill>
+                  <a:srgbClr val="9CDCFE"/>
+                </a:solidFill>
+                <a:latin typeface="Consolas" panose="020B0609020204030204" pitchFamily="49" charset="0"/>
+              </a:rPr>
+              <a:t>args</a:t>
+            </a:r>
+            <a:r>
+              <a:rPr lang="en-US" dirty="0">
+                <a:solidFill>
+                  <a:srgbClr val="D4D4D4"/>
+                </a:solidFill>
+                <a:latin typeface="Consolas" panose="020B0609020204030204" pitchFamily="49" charset="0"/>
+              </a:rPr>
+              <a:t>)</a:t>
+            </a:r>
+          </a:p>
+          <a:p>
+            <a:r>
+              <a:rPr lang="en-US" dirty="0">
+                <a:solidFill>
+                  <a:srgbClr val="D4D4D4"/>
+                </a:solidFill>
+                <a:latin typeface="Consolas" panose="020B0609020204030204" pitchFamily="49" charset="0"/>
+              </a:rPr>
+              <a:t>    {</a:t>
+            </a:r>
+          </a:p>
+          <a:p>
+            <a:r>
+              <a:rPr lang="en-US" dirty="0">
+                <a:solidFill>
+                  <a:srgbClr val="D4D4D4"/>
+                </a:solidFill>
+                <a:latin typeface="Consolas" panose="020B0609020204030204" pitchFamily="49" charset="0"/>
+              </a:rPr>
+              <a:t>        </a:t>
+            </a:r>
+            <a:r>
+              <a:rPr lang="en-US" dirty="0" err="1">
+                <a:solidFill>
+                  <a:srgbClr val="569CD6"/>
+                </a:solidFill>
+                <a:latin typeface="Consolas" panose="020B0609020204030204" pitchFamily="49" charset="0"/>
+              </a:rPr>
+              <a:t>var</a:t>
+            </a:r>
+            <a:r>
+              <a:rPr lang="en-US" dirty="0">
+                <a:solidFill>
+                  <a:srgbClr val="D4D4D4"/>
+                </a:solidFill>
+                <a:latin typeface="Consolas" panose="020B0609020204030204" pitchFamily="49" charset="0"/>
+              </a:rPr>
+              <a:t> </a:t>
+            </a:r>
+            <a:r>
+              <a:rPr lang="en-US" dirty="0">
+                <a:solidFill>
+                  <a:srgbClr val="9CDCFE"/>
+                </a:solidFill>
+                <a:latin typeface="Consolas" panose="020B0609020204030204" pitchFamily="49" charset="0"/>
+              </a:rPr>
+              <a:t>shapes</a:t>
+            </a:r>
+            <a:r>
+              <a:rPr lang="en-US" dirty="0">
+                <a:solidFill>
+                  <a:srgbClr val="D4D4D4"/>
+                </a:solidFill>
+                <a:latin typeface="Consolas" panose="020B0609020204030204" pitchFamily="49" charset="0"/>
+              </a:rPr>
+              <a:t> = </a:t>
+            </a:r>
+            <a:r>
+              <a:rPr lang="en-US" dirty="0">
+                <a:solidFill>
+                  <a:srgbClr val="569CD6"/>
+                </a:solidFill>
+                <a:latin typeface="Consolas" panose="020B0609020204030204" pitchFamily="49" charset="0"/>
+              </a:rPr>
+              <a:t>new</a:t>
+            </a:r>
+            <a:r>
+              <a:rPr lang="en-US" dirty="0">
+                <a:solidFill>
+                  <a:srgbClr val="D4D4D4"/>
+                </a:solidFill>
+                <a:latin typeface="Consolas" panose="020B0609020204030204" pitchFamily="49" charset="0"/>
+              </a:rPr>
+              <a:t> </a:t>
+            </a:r>
+            <a:r>
+              <a:rPr lang="en-US" dirty="0">
+                <a:solidFill>
+                  <a:srgbClr val="4EC9B0"/>
+                </a:solidFill>
+                <a:latin typeface="Consolas" panose="020B0609020204030204" pitchFamily="49" charset="0"/>
+              </a:rPr>
+              <a:t>List</a:t>
+            </a:r>
+            <a:r>
+              <a:rPr lang="en-US" dirty="0">
+                <a:solidFill>
+                  <a:srgbClr val="D4D4D4"/>
+                </a:solidFill>
+                <a:latin typeface="Consolas" panose="020B0609020204030204" pitchFamily="49" charset="0"/>
+              </a:rPr>
+              <a:t>&lt;</a:t>
+            </a:r>
+            <a:r>
+              <a:rPr lang="en-US" dirty="0">
+                <a:solidFill>
+                  <a:srgbClr val="4EC9B0"/>
+                </a:solidFill>
+                <a:latin typeface="Consolas" panose="020B0609020204030204" pitchFamily="49" charset="0"/>
+              </a:rPr>
+              <a:t>Shape</a:t>
+            </a:r>
+            <a:r>
+              <a:rPr lang="en-US" dirty="0">
+                <a:solidFill>
+                  <a:srgbClr val="D4D4D4"/>
+                </a:solidFill>
+                <a:latin typeface="Consolas" panose="020B0609020204030204" pitchFamily="49" charset="0"/>
+              </a:rPr>
+              <a:t>&gt;</a:t>
+            </a:r>
+          </a:p>
+          <a:p>
+            <a:r>
+              <a:rPr lang="en-US" dirty="0">
+                <a:solidFill>
+                  <a:srgbClr val="D4D4D4"/>
+                </a:solidFill>
+                <a:latin typeface="Consolas" panose="020B0609020204030204" pitchFamily="49" charset="0"/>
+              </a:rPr>
+              <a:t>        {</a:t>
+            </a:r>
+          </a:p>
+          <a:p>
+            <a:r>
+              <a:rPr lang="en-US" dirty="0">
+                <a:solidFill>
+                  <a:srgbClr val="D4D4D4"/>
+                </a:solidFill>
+                <a:latin typeface="Consolas" panose="020B0609020204030204" pitchFamily="49" charset="0"/>
+              </a:rPr>
+              <a:t>            </a:t>
+            </a:r>
+            <a:r>
+              <a:rPr lang="en-US" dirty="0">
+                <a:solidFill>
+                  <a:srgbClr val="569CD6"/>
+                </a:solidFill>
+                <a:latin typeface="Consolas" panose="020B0609020204030204" pitchFamily="49" charset="0"/>
+              </a:rPr>
+              <a:t>new</a:t>
+            </a:r>
+            <a:r>
+              <a:rPr lang="en-US" dirty="0">
+                <a:solidFill>
+                  <a:srgbClr val="D4D4D4"/>
+                </a:solidFill>
+                <a:latin typeface="Consolas" panose="020B0609020204030204" pitchFamily="49" charset="0"/>
+              </a:rPr>
+              <a:t> </a:t>
+            </a:r>
+            <a:r>
+              <a:rPr lang="en-US" dirty="0">
+                <a:solidFill>
+                  <a:srgbClr val="4EC9B0"/>
+                </a:solidFill>
+                <a:latin typeface="Consolas" panose="020B0609020204030204" pitchFamily="49" charset="0"/>
+              </a:rPr>
+              <a:t>Rectangle</a:t>
+            </a:r>
+            <a:r>
+              <a:rPr lang="en-US" dirty="0">
+                <a:solidFill>
+                  <a:srgbClr val="D4D4D4"/>
+                </a:solidFill>
+                <a:latin typeface="Consolas" panose="020B0609020204030204" pitchFamily="49" charset="0"/>
+              </a:rPr>
+              <a:t>(),</a:t>
+            </a:r>
+          </a:p>
+          <a:p>
+            <a:r>
+              <a:rPr lang="en-US" dirty="0">
+                <a:solidFill>
+                  <a:srgbClr val="D4D4D4"/>
+                </a:solidFill>
+                <a:latin typeface="Consolas" panose="020B0609020204030204" pitchFamily="49" charset="0"/>
+              </a:rPr>
+              <a:t>            </a:t>
             </a:r>
             <a:r>
               <a:rPr lang="en-US" dirty="0" smtClean="0">
                 <a:solidFill>
-                  <a:schemeClr val="bg1">
-                    <a:lumMod val="40000"/>
-                    <a:lumOff val="60000"/>
-                  </a:schemeClr>
-                </a:solidFill>
-              </a:rPr>
-              <a:t>lass</a:t>
-            </a:r>
-            <a:r>
-              <a:rPr lang="en-US" dirty="0" smtClean="0"/>
-              <a:t> First{}</a:t>
-            </a:r>
-          </a:p>
-          <a:p>
-            <a:pPr marL="114300" indent="0">
-              <a:buNone/>
-            </a:pPr>
+                  <a:srgbClr val="569CD6"/>
+                </a:solidFill>
+                <a:latin typeface="Consolas" panose="020B0609020204030204" pitchFamily="49" charset="0"/>
+              </a:rPr>
+              <a:t>new</a:t>
+            </a:r>
             <a:r>
               <a:rPr lang="en-US" dirty="0">
                 <a:solidFill>
-                  <a:schemeClr val="bg1">
-                    <a:lumMod val="40000"/>
-                    <a:lumOff val="60000"/>
-                  </a:schemeClr>
-                </a:solidFill>
-              </a:rPr>
-              <a:t>c</a:t>
-            </a:r>
-            <a:r>
-              <a:rPr lang="en-US" dirty="0" smtClean="0">
-                <a:solidFill>
-                  <a:schemeClr val="bg1">
-                    <a:lumMod val="40000"/>
-                    <a:lumOff val="60000"/>
-                  </a:schemeClr>
-                </a:solidFill>
-              </a:rPr>
-              <a:t>lass</a:t>
-            </a:r>
-            <a:r>
-              <a:rPr lang="en-US" dirty="0" smtClean="0"/>
-              <a:t> Second{}</a:t>
-            </a:r>
-          </a:p>
-          <a:p>
-            <a:pPr marL="114300" indent="0">
-              <a:buNone/>
-            </a:pPr>
-            <a:r>
-              <a:rPr lang="en-US" dirty="0" smtClean="0">
-                <a:sym typeface="Wingdings" panose="05000000000000000000" pitchFamily="2" charset="2"/>
-              </a:rPr>
-              <a:t>------------------------------------</a:t>
-            </a:r>
-            <a:endParaRPr lang="en-US" dirty="0"/>
-          </a:p>
-          <a:p>
-            <a:pPr marL="114300" indent="0">
-              <a:buNone/>
-            </a:pPr>
+                  <a:srgbClr val="D4D4D4"/>
+                </a:solidFill>
+                <a:latin typeface="Consolas" panose="020B0609020204030204" pitchFamily="49" charset="0"/>
+              </a:rPr>
+              <a:t> </a:t>
+            </a:r>
             <a:r>
               <a:rPr lang="en-US" dirty="0">
                 <a:solidFill>
-                  <a:schemeClr val="bg1">
-                    <a:lumMod val="40000"/>
-                    <a:lumOff val="60000"/>
-                  </a:schemeClr>
-                </a:solidFill>
-              </a:rPr>
-              <a:t>class</a:t>
-            </a:r>
-            <a:r>
-              <a:rPr lang="en-US" dirty="0"/>
-              <a:t> First</a:t>
-            </a:r>
-            <a:r>
-              <a:rPr lang="en-US" dirty="0" smtClean="0"/>
-              <a:t>{}:Animal</a:t>
-            </a:r>
-            <a:endParaRPr lang="en-US" dirty="0"/>
-          </a:p>
-          <a:p>
-            <a:pPr marL="114300" indent="0">
-              <a:buNone/>
-            </a:pPr>
+                  <a:srgbClr val="4EC9B0"/>
+                </a:solidFill>
+                <a:latin typeface="Consolas" panose="020B0609020204030204" pitchFamily="49" charset="0"/>
+              </a:rPr>
+              <a:t>Circle</a:t>
+            </a:r>
             <a:r>
               <a:rPr lang="en-US" dirty="0">
                 <a:solidFill>
-                  <a:schemeClr val="bg1">
-                    <a:lumMod val="40000"/>
-                    <a:lumOff val="60000"/>
-                  </a:schemeClr>
-                </a:solidFill>
-              </a:rPr>
-              <a:t>class</a:t>
-            </a:r>
-            <a:r>
-              <a:rPr lang="en-US" dirty="0"/>
-              <a:t> Second</a:t>
-            </a:r>
-            <a:r>
-              <a:rPr lang="en-US" dirty="0" smtClean="0"/>
-              <a:t>{}:Animal</a:t>
-            </a:r>
-            <a:endParaRPr lang="ru-RU" dirty="0"/>
-          </a:p>
-          <a:p>
-            <a:pPr marL="114300" indent="0">
-              <a:buNone/>
-            </a:pPr>
-            <a:endParaRPr lang="en-US" dirty="0" smtClean="0"/>
-          </a:p>
-          <a:p>
-            <a:pPr marL="114300" indent="0">
-              <a:buNone/>
-            </a:pPr>
-            <a:r>
-              <a:rPr lang="ru-RU" dirty="0" smtClean="0"/>
-              <a:t>В чем разница?</a:t>
-            </a:r>
-            <a:endParaRPr lang="en-US" dirty="0"/>
+                  <a:srgbClr val="D4D4D4"/>
+                </a:solidFill>
+                <a:latin typeface="Consolas" panose="020B0609020204030204" pitchFamily="49" charset="0"/>
+              </a:rPr>
+              <a:t>()</a:t>
+            </a:r>
+          </a:p>
+          <a:p>
+            <a:r>
+              <a:rPr lang="en-US" dirty="0">
+                <a:solidFill>
+                  <a:srgbClr val="D4D4D4"/>
+                </a:solidFill>
+                <a:latin typeface="Consolas" panose="020B0609020204030204" pitchFamily="49" charset="0"/>
+              </a:rPr>
+              <a:t>        };</a:t>
+            </a:r>
+          </a:p>
+          <a:p>
+            <a:r>
+              <a:rPr lang="en-US" dirty="0">
+                <a:solidFill>
+                  <a:srgbClr val="D4D4D4"/>
+                </a:solidFill>
+                <a:latin typeface="Consolas" panose="020B0609020204030204" pitchFamily="49" charset="0"/>
+              </a:rPr>
+              <a:t>        </a:t>
+            </a:r>
+            <a:r>
+              <a:rPr lang="en-US" dirty="0" err="1">
+                <a:solidFill>
+                  <a:srgbClr val="C586C0"/>
+                </a:solidFill>
+                <a:latin typeface="Consolas" panose="020B0609020204030204" pitchFamily="49" charset="0"/>
+              </a:rPr>
+              <a:t>foreach</a:t>
+            </a:r>
+            <a:r>
+              <a:rPr lang="en-US" dirty="0">
+                <a:solidFill>
+                  <a:srgbClr val="D4D4D4"/>
+                </a:solidFill>
+                <a:latin typeface="Consolas" panose="020B0609020204030204" pitchFamily="49" charset="0"/>
+              </a:rPr>
+              <a:t> (</a:t>
+            </a:r>
+            <a:r>
+              <a:rPr lang="en-US" dirty="0" err="1">
+                <a:solidFill>
+                  <a:srgbClr val="569CD6"/>
+                </a:solidFill>
+                <a:latin typeface="Consolas" panose="020B0609020204030204" pitchFamily="49" charset="0"/>
+              </a:rPr>
+              <a:t>var</a:t>
+            </a:r>
+            <a:r>
+              <a:rPr lang="en-US" dirty="0">
+                <a:solidFill>
+                  <a:srgbClr val="D4D4D4"/>
+                </a:solidFill>
+                <a:latin typeface="Consolas" panose="020B0609020204030204" pitchFamily="49" charset="0"/>
+              </a:rPr>
+              <a:t> </a:t>
+            </a:r>
+            <a:r>
+              <a:rPr lang="en-US" dirty="0">
+                <a:solidFill>
+                  <a:srgbClr val="9CDCFE"/>
+                </a:solidFill>
+                <a:latin typeface="Consolas" panose="020B0609020204030204" pitchFamily="49" charset="0"/>
+              </a:rPr>
+              <a:t>shape</a:t>
+            </a:r>
+            <a:r>
+              <a:rPr lang="en-US" dirty="0">
+                <a:solidFill>
+                  <a:srgbClr val="D4D4D4"/>
+                </a:solidFill>
+                <a:latin typeface="Consolas" panose="020B0609020204030204" pitchFamily="49" charset="0"/>
+              </a:rPr>
+              <a:t> </a:t>
+            </a:r>
+            <a:r>
+              <a:rPr lang="en-US" dirty="0">
+                <a:solidFill>
+                  <a:srgbClr val="C586C0"/>
+                </a:solidFill>
+                <a:latin typeface="Consolas" panose="020B0609020204030204" pitchFamily="49" charset="0"/>
+              </a:rPr>
+              <a:t>in</a:t>
+            </a:r>
+            <a:r>
+              <a:rPr lang="en-US" dirty="0">
+                <a:solidFill>
+                  <a:srgbClr val="D4D4D4"/>
+                </a:solidFill>
+                <a:latin typeface="Consolas" panose="020B0609020204030204" pitchFamily="49" charset="0"/>
+              </a:rPr>
+              <a:t> </a:t>
+            </a:r>
+            <a:r>
+              <a:rPr lang="en-US" dirty="0">
+                <a:solidFill>
+                  <a:srgbClr val="9CDCFE"/>
+                </a:solidFill>
+                <a:latin typeface="Consolas" panose="020B0609020204030204" pitchFamily="49" charset="0"/>
+              </a:rPr>
+              <a:t>shapes</a:t>
+            </a:r>
+            <a:r>
+              <a:rPr lang="en-US" dirty="0">
+                <a:solidFill>
+                  <a:srgbClr val="D4D4D4"/>
+                </a:solidFill>
+                <a:latin typeface="Consolas" panose="020B0609020204030204" pitchFamily="49" charset="0"/>
+              </a:rPr>
+              <a:t>)</a:t>
+            </a:r>
+          </a:p>
+          <a:p>
+            <a:r>
+              <a:rPr lang="en-US" dirty="0">
+                <a:solidFill>
+                  <a:srgbClr val="D4D4D4"/>
+                </a:solidFill>
+                <a:latin typeface="Consolas" panose="020B0609020204030204" pitchFamily="49" charset="0"/>
+              </a:rPr>
+              <a:t>        {</a:t>
+            </a:r>
+          </a:p>
+          <a:p>
+            <a:r>
+              <a:rPr lang="en-US" dirty="0">
+                <a:solidFill>
+                  <a:srgbClr val="D4D4D4"/>
+                </a:solidFill>
+                <a:latin typeface="Consolas" panose="020B0609020204030204" pitchFamily="49" charset="0"/>
+              </a:rPr>
+              <a:t>            </a:t>
+            </a:r>
+            <a:r>
+              <a:rPr lang="en-US" dirty="0" err="1">
+                <a:solidFill>
+                  <a:srgbClr val="9CDCFE"/>
+                </a:solidFill>
+                <a:latin typeface="Consolas" panose="020B0609020204030204" pitchFamily="49" charset="0"/>
+              </a:rPr>
+              <a:t>shape</a:t>
+            </a:r>
+            <a:r>
+              <a:rPr lang="en-US" dirty="0" err="1">
+                <a:solidFill>
+                  <a:srgbClr val="D4D4D4"/>
+                </a:solidFill>
+                <a:latin typeface="Consolas" panose="020B0609020204030204" pitchFamily="49" charset="0"/>
+              </a:rPr>
+              <a:t>.</a:t>
+            </a:r>
+            <a:r>
+              <a:rPr lang="en-US" dirty="0" err="1">
+                <a:solidFill>
+                  <a:srgbClr val="DCDCAA"/>
+                </a:solidFill>
+                <a:latin typeface="Consolas" panose="020B0609020204030204" pitchFamily="49" charset="0"/>
+              </a:rPr>
+              <a:t>Draw</a:t>
+            </a:r>
+            <a:r>
+              <a:rPr lang="en-US" dirty="0">
+                <a:solidFill>
+                  <a:srgbClr val="D4D4D4"/>
+                </a:solidFill>
+                <a:latin typeface="Consolas" panose="020B0609020204030204" pitchFamily="49" charset="0"/>
+              </a:rPr>
+              <a:t>();</a:t>
+            </a:r>
+          </a:p>
+          <a:p>
+            <a:r>
+              <a:rPr lang="en-US" dirty="0">
+                <a:solidFill>
+                  <a:srgbClr val="D4D4D4"/>
+                </a:solidFill>
+                <a:latin typeface="Consolas" panose="020B0609020204030204" pitchFamily="49" charset="0"/>
+              </a:rPr>
+              <a:t>        }</a:t>
+            </a:r>
+          </a:p>
+          <a:p>
+            <a:r>
+              <a:rPr lang="en-US" dirty="0">
+                <a:solidFill>
+                  <a:srgbClr val="D4D4D4"/>
+                </a:solidFill>
+                <a:latin typeface="Consolas" panose="020B0609020204030204" pitchFamily="49" charset="0"/>
+              </a:rPr>
+              <a:t>        </a:t>
+            </a:r>
+            <a:r>
+              <a:rPr lang="en-US" dirty="0" err="1">
+                <a:solidFill>
+                  <a:srgbClr val="9CDCFE"/>
+                </a:solidFill>
+                <a:latin typeface="Consolas" panose="020B0609020204030204" pitchFamily="49" charset="0"/>
+              </a:rPr>
+              <a:t>Console</a:t>
+            </a:r>
+            <a:r>
+              <a:rPr lang="en-US" dirty="0" err="1">
+                <a:solidFill>
+                  <a:srgbClr val="D4D4D4"/>
+                </a:solidFill>
+                <a:latin typeface="Consolas" panose="020B0609020204030204" pitchFamily="49" charset="0"/>
+              </a:rPr>
+              <a:t>.</a:t>
+            </a:r>
+            <a:r>
+              <a:rPr lang="en-US" dirty="0" err="1">
+                <a:solidFill>
+                  <a:srgbClr val="DCDCAA"/>
+                </a:solidFill>
+                <a:latin typeface="Consolas" panose="020B0609020204030204" pitchFamily="49" charset="0"/>
+              </a:rPr>
+              <a:t>WriteLine</a:t>
+            </a:r>
+            <a:r>
+              <a:rPr lang="en-US" dirty="0">
+                <a:solidFill>
+                  <a:srgbClr val="D4D4D4"/>
+                </a:solidFill>
+                <a:latin typeface="Consolas" panose="020B0609020204030204" pitchFamily="49" charset="0"/>
+              </a:rPr>
+              <a:t>(</a:t>
+            </a:r>
+            <a:r>
+              <a:rPr lang="en-US" dirty="0">
+                <a:solidFill>
+                  <a:srgbClr val="CE9178"/>
+                </a:solidFill>
+                <a:latin typeface="Consolas" panose="020B0609020204030204" pitchFamily="49" charset="0"/>
+              </a:rPr>
+              <a:t>"Press key to exit."</a:t>
+            </a:r>
+            <a:r>
+              <a:rPr lang="en-US" dirty="0">
+                <a:solidFill>
+                  <a:srgbClr val="D4D4D4"/>
+                </a:solidFill>
+                <a:latin typeface="Consolas" panose="020B0609020204030204" pitchFamily="49" charset="0"/>
+              </a:rPr>
+              <a:t>);</a:t>
+            </a:r>
+          </a:p>
+          <a:p>
+            <a:r>
+              <a:rPr lang="en-US" dirty="0">
+                <a:solidFill>
+                  <a:srgbClr val="D4D4D4"/>
+                </a:solidFill>
+                <a:latin typeface="Consolas" panose="020B0609020204030204" pitchFamily="49" charset="0"/>
+              </a:rPr>
+              <a:t>        </a:t>
+            </a:r>
+            <a:r>
+              <a:rPr lang="en-US" dirty="0" err="1">
+                <a:solidFill>
+                  <a:srgbClr val="9CDCFE"/>
+                </a:solidFill>
+                <a:latin typeface="Consolas" panose="020B0609020204030204" pitchFamily="49" charset="0"/>
+              </a:rPr>
+              <a:t>Console</a:t>
+            </a:r>
+            <a:r>
+              <a:rPr lang="en-US" dirty="0" err="1">
+                <a:solidFill>
+                  <a:srgbClr val="D4D4D4"/>
+                </a:solidFill>
+                <a:latin typeface="Consolas" panose="020B0609020204030204" pitchFamily="49" charset="0"/>
+              </a:rPr>
+              <a:t>.</a:t>
+            </a:r>
+            <a:r>
+              <a:rPr lang="en-US" dirty="0" err="1">
+                <a:solidFill>
+                  <a:srgbClr val="DCDCAA"/>
+                </a:solidFill>
+                <a:latin typeface="Consolas" panose="020B0609020204030204" pitchFamily="49" charset="0"/>
+              </a:rPr>
+              <a:t>ReadKey</a:t>
+            </a:r>
+            <a:r>
+              <a:rPr lang="en-US" dirty="0">
+                <a:solidFill>
+                  <a:srgbClr val="D4D4D4"/>
+                </a:solidFill>
+                <a:latin typeface="Consolas" panose="020B0609020204030204" pitchFamily="49" charset="0"/>
+              </a:rPr>
+              <a:t>();</a:t>
+            </a:r>
+          </a:p>
+          <a:p>
+            <a:r>
+              <a:rPr lang="en-US" dirty="0">
+                <a:solidFill>
+                  <a:srgbClr val="D4D4D4"/>
+                </a:solidFill>
+                <a:latin typeface="Consolas" panose="020B0609020204030204" pitchFamily="49" charset="0"/>
+              </a:rPr>
+              <a:t>    }</a:t>
+            </a:r>
           </a:p>
         </p:txBody>
       </p:sp>
     </p:spTree>
     <p:extLst>
       <p:ext uri="{BB962C8B-B14F-4D97-AF65-F5344CB8AC3E}">
-        <p14:creationId xmlns:p14="http://schemas.microsoft.com/office/powerpoint/2010/main" val="2934300854"/>
+        <p14:creationId xmlns:p14="http://schemas.microsoft.com/office/powerpoint/2010/main" val="629626959"/>
       </p:ext>
     </p:extLst>
   </p:cSld>
@@ -7857,421 +9541,213 @@
       </p:sp>
       <p:sp>
         <p:nvSpPr>
-          <p:cNvPr id="4" name="Прямоугольник 3"/>
-          <p:cNvSpPr/>
-          <p:nvPr/>
+          <p:cNvPr id="8" name="Google Shape;113;p20"/>
+          <p:cNvSpPr txBox="1">
+            <a:spLocks noGrp="1"/>
+          </p:cNvSpPr>
+          <p:nvPr>
+            <p:ph type="body" idx="1"/>
+          </p:nvPr>
         </p:nvSpPr>
         <p:spPr>
           <a:xfrm>
-            <a:off x="457200" y="2045820"/>
-            <a:ext cx="2950369" cy="923330"/>
+            <a:off x="387900" y="1291500"/>
+            <a:ext cx="8368200" cy="3852000"/>
           </a:xfrm>
           <a:prstGeom prst="rect">
             <a:avLst/>
           </a:prstGeom>
         </p:spPr>
         <p:txBody>
-          <a:bodyPr wrap="square">
-            <a:spAutoFit/>
+          <a:bodyPr spcFirstLastPara="1" wrap="square" lIns="91425" tIns="91425" rIns="91425" bIns="91425" anchor="t" anchorCtr="0">
+            <a:noAutofit/>
           </a:bodyPr>
           <a:lstStyle/>
           <a:p>
-            <a:r>
-              <a:rPr lang="en-US" dirty="0" err="1">
-                <a:solidFill>
-                  <a:schemeClr val="bg1">
-                    <a:lumMod val="40000"/>
-                    <a:lumOff val="60000"/>
-                  </a:schemeClr>
-                </a:solidFill>
-                <a:latin typeface="Menlo"/>
-              </a:rPr>
-              <a:t>var</a:t>
-            </a:r>
-            <a:r>
-              <a:rPr lang="en-US" dirty="0">
-                <a:solidFill>
-                  <a:srgbClr val="383A42"/>
-                </a:solidFill>
-                <a:latin typeface="Menlo"/>
-              </a:rPr>
-              <a:t> </a:t>
-            </a:r>
-            <a:r>
-              <a:rPr lang="en-US" sz="1800" dirty="0">
-                <a:solidFill>
-                  <a:schemeClr val="tx1"/>
-                </a:solidFill>
-                <a:latin typeface="Menlo"/>
-              </a:rPr>
-              <a:t>array =</a:t>
-            </a:r>
-            <a:r>
-              <a:rPr lang="en-US" dirty="0">
-                <a:solidFill>
-                  <a:srgbClr val="383A42"/>
-                </a:solidFill>
-                <a:latin typeface="Menlo"/>
-              </a:rPr>
-              <a:t> </a:t>
-            </a:r>
-            <a:r>
-              <a:rPr lang="en-US" dirty="0">
-                <a:solidFill>
-                  <a:schemeClr val="bg1">
-                    <a:lumMod val="40000"/>
-                    <a:lumOff val="60000"/>
-                  </a:schemeClr>
-                </a:solidFill>
-                <a:latin typeface="Menlo"/>
-              </a:rPr>
-              <a:t>new</a:t>
-            </a:r>
-            <a:r>
-              <a:rPr lang="en-US" dirty="0">
-                <a:solidFill>
-                  <a:srgbClr val="383A42"/>
-                </a:solidFill>
-                <a:latin typeface="Menlo"/>
-              </a:rPr>
-              <a:t> </a:t>
-            </a:r>
-            <a:r>
-              <a:rPr lang="en-US" sz="1800" dirty="0" err="1" smtClean="0">
-                <a:solidFill>
-                  <a:schemeClr val="tx1"/>
-                </a:solidFill>
-                <a:latin typeface="Menlo"/>
-              </a:rPr>
-              <a:t>IAnimal</a:t>
-            </a:r>
-            <a:r>
-              <a:rPr lang="en-US" sz="1800" dirty="0" smtClean="0">
-                <a:solidFill>
-                  <a:schemeClr val="tx1"/>
-                </a:solidFill>
-                <a:latin typeface="Menlo"/>
-              </a:rPr>
-              <a:t>[2</a:t>
-            </a:r>
-            <a:r>
-              <a:rPr lang="en-US" sz="1800" dirty="0">
-                <a:solidFill>
-                  <a:schemeClr val="tx1"/>
-                </a:solidFill>
-                <a:latin typeface="Menlo"/>
-              </a:rPr>
-              <a:t>]; array[0] = </a:t>
-            </a:r>
-            <a:r>
-              <a:rPr lang="en-US" dirty="0">
-                <a:solidFill>
-                  <a:schemeClr val="bg1">
-                    <a:lumMod val="40000"/>
-                    <a:lumOff val="60000"/>
-                  </a:schemeClr>
-                </a:solidFill>
-                <a:latin typeface="Menlo"/>
-              </a:rPr>
-              <a:t>new</a:t>
-            </a:r>
-            <a:r>
-              <a:rPr lang="en-US" dirty="0">
-                <a:solidFill>
-                  <a:srgbClr val="383A42"/>
-                </a:solidFill>
-                <a:latin typeface="Menlo"/>
-              </a:rPr>
-              <a:t> </a:t>
-            </a:r>
-            <a:r>
-              <a:rPr lang="en-US" sz="1800" dirty="0" smtClean="0">
-                <a:solidFill>
-                  <a:schemeClr val="tx1"/>
-                </a:solidFill>
-                <a:latin typeface="Menlo"/>
-              </a:rPr>
-              <a:t>Cat(); </a:t>
-            </a:r>
-            <a:r>
-              <a:rPr lang="en-US" sz="1800" dirty="0">
-                <a:solidFill>
-                  <a:schemeClr val="tx1"/>
-                </a:solidFill>
-                <a:latin typeface="Menlo"/>
-              </a:rPr>
-              <a:t>array[1] = </a:t>
-            </a:r>
-            <a:r>
-              <a:rPr lang="en-US" dirty="0">
-                <a:solidFill>
-                  <a:schemeClr val="bg1">
-                    <a:lumMod val="40000"/>
-                    <a:lumOff val="60000"/>
-                  </a:schemeClr>
-                </a:solidFill>
-                <a:latin typeface="Menlo"/>
-              </a:rPr>
-              <a:t>new</a:t>
-            </a:r>
-            <a:r>
-              <a:rPr lang="en-US" dirty="0">
-                <a:solidFill>
-                  <a:srgbClr val="383A42"/>
-                </a:solidFill>
-                <a:latin typeface="Menlo"/>
-              </a:rPr>
-              <a:t> </a:t>
-            </a:r>
-            <a:r>
-              <a:rPr lang="en-US" sz="1800" dirty="0" smtClean="0">
-                <a:solidFill>
-                  <a:schemeClr val="tx1"/>
-                </a:solidFill>
-                <a:latin typeface="Menlo"/>
-              </a:rPr>
-              <a:t>Dog();</a:t>
-            </a:r>
-            <a:endParaRPr lang="ru-RU" sz="1800" dirty="0">
+            <a:pPr marL="0" marR="0" lvl="0" indent="0" algn="l" rtl="0">
+              <a:lnSpc>
+                <a:spcPct val="100000"/>
+              </a:lnSpc>
+              <a:spcBef>
+                <a:spcPts val="0"/>
+              </a:spcBef>
+              <a:spcAft>
+                <a:spcPts val="0"/>
+              </a:spcAft>
+              <a:buNone/>
+            </a:pPr>
+            <a:r>
+              <a:rPr lang="ru" dirty="0">
+                <a:solidFill>
+                  <a:srgbClr val="FFFFFF"/>
+                </a:solidFill>
+                <a:latin typeface="Arial"/>
+                <a:ea typeface="Arial"/>
+                <a:cs typeface="Arial"/>
+                <a:sym typeface="Arial"/>
+              </a:rPr>
+              <a:t>Интерфейс (</a:t>
+            </a:r>
+            <a:r>
+              <a:rPr lang="ru" dirty="0">
+                <a:solidFill>
+                  <a:srgbClr val="FF9900"/>
+                </a:solidFill>
+                <a:latin typeface="Arial"/>
+                <a:ea typeface="Arial"/>
+                <a:cs typeface="Arial"/>
+                <a:sym typeface="Arial"/>
+              </a:rPr>
+              <a:t>interface</a:t>
+            </a:r>
+            <a:r>
+              <a:rPr lang="ru" dirty="0">
+                <a:solidFill>
+                  <a:srgbClr val="FFFFFF"/>
+                </a:solidFill>
+                <a:latin typeface="Arial"/>
+                <a:ea typeface="Arial"/>
+                <a:cs typeface="Arial"/>
+                <a:sym typeface="Arial"/>
+              </a:rPr>
+              <a:t>) представляет собой не более чем просто именованный набор абстрактных членов.</a:t>
+            </a:r>
+            <a:endParaRPr dirty="0">
               <a:solidFill>
-                <a:schemeClr val="tx1"/>
+                <a:srgbClr val="FFFFFF"/>
               </a:solidFill>
+              <a:latin typeface="Arial"/>
+              <a:ea typeface="Arial"/>
+              <a:cs typeface="Arial"/>
+              <a:sym typeface="Arial"/>
             </a:endParaRPr>
           </a:p>
-        </p:txBody>
-      </p:sp>
-      <p:sp>
-        <p:nvSpPr>
-          <p:cNvPr id="5" name="Прямоугольник 4"/>
-          <p:cNvSpPr/>
-          <p:nvPr/>
-        </p:nvSpPr>
-        <p:spPr>
-          <a:xfrm>
-            <a:off x="4184100" y="2045820"/>
-            <a:ext cx="4572000" cy="954107"/>
-          </a:xfrm>
-          <a:prstGeom prst="rect">
-            <a:avLst/>
-          </a:prstGeom>
-        </p:spPr>
-        <p:txBody>
-          <a:bodyPr>
-            <a:spAutoFit/>
-          </a:bodyPr>
-          <a:lstStyle/>
-          <a:p>
-            <a:r>
-              <a:rPr lang="en-US" dirty="0" err="1">
-                <a:solidFill>
-                  <a:schemeClr val="bg1">
-                    <a:lumMod val="40000"/>
-                    <a:lumOff val="60000"/>
-                  </a:schemeClr>
-                </a:solidFill>
-                <a:latin typeface="Menlo"/>
-              </a:rPr>
-              <a:t>var</a:t>
-            </a:r>
-            <a:r>
-              <a:rPr lang="en-US" dirty="0">
-                <a:solidFill>
-                  <a:srgbClr val="383A42"/>
-                </a:solidFill>
-                <a:latin typeface="Menlo"/>
-              </a:rPr>
-              <a:t> </a:t>
-            </a:r>
-            <a:r>
-              <a:rPr lang="en-US" dirty="0" err="1">
-                <a:solidFill>
-                  <a:schemeClr val="tx1"/>
-                </a:solidFill>
-                <a:latin typeface="Menlo"/>
-              </a:rPr>
-              <a:t>summ</a:t>
-            </a:r>
-            <a:r>
-              <a:rPr lang="en-US" dirty="0">
-                <a:solidFill>
-                  <a:schemeClr val="tx1"/>
-                </a:solidFill>
-                <a:latin typeface="Menlo"/>
-              </a:rPr>
-              <a:t> = 0; </a:t>
-            </a:r>
-            <a:endParaRPr lang="en-US" dirty="0" smtClean="0">
+          <a:p>
+            <a:pPr marL="0" marR="0" lvl="0" indent="0" algn="l" rtl="0">
+              <a:lnSpc>
+                <a:spcPct val="100000"/>
+              </a:lnSpc>
+              <a:spcBef>
+                <a:spcPts val="1600"/>
+              </a:spcBef>
+              <a:spcAft>
+                <a:spcPts val="0"/>
+              </a:spcAft>
+              <a:buNone/>
+            </a:pPr>
+            <a:r>
+              <a:rPr lang="ru" dirty="0">
+                <a:solidFill>
+                  <a:srgbClr val="FFFFFF"/>
+                </a:solidFill>
+                <a:latin typeface="Arial"/>
+                <a:ea typeface="Arial"/>
+                <a:cs typeface="Arial"/>
+                <a:sym typeface="Arial"/>
+              </a:rPr>
+              <a:t>Абстрактные методы являются чистым протоколом, поскольку не имеют никакой стандартной реализации. Конкретные члены, определяемые интерфейсом, зависят от того, какое поведение моделируется с его помощью.</a:t>
+            </a:r>
+            <a:endParaRPr dirty="0">
               <a:solidFill>
-                <a:schemeClr val="tx1"/>
+                <a:srgbClr val="FFFFFF"/>
               </a:solidFill>
-              <a:latin typeface="Menlo"/>
+              <a:latin typeface="Arial"/>
+              <a:ea typeface="Arial"/>
+              <a:cs typeface="Arial"/>
+              <a:sym typeface="Arial"/>
             </a:endParaRPr>
           </a:p>
           <a:p>
-            <a:r>
-              <a:rPr lang="en-US" dirty="0" err="1" smtClean="0">
-                <a:solidFill>
-                  <a:schemeClr val="bg1">
-                    <a:lumMod val="40000"/>
-                    <a:lumOff val="60000"/>
-                  </a:schemeClr>
-                </a:solidFill>
-                <a:latin typeface="Menlo"/>
-              </a:rPr>
-              <a:t>foreach</a:t>
-            </a:r>
-            <a:r>
-              <a:rPr lang="en-US" dirty="0" smtClean="0">
-                <a:solidFill>
-                  <a:srgbClr val="383A42"/>
-                </a:solidFill>
-                <a:latin typeface="Menlo"/>
-              </a:rPr>
-              <a:t> </a:t>
-            </a:r>
-            <a:r>
-              <a:rPr lang="en-US" dirty="0">
-                <a:solidFill>
-                  <a:schemeClr val="tx1"/>
-                </a:solidFill>
-                <a:latin typeface="Menlo"/>
-              </a:rPr>
-              <a:t>(</a:t>
-            </a:r>
-            <a:r>
-              <a:rPr lang="en-US" dirty="0" err="1">
-                <a:solidFill>
-                  <a:schemeClr val="bg1">
-                    <a:lumMod val="40000"/>
-                    <a:lumOff val="60000"/>
-                  </a:schemeClr>
-                </a:solidFill>
-                <a:latin typeface="Menlo"/>
-              </a:rPr>
-              <a:t>var</a:t>
-            </a:r>
-            <a:r>
-              <a:rPr lang="en-US" dirty="0">
-                <a:solidFill>
-                  <a:srgbClr val="383A42"/>
-                </a:solidFill>
-                <a:latin typeface="Menlo"/>
-              </a:rPr>
-              <a:t> </a:t>
-            </a:r>
-            <a:r>
-              <a:rPr lang="en-US" dirty="0" smtClean="0">
-                <a:solidFill>
-                  <a:schemeClr val="tx1"/>
-                </a:solidFill>
-                <a:latin typeface="Menlo"/>
-              </a:rPr>
-              <a:t>animal </a:t>
-            </a:r>
-            <a:r>
-              <a:rPr lang="en-US" dirty="0">
-                <a:solidFill>
-                  <a:schemeClr val="tx1"/>
-                </a:solidFill>
-                <a:latin typeface="Menlo"/>
-              </a:rPr>
-              <a:t>in array) </a:t>
-            </a:r>
-            <a:r>
-              <a:rPr lang="en-US" dirty="0" smtClean="0">
-                <a:solidFill>
-                  <a:schemeClr val="tx1"/>
-                </a:solidFill>
-                <a:latin typeface="Menlo"/>
-              </a:rPr>
-              <a:t>{</a:t>
-            </a:r>
-          </a:p>
-          <a:p>
-            <a:r>
-              <a:rPr lang="en-US" dirty="0">
-                <a:solidFill>
-                  <a:schemeClr val="tx1"/>
-                </a:solidFill>
-                <a:latin typeface="Menlo"/>
-              </a:rPr>
-              <a:t>	</a:t>
-            </a:r>
-            <a:r>
-              <a:rPr lang="en-US" dirty="0" smtClean="0">
-                <a:solidFill>
-                  <a:schemeClr val="tx1"/>
-                </a:solidFill>
-                <a:latin typeface="Menlo"/>
-              </a:rPr>
-              <a:t> </a:t>
-            </a:r>
-            <a:r>
-              <a:rPr lang="en-US" dirty="0" err="1">
-                <a:solidFill>
-                  <a:schemeClr val="tx1"/>
-                </a:solidFill>
-                <a:latin typeface="Menlo"/>
-              </a:rPr>
-              <a:t>summ</a:t>
-            </a:r>
-            <a:r>
-              <a:rPr lang="en-US" dirty="0">
-                <a:solidFill>
-                  <a:schemeClr val="tx1"/>
-                </a:solidFill>
-                <a:latin typeface="Menlo"/>
-              </a:rPr>
-              <a:t> += </a:t>
-            </a:r>
-            <a:r>
-              <a:rPr lang="en-US" dirty="0" err="1">
-                <a:solidFill>
-                  <a:schemeClr val="tx1"/>
-                </a:solidFill>
-                <a:latin typeface="Menlo"/>
-              </a:rPr>
-              <a:t>animal</a:t>
-            </a:r>
-            <a:r>
-              <a:rPr lang="en-US" dirty="0" err="1" smtClean="0">
-                <a:solidFill>
-                  <a:schemeClr val="tx1"/>
-                </a:solidFill>
-                <a:latin typeface="Menlo"/>
-              </a:rPr>
-              <a:t>.Size</a:t>
-            </a:r>
-            <a:r>
-              <a:rPr lang="en-US" dirty="0">
-                <a:solidFill>
-                  <a:schemeClr val="tx1"/>
-                </a:solidFill>
-                <a:latin typeface="Menlo"/>
-              </a:rPr>
-              <a:t>; </a:t>
-            </a:r>
-            <a:endParaRPr lang="en-US" dirty="0" smtClean="0">
+            <a:pPr marL="0" marR="0" lvl="0" indent="0" algn="l" rtl="0">
+              <a:lnSpc>
+                <a:spcPct val="100000"/>
+              </a:lnSpc>
+              <a:spcBef>
+                <a:spcPts val="1600"/>
+              </a:spcBef>
+              <a:spcAft>
+                <a:spcPts val="0"/>
+              </a:spcAft>
+              <a:buNone/>
+            </a:pPr>
+            <a:r>
+              <a:rPr lang="ru" dirty="0">
+                <a:solidFill>
+                  <a:srgbClr val="FFFFFF"/>
+                </a:solidFill>
+                <a:latin typeface="Arial"/>
+                <a:ea typeface="Arial"/>
+                <a:cs typeface="Arial"/>
+                <a:sym typeface="Arial"/>
+              </a:rPr>
+              <a:t>Интерфейс описывает поведение, которое данный класс или структура поддерживает.</a:t>
+            </a:r>
+            <a:endParaRPr dirty="0">
               <a:solidFill>
-                <a:schemeClr val="tx1"/>
+                <a:srgbClr val="FFFFFF"/>
               </a:solidFill>
-              <a:latin typeface="Menlo"/>
+              <a:latin typeface="Arial"/>
+              <a:ea typeface="Arial"/>
+              <a:cs typeface="Arial"/>
+              <a:sym typeface="Arial"/>
             </a:endParaRPr>
           </a:p>
           <a:p>
-            <a:r>
-              <a:rPr lang="en-US" dirty="0" smtClean="0">
-                <a:solidFill>
-                  <a:schemeClr val="tx1"/>
-                </a:solidFill>
-                <a:latin typeface="Menlo"/>
-              </a:rPr>
-              <a:t>}</a:t>
-            </a:r>
-            <a:endParaRPr lang="ru-RU" dirty="0">
+            <a:pPr marL="0" marR="0" lvl="0" indent="0" algn="l" rtl="0">
+              <a:lnSpc>
+                <a:spcPct val="100000"/>
+              </a:lnSpc>
+              <a:spcBef>
+                <a:spcPts val="1600"/>
+              </a:spcBef>
+              <a:spcAft>
+                <a:spcPts val="1600"/>
+              </a:spcAft>
+              <a:buNone/>
+            </a:pPr>
+            <a:r>
+              <a:rPr lang="ru" dirty="0">
+                <a:solidFill>
+                  <a:srgbClr val="FFFFFF"/>
+                </a:solidFill>
+                <a:latin typeface="Arial"/>
+                <a:ea typeface="Arial"/>
+                <a:cs typeface="Arial"/>
+                <a:sym typeface="Arial"/>
+              </a:rPr>
+              <a:t>Каждый класс (или структура) может поддерживать столько</a:t>
+            </a:r>
+            <a:br>
+              <a:rPr lang="ru" dirty="0">
+                <a:solidFill>
+                  <a:srgbClr val="FFFFFF"/>
+                </a:solidFill>
+                <a:latin typeface="Arial"/>
+                <a:ea typeface="Arial"/>
+                <a:cs typeface="Arial"/>
+                <a:sym typeface="Arial"/>
+              </a:rPr>
+            </a:br>
+            <a:r>
+              <a:rPr lang="ru" dirty="0">
+                <a:solidFill>
+                  <a:srgbClr val="FFFFFF"/>
+                </a:solidFill>
+                <a:latin typeface="Arial"/>
+                <a:ea typeface="Arial"/>
+                <a:cs typeface="Arial"/>
+                <a:sym typeface="Arial"/>
+              </a:rPr>
+              <a:t>интерфейсов, сколько необходимо, и, следовательно, тем самым поддерживать множество поведений.</a:t>
+            </a:r>
+            <a:endParaRPr dirty="0">
               <a:solidFill>
-                <a:schemeClr val="tx1"/>
+                <a:srgbClr val="FFFFFF"/>
               </a:solidFill>
+              <a:latin typeface="Arial"/>
+              <a:ea typeface="Arial"/>
+              <a:cs typeface="Arial"/>
+              <a:sym typeface="Arial"/>
             </a:endParaRPr>
           </a:p>
         </p:txBody>
@@ -8279,7 +9755,7 @@
     </p:spTree>
     <p:extLst>
       <p:ext uri="{BB962C8B-B14F-4D97-AF65-F5344CB8AC3E}">
-        <p14:creationId xmlns:p14="http://schemas.microsoft.com/office/powerpoint/2010/main" val="4023516047"/>
+        <p14:creationId xmlns:p14="http://schemas.microsoft.com/office/powerpoint/2010/main" val="370336584"/>
       </p:ext>
     </p:extLst>
   </p:cSld>
@@ -8290,6 +9766,1904 @@
 </file>
 
 <file path=ppt/slides/slide13.xml><?xml version="1.0" encoding="utf-8"?>
+<p:sld xmlns:a="http://schemas.openxmlformats.org/drawingml/2006/main" xmlns:r="http://schemas.openxmlformats.org/officeDocument/2006/relationships" xmlns:p="http://schemas.openxmlformats.org/presentationml/2006/main">
+  <p:cSld>
+    <p:spTree>
+      <p:nvGrpSpPr>
+        <p:cNvPr id="1" name=""/>
+        <p:cNvGrpSpPr/>
+        <p:nvPr/>
+      </p:nvGrpSpPr>
+      <p:grpSpPr>
+        <a:xfrm>
+          <a:off x="0" y="0"/>
+          <a:ext cx="0" cy="0"/>
+          <a:chOff x="0" y="0"/>
+          <a:chExt cx="0" cy="0"/>
+        </a:xfrm>
+      </p:grpSpPr>
+      <p:sp>
+        <p:nvSpPr>
+          <p:cNvPr id="2" name="Заголовок 1"/>
+          <p:cNvSpPr>
+            <a:spLocks noGrp="1"/>
+          </p:cNvSpPr>
+          <p:nvPr>
+            <p:ph type="title"/>
+          </p:nvPr>
+        </p:nvSpPr>
+        <p:spPr/>
+        <p:txBody>
+          <a:bodyPr/>
+          <a:lstStyle/>
+          <a:p>
+            <a:r>
+              <a:rPr lang="ru-RU" dirty="0" smtClean="0"/>
+              <a:t>Интерфейсы	</a:t>
+            </a:r>
+            <a:endParaRPr lang="ru-RU" dirty="0"/>
+          </a:p>
+        </p:txBody>
+      </p:sp>
+      <p:sp>
+        <p:nvSpPr>
+          <p:cNvPr id="5" name="Google Shape;120;p21"/>
+          <p:cNvSpPr txBox="1">
+            <a:spLocks noGrp="1"/>
+          </p:cNvSpPr>
+          <p:nvPr>
+            <p:ph type="body" idx="1"/>
+          </p:nvPr>
+        </p:nvSpPr>
+        <p:spPr>
+          <a:xfrm>
+            <a:off x="387900" y="1291500"/>
+            <a:ext cx="8368200" cy="3852000"/>
+          </a:xfrm>
+          <a:prstGeom prst="rect">
+            <a:avLst/>
+          </a:prstGeom>
+        </p:spPr>
+        <p:txBody>
+          <a:bodyPr spcFirstLastPara="1" wrap="square" lIns="91425" tIns="91425" rIns="91425" bIns="91425" anchor="t" anchorCtr="0">
+            <a:noAutofit/>
+          </a:bodyPr>
+          <a:lstStyle/>
+          <a:p>
+            <a:pPr marL="0" lvl="0" indent="0" algn="l" rtl="0">
+              <a:lnSpc>
+                <a:spcPct val="100000"/>
+              </a:lnSpc>
+              <a:spcBef>
+                <a:spcPts val="0"/>
+              </a:spcBef>
+              <a:spcAft>
+                <a:spcPts val="0"/>
+              </a:spcAft>
+              <a:buNone/>
+            </a:pPr>
+            <a:r>
+              <a:rPr lang="ru" dirty="0">
+                <a:latin typeface="Arial"/>
+                <a:ea typeface="Arial"/>
+                <a:cs typeface="Arial"/>
+                <a:sym typeface="Arial"/>
+              </a:rPr>
+              <a:t>Пример описания интерфейса</a:t>
+            </a:r>
+            <a:endParaRPr dirty="0">
+              <a:latin typeface="Arial"/>
+              <a:ea typeface="Arial"/>
+              <a:cs typeface="Arial"/>
+              <a:sym typeface="Arial"/>
+            </a:endParaRPr>
+          </a:p>
+          <a:p>
+            <a:pPr marL="0" lvl="0" indent="0" algn="l" rtl="0">
+              <a:lnSpc>
+                <a:spcPct val="100000"/>
+              </a:lnSpc>
+              <a:spcBef>
+                <a:spcPts val="1600"/>
+              </a:spcBef>
+              <a:spcAft>
+                <a:spcPts val="0"/>
+              </a:spcAft>
+              <a:buNone/>
+            </a:pPr>
+            <a:r>
+              <a:rPr lang="ru" sz="1400" dirty="0">
+                <a:solidFill>
+                  <a:srgbClr val="6D9EEB"/>
+                </a:solidFill>
+                <a:latin typeface="Roboto Mono"/>
+                <a:ea typeface="Roboto Mono"/>
+                <a:cs typeface="Roboto Mono"/>
+                <a:sym typeface="Roboto Mono"/>
+              </a:rPr>
+              <a:t>public</a:t>
+            </a:r>
+            <a:r>
+              <a:rPr lang="ru" sz="1400" dirty="0">
+                <a:solidFill>
+                  <a:srgbClr val="FFFFFF"/>
+                </a:solidFill>
+                <a:latin typeface="Roboto Mono"/>
+                <a:ea typeface="Roboto Mono"/>
+                <a:cs typeface="Roboto Mono"/>
+                <a:sym typeface="Roboto Mono"/>
+              </a:rPr>
+              <a:t> </a:t>
+            </a:r>
+            <a:r>
+              <a:rPr lang="ru" sz="1400" dirty="0">
+                <a:solidFill>
+                  <a:srgbClr val="6D9EEB"/>
+                </a:solidFill>
+                <a:latin typeface="Roboto Mono"/>
+                <a:ea typeface="Roboto Mono"/>
+                <a:cs typeface="Roboto Mono"/>
+                <a:sym typeface="Roboto Mono"/>
+              </a:rPr>
+              <a:t>interface</a:t>
+            </a:r>
+            <a:r>
+              <a:rPr lang="ru" sz="1400" dirty="0">
+                <a:solidFill>
+                  <a:srgbClr val="FFFFFF"/>
+                </a:solidFill>
+                <a:latin typeface="Roboto Mono"/>
+                <a:ea typeface="Roboto Mono"/>
+                <a:cs typeface="Roboto Mono"/>
+                <a:sym typeface="Roboto Mono"/>
+              </a:rPr>
+              <a:t> </a:t>
+            </a:r>
+            <a:r>
+              <a:rPr lang="ru" sz="1400" dirty="0">
+                <a:solidFill>
+                  <a:srgbClr val="B8D7A3"/>
+                </a:solidFill>
+                <a:latin typeface="Roboto Mono"/>
+                <a:ea typeface="Roboto Mono"/>
+                <a:cs typeface="Roboto Mono"/>
+                <a:sym typeface="Roboto Mono"/>
+              </a:rPr>
+              <a:t>IDemoExample</a:t>
+            </a:r>
+            <a:endParaRPr sz="1400" dirty="0">
+              <a:solidFill>
+                <a:srgbClr val="FFFFFF"/>
+              </a:solidFill>
+              <a:latin typeface="Roboto Mono"/>
+              <a:ea typeface="Roboto Mono"/>
+              <a:cs typeface="Roboto Mono"/>
+              <a:sym typeface="Roboto Mono"/>
+            </a:endParaRPr>
+          </a:p>
+          <a:p>
+            <a:pPr marL="0" lvl="0" indent="0" algn="l" rtl="0">
+              <a:lnSpc>
+                <a:spcPct val="100000"/>
+              </a:lnSpc>
+              <a:spcBef>
+                <a:spcPts val="0"/>
+              </a:spcBef>
+              <a:spcAft>
+                <a:spcPts val="0"/>
+              </a:spcAft>
+              <a:buNone/>
+            </a:pPr>
+            <a:r>
+              <a:rPr lang="ru" sz="1400" dirty="0">
+                <a:solidFill>
+                  <a:srgbClr val="DCDCDC"/>
+                </a:solidFill>
+                <a:latin typeface="Roboto Mono"/>
+                <a:ea typeface="Roboto Mono"/>
+                <a:cs typeface="Roboto Mono"/>
+                <a:sym typeface="Roboto Mono"/>
+              </a:rPr>
+              <a:t>{</a:t>
+            </a:r>
+            <a:endParaRPr sz="1400" dirty="0">
+              <a:solidFill>
+                <a:srgbClr val="FFFFFF"/>
+              </a:solidFill>
+              <a:latin typeface="Roboto Mono"/>
+              <a:ea typeface="Roboto Mono"/>
+              <a:cs typeface="Roboto Mono"/>
+              <a:sym typeface="Roboto Mono"/>
+            </a:endParaRPr>
+          </a:p>
+          <a:p>
+            <a:pPr marL="0" lvl="0" indent="0" algn="l" rtl="0">
+              <a:lnSpc>
+                <a:spcPct val="100000"/>
+              </a:lnSpc>
+              <a:spcBef>
+                <a:spcPts val="0"/>
+              </a:spcBef>
+              <a:spcAft>
+                <a:spcPts val="0"/>
+              </a:spcAft>
+              <a:buNone/>
+            </a:pPr>
+            <a:r>
+              <a:rPr lang="ru" sz="1400" dirty="0">
+                <a:solidFill>
+                  <a:srgbClr val="FFFFFF"/>
+                </a:solidFill>
+                <a:latin typeface="Roboto Mono"/>
+                <a:ea typeface="Roboto Mono"/>
+                <a:cs typeface="Roboto Mono"/>
+                <a:sym typeface="Roboto Mono"/>
+              </a:rPr>
+              <a:t>	</a:t>
+            </a:r>
+            <a:r>
+              <a:rPr lang="ru" sz="1400" dirty="0">
+                <a:solidFill>
+                  <a:srgbClr val="6D9EEB"/>
+                </a:solidFill>
+                <a:latin typeface="Roboto Mono"/>
+                <a:ea typeface="Roboto Mono"/>
+                <a:cs typeface="Roboto Mono"/>
+                <a:sym typeface="Roboto Mono"/>
+              </a:rPr>
+              <a:t>string</a:t>
+            </a:r>
+            <a:r>
+              <a:rPr lang="ru" sz="1400" dirty="0">
+                <a:solidFill>
+                  <a:srgbClr val="FFFFFF"/>
+                </a:solidFill>
+                <a:latin typeface="Roboto Mono"/>
+                <a:ea typeface="Roboto Mono"/>
+                <a:cs typeface="Roboto Mono"/>
+                <a:sym typeface="Roboto Mono"/>
+              </a:rPr>
+              <a:t> ExampleProperty </a:t>
+            </a:r>
+            <a:r>
+              <a:rPr lang="ru" sz="1400" dirty="0">
+                <a:solidFill>
+                  <a:srgbClr val="DCDCDC"/>
+                </a:solidFill>
+                <a:latin typeface="Roboto Mono"/>
+                <a:ea typeface="Roboto Mono"/>
+                <a:cs typeface="Roboto Mono"/>
+                <a:sym typeface="Roboto Mono"/>
+              </a:rPr>
+              <a:t>{</a:t>
+            </a:r>
+            <a:r>
+              <a:rPr lang="ru" sz="1400" dirty="0">
+                <a:solidFill>
+                  <a:srgbClr val="FFFFFF"/>
+                </a:solidFill>
+                <a:latin typeface="Roboto Mono"/>
+                <a:ea typeface="Roboto Mono"/>
+                <a:cs typeface="Roboto Mono"/>
+                <a:sym typeface="Roboto Mono"/>
+              </a:rPr>
+              <a:t> </a:t>
+            </a:r>
+            <a:r>
+              <a:rPr lang="ru" sz="1400" dirty="0">
+                <a:solidFill>
+                  <a:srgbClr val="6D9EEB"/>
+                </a:solidFill>
+                <a:latin typeface="Roboto Mono"/>
+                <a:ea typeface="Roboto Mono"/>
+                <a:cs typeface="Roboto Mono"/>
+                <a:sym typeface="Roboto Mono"/>
+              </a:rPr>
+              <a:t>get</a:t>
+            </a:r>
+            <a:r>
+              <a:rPr lang="ru" sz="1400" dirty="0">
+                <a:solidFill>
+                  <a:srgbClr val="DCDCDC"/>
+                </a:solidFill>
+                <a:latin typeface="Roboto Mono"/>
+                <a:ea typeface="Roboto Mono"/>
+                <a:cs typeface="Roboto Mono"/>
+                <a:sym typeface="Roboto Mono"/>
+              </a:rPr>
+              <a:t>;</a:t>
+            </a:r>
+            <a:r>
+              <a:rPr lang="ru" sz="1400" dirty="0">
+                <a:solidFill>
+                  <a:srgbClr val="FFFFFF"/>
+                </a:solidFill>
+                <a:latin typeface="Roboto Mono"/>
+                <a:ea typeface="Roboto Mono"/>
+                <a:cs typeface="Roboto Mono"/>
+                <a:sym typeface="Roboto Mono"/>
+              </a:rPr>
+              <a:t> </a:t>
+            </a:r>
+            <a:r>
+              <a:rPr lang="ru" sz="1400" dirty="0">
+                <a:solidFill>
+                  <a:srgbClr val="6D9EEB"/>
+                </a:solidFill>
+                <a:latin typeface="Roboto Mono"/>
+                <a:ea typeface="Roboto Mono"/>
+                <a:cs typeface="Roboto Mono"/>
+                <a:sym typeface="Roboto Mono"/>
+              </a:rPr>
+              <a:t>set</a:t>
+            </a:r>
+            <a:r>
+              <a:rPr lang="ru" sz="1400" dirty="0">
+                <a:solidFill>
+                  <a:srgbClr val="DCDCDC"/>
+                </a:solidFill>
+                <a:latin typeface="Roboto Mono"/>
+                <a:ea typeface="Roboto Mono"/>
+                <a:cs typeface="Roboto Mono"/>
+                <a:sym typeface="Roboto Mono"/>
+              </a:rPr>
+              <a:t>;</a:t>
+            </a:r>
+            <a:r>
+              <a:rPr lang="ru" sz="1400" dirty="0">
+                <a:solidFill>
+                  <a:srgbClr val="FFFFFF"/>
+                </a:solidFill>
+                <a:latin typeface="Roboto Mono"/>
+                <a:ea typeface="Roboto Mono"/>
+                <a:cs typeface="Roboto Mono"/>
+                <a:sym typeface="Roboto Mono"/>
+              </a:rPr>
+              <a:t> </a:t>
+            </a:r>
+            <a:r>
+              <a:rPr lang="ru" sz="1400" dirty="0">
+                <a:solidFill>
+                  <a:srgbClr val="DCDCDC"/>
+                </a:solidFill>
+                <a:latin typeface="Roboto Mono"/>
+                <a:ea typeface="Roboto Mono"/>
+                <a:cs typeface="Roboto Mono"/>
+                <a:sym typeface="Roboto Mono"/>
+              </a:rPr>
+              <a:t>}</a:t>
+            </a:r>
+            <a:endParaRPr sz="1400" dirty="0">
+              <a:solidFill>
+                <a:srgbClr val="FFFFFF"/>
+              </a:solidFill>
+              <a:latin typeface="Roboto Mono"/>
+              <a:ea typeface="Roboto Mono"/>
+              <a:cs typeface="Roboto Mono"/>
+              <a:sym typeface="Roboto Mono"/>
+            </a:endParaRPr>
+          </a:p>
+          <a:p>
+            <a:pPr marL="0" lvl="0" indent="0" algn="l" rtl="0">
+              <a:lnSpc>
+                <a:spcPct val="100000"/>
+              </a:lnSpc>
+              <a:spcBef>
+                <a:spcPts val="0"/>
+              </a:spcBef>
+              <a:spcAft>
+                <a:spcPts val="0"/>
+              </a:spcAft>
+              <a:buNone/>
+            </a:pPr>
+            <a:r>
+              <a:rPr lang="ru" sz="1400" dirty="0">
+                <a:solidFill>
+                  <a:srgbClr val="FFFFFF"/>
+                </a:solidFill>
+                <a:latin typeface="Roboto Mono"/>
+                <a:ea typeface="Roboto Mono"/>
+                <a:cs typeface="Roboto Mono"/>
+                <a:sym typeface="Roboto Mono"/>
+              </a:rPr>
+              <a:t> </a:t>
+            </a:r>
+            <a:endParaRPr sz="1400" dirty="0">
+              <a:solidFill>
+                <a:srgbClr val="FFFFFF"/>
+              </a:solidFill>
+              <a:latin typeface="Roboto Mono"/>
+              <a:ea typeface="Roboto Mono"/>
+              <a:cs typeface="Roboto Mono"/>
+              <a:sym typeface="Roboto Mono"/>
+            </a:endParaRPr>
+          </a:p>
+          <a:p>
+            <a:pPr marL="0" lvl="0" indent="0" algn="l" rtl="0">
+              <a:lnSpc>
+                <a:spcPct val="100000"/>
+              </a:lnSpc>
+              <a:spcBef>
+                <a:spcPts val="0"/>
+              </a:spcBef>
+              <a:spcAft>
+                <a:spcPts val="0"/>
+              </a:spcAft>
+              <a:buNone/>
+            </a:pPr>
+            <a:r>
+              <a:rPr lang="ru" sz="1400" dirty="0">
+                <a:solidFill>
+                  <a:srgbClr val="FFFFFF"/>
+                </a:solidFill>
+                <a:latin typeface="Roboto Mono"/>
+                <a:ea typeface="Roboto Mono"/>
+                <a:cs typeface="Roboto Mono"/>
+                <a:sym typeface="Roboto Mono"/>
+              </a:rPr>
+              <a:t>	</a:t>
+            </a:r>
+            <a:r>
+              <a:rPr lang="ru" sz="1400" dirty="0">
+                <a:solidFill>
+                  <a:srgbClr val="6D9EEB"/>
+                </a:solidFill>
+                <a:latin typeface="Roboto Mono"/>
+                <a:ea typeface="Roboto Mono"/>
+                <a:cs typeface="Roboto Mono"/>
+                <a:sym typeface="Roboto Mono"/>
+              </a:rPr>
+              <a:t>void</a:t>
+            </a:r>
+            <a:r>
+              <a:rPr lang="ru" sz="1400" dirty="0">
+                <a:solidFill>
+                  <a:srgbClr val="FFFFFF"/>
+                </a:solidFill>
+                <a:latin typeface="Roboto Mono"/>
+                <a:ea typeface="Roboto Mono"/>
+                <a:cs typeface="Roboto Mono"/>
+                <a:sym typeface="Roboto Mono"/>
+              </a:rPr>
+              <a:t> ExampleMethod</a:t>
+            </a:r>
+            <a:r>
+              <a:rPr lang="ru" sz="1400" dirty="0">
+                <a:solidFill>
+                  <a:srgbClr val="DCDCDC"/>
+                </a:solidFill>
+                <a:latin typeface="Roboto Mono"/>
+                <a:ea typeface="Roboto Mono"/>
+                <a:cs typeface="Roboto Mono"/>
+                <a:sym typeface="Roboto Mono"/>
+              </a:rPr>
+              <a:t>();</a:t>
+            </a:r>
+            <a:endParaRPr sz="1400" dirty="0">
+              <a:solidFill>
+                <a:srgbClr val="FFFFFF"/>
+              </a:solidFill>
+              <a:latin typeface="Roboto Mono"/>
+              <a:ea typeface="Roboto Mono"/>
+              <a:cs typeface="Roboto Mono"/>
+              <a:sym typeface="Roboto Mono"/>
+            </a:endParaRPr>
+          </a:p>
+          <a:p>
+            <a:pPr marL="0" lvl="0" indent="0" algn="l" rtl="0">
+              <a:lnSpc>
+                <a:spcPct val="100000"/>
+              </a:lnSpc>
+              <a:spcBef>
+                <a:spcPts val="0"/>
+              </a:spcBef>
+              <a:spcAft>
+                <a:spcPts val="0"/>
+              </a:spcAft>
+              <a:buNone/>
+            </a:pPr>
+            <a:r>
+              <a:rPr lang="ru" sz="1400" dirty="0">
+                <a:solidFill>
+                  <a:srgbClr val="DCDCDC"/>
+                </a:solidFill>
+                <a:latin typeface="Roboto Mono"/>
+                <a:ea typeface="Roboto Mono"/>
+                <a:cs typeface="Roboto Mono"/>
+                <a:sym typeface="Roboto Mono"/>
+              </a:rPr>
+              <a:t>}</a:t>
+            </a:r>
+            <a:endParaRPr sz="1400" dirty="0">
+              <a:solidFill>
+                <a:srgbClr val="DCDCDC"/>
+              </a:solidFill>
+              <a:latin typeface="Roboto Mono"/>
+              <a:ea typeface="Roboto Mono"/>
+              <a:cs typeface="Roboto Mono"/>
+              <a:sym typeface="Roboto Mono"/>
+            </a:endParaRPr>
+          </a:p>
+          <a:p>
+            <a:pPr marL="0" lvl="0" indent="0" algn="l" rtl="0">
+              <a:lnSpc>
+                <a:spcPct val="100000"/>
+              </a:lnSpc>
+              <a:spcBef>
+                <a:spcPts val="0"/>
+              </a:spcBef>
+              <a:spcAft>
+                <a:spcPts val="0"/>
+              </a:spcAft>
+              <a:buNone/>
+            </a:pPr>
+            <a:endParaRPr sz="1400" dirty="0">
+              <a:solidFill>
+                <a:srgbClr val="DCDCDC"/>
+              </a:solidFill>
+              <a:latin typeface="Roboto Mono"/>
+              <a:ea typeface="Roboto Mono"/>
+              <a:cs typeface="Roboto Mono"/>
+              <a:sym typeface="Roboto Mono"/>
+            </a:endParaRPr>
+          </a:p>
+          <a:p>
+            <a:pPr marL="0" lvl="0" indent="0" algn="l" rtl="0">
+              <a:lnSpc>
+                <a:spcPct val="100000"/>
+              </a:lnSpc>
+              <a:spcBef>
+                <a:spcPts val="0"/>
+              </a:spcBef>
+              <a:spcAft>
+                <a:spcPts val="0"/>
+              </a:spcAft>
+              <a:buNone/>
+            </a:pPr>
+            <a:r>
+              <a:rPr lang="ru" dirty="0">
+                <a:latin typeface="Arial"/>
+                <a:ea typeface="Arial"/>
+                <a:cs typeface="Arial"/>
+                <a:sym typeface="Arial"/>
+              </a:rPr>
+              <a:t>Пример имплементации интерфейса</a:t>
+            </a:r>
+            <a:endParaRPr dirty="0">
+              <a:latin typeface="Arial"/>
+              <a:ea typeface="Arial"/>
+              <a:cs typeface="Arial"/>
+              <a:sym typeface="Arial"/>
+            </a:endParaRPr>
+          </a:p>
+          <a:p>
+            <a:pPr marL="0" lvl="0" indent="0" algn="l" rtl="0">
+              <a:lnSpc>
+                <a:spcPct val="100000"/>
+              </a:lnSpc>
+              <a:spcBef>
+                <a:spcPts val="1600"/>
+              </a:spcBef>
+              <a:spcAft>
+                <a:spcPts val="0"/>
+              </a:spcAft>
+              <a:buNone/>
+            </a:pPr>
+            <a:r>
+              <a:rPr lang="ru" sz="1400" dirty="0">
+                <a:solidFill>
+                  <a:srgbClr val="6D9EEB"/>
+                </a:solidFill>
+                <a:latin typeface="Roboto Mono"/>
+                <a:ea typeface="Roboto Mono"/>
+                <a:cs typeface="Roboto Mono"/>
+                <a:sym typeface="Roboto Mono"/>
+              </a:rPr>
+              <a:t>public</a:t>
+            </a:r>
+            <a:r>
+              <a:rPr lang="ru" sz="1400" dirty="0">
+                <a:solidFill>
+                  <a:srgbClr val="FFFFFF"/>
+                </a:solidFill>
+                <a:latin typeface="Roboto Mono"/>
+                <a:ea typeface="Roboto Mono"/>
+                <a:cs typeface="Roboto Mono"/>
+                <a:sym typeface="Roboto Mono"/>
+              </a:rPr>
+              <a:t> </a:t>
+            </a:r>
+            <a:r>
+              <a:rPr lang="ru" sz="1400" dirty="0">
+                <a:solidFill>
+                  <a:srgbClr val="6D9EEB"/>
+                </a:solidFill>
+                <a:latin typeface="Roboto Mono"/>
+                <a:ea typeface="Roboto Mono"/>
+                <a:cs typeface="Roboto Mono"/>
+                <a:sym typeface="Roboto Mono"/>
+              </a:rPr>
+              <a:t>class</a:t>
+            </a:r>
+            <a:r>
+              <a:rPr lang="ru" sz="1400" dirty="0">
+                <a:solidFill>
+                  <a:srgbClr val="FFFFFF"/>
+                </a:solidFill>
+                <a:latin typeface="Roboto Mono"/>
+                <a:ea typeface="Roboto Mono"/>
+                <a:cs typeface="Roboto Mono"/>
+                <a:sym typeface="Roboto Mono"/>
+              </a:rPr>
+              <a:t> </a:t>
+            </a:r>
+            <a:r>
+              <a:rPr lang="ru" sz="1400" dirty="0">
+                <a:solidFill>
+                  <a:srgbClr val="B8D7A3"/>
+                </a:solidFill>
+                <a:latin typeface="Roboto Mono"/>
+                <a:ea typeface="Roboto Mono"/>
+                <a:cs typeface="Roboto Mono"/>
+                <a:sym typeface="Roboto Mono"/>
+              </a:rPr>
+              <a:t>Demo: IDemoExample</a:t>
+            </a:r>
+            <a:endParaRPr sz="1400" dirty="0">
+              <a:solidFill>
+                <a:srgbClr val="FFFFFF"/>
+              </a:solidFill>
+              <a:latin typeface="Roboto Mono"/>
+              <a:ea typeface="Roboto Mono"/>
+              <a:cs typeface="Roboto Mono"/>
+              <a:sym typeface="Roboto Mono"/>
+            </a:endParaRPr>
+          </a:p>
+          <a:p>
+            <a:pPr marL="0" lvl="0" indent="0" algn="l" rtl="0">
+              <a:lnSpc>
+                <a:spcPct val="100000"/>
+              </a:lnSpc>
+              <a:spcBef>
+                <a:spcPts val="0"/>
+              </a:spcBef>
+              <a:spcAft>
+                <a:spcPts val="0"/>
+              </a:spcAft>
+              <a:buNone/>
+            </a:pPr>
+            <a:r>
+              <a:rPr lang="ru" sz="1400" dirty="0">
+                <a:solidFill>
+                  <a:srgbClr val="DCDCDC"/>
+                </a:solidFill>
+                <a:latin typeface="Roboto Mono"/>
+                <a:ea typeface="Roboto Mono"/>
+                <a:cs typeface="Roboto Mono"/>
+                <a:sym typeface="Roboto Mono"/>
+              </a:rPr>
+              <a:t>{</a:t>
+            </a:r>
+            <a:endParaRPr sz="1400" dirty="0">
+              <a:solidFill>
+                <a:srgbClr val="FFFFFF"/>
+              </a:solidFill>
+              <a:latin typeface="Roboto Mono"/>
+              <a:ea typeface="Roboto Mono"/>
+              <a:cs typeface="Roboto Mono"/>
+              <a:sym typeface="Roboto Mono"/>
+            </a:endParaRPr>
+          </a:p>
+          <a:p>
+            <a:pPr marL="0" lvl="0" indent="0" algn="l" rtl="0">
+              <a:lnSpc>
+                <a:spcPct val="100000"/>
+              </a:lnSpc>
+              <a:spcBef>
+                <a:spcPts val="0"/>
+              </a:spcBef>
+              <a:spcAft>
+                <a:spcPts val="0"/>
+              </a:spcAft>
+              <a:buNone/>
+            </a:pPr>
+            <a:r>
+              <a:rPr lang="ru" sz="1400" dirty="0">
+                <a:solidFill>
+                  <a:srgbClr val="FFFFFF"/>
+                </a:solidFill>
+                <a:latin typeface="Roboto Mono"/>
+                <a:ea typeface="Roboto Mono"/>
+                <a:cs typeface="Roboto Mono"/>
+                <a:sym typeface="Roboto Mono"/>
+              </a:rPr>
+              <a:t>	</a:t>
+            </a:r>
+            <a:r>
+              <a:rPr lang="ru" sz="1400" dirty="0">
+                <a:solidFill>
+                  <a:srgbClr val="6D9EEB"/>
+                </a:solidFill>
+                <a:latin typeface="Roboto Mono"/>
+                <a:ea typeface="Roboto Mono"/>
+                <a:cs typeface="Roboto Mono"/>
+                <a:sym typeface="Roboto Mono"/>
+              </a:rPr>
+              <a:t>public string</a:t>
+            </a:r>
+            <a:r>
+              <a:rPr lang="ru" sz="1400" dirty="0">
+                <a:solidFill>
+                  <a:srgbClr val="FFFFFF"/>
+                </a:solidFill>
+                <a:latin typeface="Roboto Mono"/>
+                <a:ea typeface="Roboto Mono"/>
+                <a:cs typeface="Roboto Mono"/>
+                <a:sym typeface="Roboto Mono"/>
+              </a:rPr>
+              <a:t> ExampleProperty </a:t>
+            </a:r>
+            <a:r>
+              <a:rPr lang="ru" sz="1400" dirty="0">
+                <a:solidFill>
+                  <a:srgbClr val="DCDCDC"/>
+                </a:solidFill>
+                <a:latin typeface="Roboto Mono"/>
+                <a:ea typeface="Roboto Mono"/>
+                <a:cs typeface="Roboto Mono"/>
+                <a:sym typeface="Roboto Mono"/>
+              </a:rPr>
+              <a:t>{</a:t>
+            </a:r>
+            <a:r>
+              <a:rPr lang="ru" sz="1400" dirty="0">
+                <a:solidFill>
+                  <a:srgbClr val="FFFFFF"/>
+                </a:solidFill>
+                <a:latin typeface="Roboto Mono"/>
+                <a:ea typeface="Roboto Mono"/>
+                <a:cs typeface="Roboto Mono"/>
+                <a:sym typeface="Roboto Mono"/>
+              </a:rPr>
+              <a:t> </a:t>
+            </a:r>
+            <a:r>
+              <a:rPr lang="ru" sz="1400" dirty="0">
+                <a:solidFill>
+                  <a:srgbClr val="6D9EEB"/>
+                </a:solidFill>
+                <a:latin typeface="Roboto Mono"/>
+                <a:ea typeface="Roboto Mono"/>
+                <a:cs typeface="Roboto Mono"/>
+                <a:sym typeface="Roboto Mono"/>
+              </a:rPr>
+              <a:t>get</a:t>
+            </a:r>
+            <a:r>
+              <a:rPr lang="ru" sz="1400" dirty="0">
+                <a:solidFill>
+                  <a:srgbClr val="DCDCDC"/>
+                </a:solidFill>
+                <a:latin typeface="Roboto Mono"/>
+                <a:ea typeface="Roboto Mono"/>
+                <a:cs typeface="Roboto Mono"/>
+                <a:sym typeface="Roboto Mono"/>
+              </a:rPr>
+              <a:t>;</a:t>
+            </a:r>
+            <a:r>
+              <a:rPr lang="ru" sz="1400" dirty="0">
+                <a:solidFill>
+                  <a:srgbClr val="FFFFFF"/>
+                </a:solidFill>
+                <a:latin typeface="Roboto Mono"/>
+                <a:ea typeface="Roboto Mono"/>
+                <a:cs typeface="Roboto Mono"/>
+                <a:sym typeface="Roboto Mono"/>
+              </a:rPr>
+              <a:t> </a:t>
+            </a:r>
+            <a:r>
+              <a:rPr lang="ru" sz="1400" dirty="0">
+                <a:solidFill>
+                  <a:srgbClr val="6D9EEB"/>
+                </a:solidFill>
+                <a:latin typeface="Roboto Mono"/>
+                <a:ea typeface="Roboto Mono"/>
+                <a:cs typeface="Roboto Mono"/>
+                <a:sym typeface="Roboto Mono"/>
+              </a:rPr>
+              <a:t>set</a:t>
+            </a:r>
+            <a:r>
+              <a:rPr lang="ru" sz="1400" dirty="0">
+                <a:solidFill>
+                  <a:srgbClr val="DCDCDC"/>
+                </a:solidFill>
+                <a:latin typeface="Roboto Mono"/>
+                <a:ea typeface="Roboto Mono"/>
+                <a:cs typeface="Roboto Mono"/>
+                <a:sym typeface="Roboto Mono"/>
+              </a:rPr>
+              <a:t>;</a:t>
+            </a:r>
+            <a:r>
+              <a:rPr lang="ru" sz="1400" dirty="0">
+                <a:solidFill>
+                  <a:srgbClr val="FFFFFF"/>
+                </a:solidFill>
+                <a:latin typeface="Roboto Mono"/>
+                <a:ea typeface="Roboto Mono"/>
+                <a:cs typeface="Roboto Mono"/>
+                <a:sym typeface="Roboto Mono"/>
+              </a:rPr>
+              <a:t> </a:t>
+            </a:r>
+            <a:r>
+              <a:rPr lang="ru" sz="1400" dirty="0">
+                <a:solidFill>
+                  <a:srgbClr val="DCDCDC"/>
+                </a:solidFill>
+                <a:latin typeface="Roboto Mono"/>
+                <a:ea typeface="Roboto Mono"/>
+                <a:cs typeface="Roboto Mono"/>
+                <a:sym typeface="Roboto Mono"/>
+              </a:rPr>
+              <a:t>}</a:t>
+            </a:r>
+            <a:endParaRPr sz="1400" dirty="0">
+              <a:solidFill>
+                <a:srgbClr val="FFFFFF"/>
+              </a:solidFill>
+              <a:latin typeface="Roboto Mono"/>
+              <a:ea typeface="Roboto Mono"/>
+              <a:cs typeface="Roboto Mono"/>
+              <a:sym typeface="Roboto Mono"/>
+            </a:endParaRPr>
+          </a:p>
+          <a:p>
+            <a:pPr marL="0" lvl="0" indent="0" algn="l" rtl="0">
+              <a:lnSpc>
+                <a:spcPct val="100000"/>
+              </a:lnSpc>
+              <a:spcBef>
+                <a:spcPts val="0"/>
+              </a:spcBef>
+              <a:spcAft>
+                <a:spcPts val="0"/>
+              </a:spcAft>
+              <a:buNone/>
+            </a:pPr>
+            <a:r>
+              <a:rPr lang="ru" sz="1400" dirty="0">
+                <a:solidFill>
+                  <a:srgbClr val="FFFFFF"/>
+                </a:solidFill>
+                <a:latin typeface="Roboto Mono"/>
+                <a:ea typeface="Roboto Mono"/>
+                <a:cs typeface="Roboto Mono"/>
+                <a:sym typeface="Roboto Mono"/>
+              </a:rPr>
+              <a:t> </a:t>
+            </a:r>
+            <a:endParaRPr sz="1400" dirty="0">
+              <a:solidFill>
+                <a:srgbClr val="FFFFFF"/>
+              </a:solidFill>
+              <a:latin typeface="Roboto Mono"/>
+              <a:ea typeface="Roboto Mono"/>
+              <a:cs typeface="Roboto Mono"/>
+              <a:sym typeface="Roboto Mono"/>
+            </a:endParaRPr>
+          </a:p>
+          <a:p>
+            <a:pPr marL="0" lvl="0" indent="0" algn="l" rtl="0">
+              <a:lnSpc>
+                <a:spcPct val="100000"/>
+              </a:lnSpc>
+              <a:spcBef>
+                <a:spcPts val="0"/>
+              </a:spcBef>
+              <a:spcAft>
+                <a:spcPts val="0"/>
+              </a:spcAft>
+              <a:buNone/>
+            </a:pPr>
+            <a:r>
+              <a:rPr lang="ru" sz="1400" dirty="0">
+                <a:solidFill>
+                  <a:srgbClr val="FFFFFF"/>
+                </a:solidFill>
+                <a:latin typeface="Roboto Mono"/>
+                <a:ea typeface="Roboto Mono"/>
+                <a:cs typeface="Roboto Mono"/>
+                <a:sym typeface="Roboto Mono"/>
+              </a:rPr>
+              <a:t>	</a:t>
+            </a:r>
+            <a:r>
+              <a:rPr lang="ru" sz="1400" dirty="0">
+                <a:solidFill>
+                  <a:srgbClr val="6D9EEB"/>
+                </a:solidFill>
+                <a:latin typeface="Roboto Mono"/>
+                <a:ea typeface="Roboto Mono"/>
+                <a:cs typeface="Roboto Mono"/>
+                <a:sym typeface="Roboto Mono"/>
+              </a:rPr>
+              <a:t>public void</a:t>
+            </a:r>
+            <a:r>
+              <a:rPr lang="ru" sz="1400" dirty="0">
+                <a:solidFill>
+                  <a:srgbClr val="FFFFFF"/>
+                </a:solidFill>
+                <a:latin typeface="Roboto Mono"/>
+                <a:ea typeface="Roboto Mono"/>
+                <a:cs typeface="Roboto Mono"/>
+                <a:sym typeface="Roboto Mono"/>
+              </a:rPr>
+              <a:t> ExampleMethod</a:t>
+            </a:r>
+            <a:r>
+              <a:rPr lang="ru" sz="1400" dirty="0">
+                <a:solidFill>
+                  <a:srgbClr val="DCDCDC"/>
+                </a:solidFill>
+                <a:latin typeface="Roboto Mono"/>
+                <a:ea typeface="Roboto Mono"/>
+                <a:cs typeface="Roboto Mono"/>
+                <a:sym typeface="Roboto Mono"/>
+              </a:rPr>
+              <a:t>() { </a:t>
+            </a:r>
+            <a:r>
+              <a:rPr lang="ru" sz="1400" dirty="0">
+                <a:solidFill>
+                  <a:srgbClr val="4EC9B0"/>
+                </a:solidFill>
+                <a:latin typeface="Roboto Mono"/>
+                <a:ea typeface="Roboto Mono"/>
+                <a:cs typeface="Roboto Mono"/>
+                <a:sym typeface="Roboto Mono"/>
+              </a:rPr>
+              <a:t>Console</a:t>
+            </a:r>
+            <a:r>
+              <a:rPr lang="ru" sz="1400" dirty="0">
+                <a:solidFill>
+                  <a:srgbClr val="B4B4B4"/>
+                </a:solidFill>
+                <a:latin typeface="Roboto Mono"/>
+                <a:ea typeface="Roboto Mono"/>
+                <a:cs typeface="Roboto Mono"/>
+                <a:sym typeface="Roboto Mono"/>
+              </a:rPr>
+              <a:t>.</a:t>
+            </a:r>
+            <a:r>
+              <a:rPr lang="ru" sz="1400" dirty="0">
+                <a:solidFill>
+                  <a:srgbClr val="FFFFFF"/>
+                </a:solidFill>
+                <a:latin typeface="Roboto Mono"/>
+                <a:ea typeface="Roboto Mono"/>
+                <a:cs typeface="Roboto Mono"/>
+                <a:sym typeface="Roboto Mono"/>
+              </a:rPr>
+              <a:t>WriteLine</a:t>
+            </a:r>
+            <a:r>
+              <a:rPr lang="ru" sz="1400" dirty="0">
+                <a:solidFill>
+                  <a:srgbClr val="DCDCDC"/>
+                </a:solidFill>
+                <a:latin typeface="Roboto Mono"/>
+                <a:ea typeface="Roboto Mono"/>
+                <a:cs typeface="Roboto Mono"/>
+                <a:sym typeface="Roboto Mono"/>
+              </a:rPr>
+              <a:t>(</a:t>
+            </a:r>
+            <a:r>
+              <a:rPr lang="ru" sz="1400" dirty="0">
+                <a:solidFill>
+                  <a:srgbClr val="EA9999"/>
+                </a:solidFill>
+                <a:latin typeface="Roboto Mono"/>
+                <a:ea typeface="Roboto Mono"/>
+                <a:cs typeface="Roboto Mono"/>
+                <a:sym typeface="Roboto Mono"/>
+              </a:rPr>
+              <a:t>"Demo"</a:t>
+            </a:r>
+            <a:r>
+              <a:rPr lang="ru" sz="1400" dirty="0">
+                <a:solidFill>
+                  <a:srgbClr val="DCDCDC"/>
+                </a:solidFill>
+                <a:latin typeface="Roboto Mono"/>
+                <a:ea typeface="Roboto Mono"/>
+                <a:cs typeface="Roboto Mono"/>
+                <a:sym typeface="Roboto Mono"/>
+              </a:rPr>
+              <a:t>); }</a:t>
+            </a:r>
+            <a:endParaRPr sz="1400" dirty="0">
+              <a:solidFill>
+                <a:srgbClr val="FFFFFF"/>
+              </a:solidFill>
+              <a:latin typeface="Roboto Mono"/>
+              <a:ea typeface="Roboto Mono"/>
+              <a:cs typeface="Roboto Mono"/>
+              <a:sym typeface="Roboto Mono"/>
+            </a:endParaRPr>
+          </a:p>
+          <a:p>
+            <a:pPr marL="0" lvl="0" indent="0" algn="l" rtl="0">
+              <a:lnSpc>
+                <a:spcPct val="100000"/>
+              </a:lnSpc>
+              <a:spcBef>
+                <a:spcPts val="0"/>
+              </a:spcBef>
+              <a:spcAft>
+                <a:spcPts val="0"/>
+              </a:spcAft>
+              <a:buNone/>
+            </a:pPr>
+            <a:r>
+              <a:rPr lang="ru" sz="1400" dirty="0">
+                <a:solidFill>
+                  <a:srgbClr val="DCDCDC"/>
+                </a:solidFill>
+                <a:latin typeface="Roboto Mono"/>
+                <a:ea typeface="Roboto Mono"/>
+                <a:cs typeface="Roboto Mono"/>
+                <a:sym typeface="Roboto Mono"/>
+              </a:rPr>
+              <a:t>}</a:t>
+            </a:r>
+            <a:endParaRPr sz="1400" dirty="0">
+              <a:solidFill>
+                <a:srgbClr val="DCDCDC"/>
+              </a:solidFill>
+              <a:latin typeface="Roboto Mono"/>
+              <a:ea typeface="Roboto Mono"/>
+              <a:cs typeface="Roboto Mono"/>
+              <a:sym typeface="Roboto Mono"/>
+            </a:endParaRPr>
+          </a:p>
+        </p:txBody>
+      </p:sp>
+    </p:spTree>
+    <p:extLst>
+      <p:ext uri="{BB962C8B-B14F-4D97-AF65-F5344CB8AC3E}">
+        <p14:creationId xmlns:p14="http://schemas.microsoft.com/office/powerpoint/2010/main" val="2934300854"/>
+      </p:ext>
+    </p:extLst>
+  </p:cSld>
+  <p:clrMapOvr>
+    <a:masterClrMapping/>
+  </p:clrMapOvr>
+</p:sld>
+</file>
+
+<file path=ppt/slides/slide14.xml><?xml version="1.0" encoding="utf-8"?>
+<p:sld xmlns:a="http://schemas.openxmlformats.org/drawingml/2006/main" xmlns:r="http://schemas.openxmlformats.org/officeDocument/2006/relationships" xmlns:p="http://schemas.openxmlformats.org/presentationml/2006/main">
+  <p:cSld>
+    <p:spTree>
+      <p:nvGrpSpPr>
+        <p:cNvPr id="1" name="Shape 153"/>
+        <p:cNvGrpSpPr/>
+        <p:nvPr/>
+      </p:nvGrpSpPr>
+      <p:grpSpPr>
+        <a:xfrm>
+          <a:off x="0" y="0"/>
+          <a:ext cx="0" cy="0"/>
+          <a:chOff x="0" y="0"/>
+          <a:chExt cx="0" cy="0"/>
+        </a:xfrm>
+      </p:grpSpPr>
+      <p:sp>
+        <p:nvSpPr>
+          <p:cNvPr id="154" name="Google Shape;154;p26"/>
+          <p:cNvSpPr txBox="1">
+            <a:spLocks noGrp="1"/>
+          </p:cNvSpPr>
+          <p:nvPr>
+            <p:ph type="body" idx="1"/>
+          </p:nvPr>
+        </p:nvSpPr>
+        <p:spPr>
+          <a:xfrm>
+            <a:off x="387900" y="1291500"/>
+            <a:ext cx="8368200" cy="3852000"/>
+          </a:xfrm>
+          <a:prstGeom prst="rect">
+            <a:avLst/>
+          </a:prstGeom>
+        </p:spPr>
+        <p:txBody>
+          <a:bodyPr spcFirstLastPara="1" wrap="square" lIns="91425" tIns="91425" rIns="91425" bIns="91425" anchor="t" anchorCtr="0">
+            <a:noAutofit/>
+          </a:bodyPr>
+          <a:lstStyle/>
+          <a:p>
+            <a:pPr marL="0" lvl="0" indent="0" algn="l" rtl="0">
+              <a:lnSpc>
+                <a:spcPct val="100000"/>
+              </a:lnSpc>
+              <a:spcBef>
+                <a:spcPts val="0"/>
+              </a:spcBef>
+              <a:spcAft>
+                <a:spcPts val="0"/>
+              </a:spcAft>
+              <a:buNone/>
+            </a:pPr>
+            <a:r>
+              <a:rPr lang="ru" dirty="0">
+                <a:solidFill>
+                  <a:srgbClr val="FFFFFF"/>
+                </a:solidFill>
+                <a:latin typeface="Arial"/>
+                <a:ea typeface="Arial"/>
+                <a:cs typeface="Arial"/>
+                <a:sym typeface="Arial"/>
+              </a:rPr>
+              <a:t>Интерфейс </a:t>
+            </a:r>
+            <a:r>
+              <a:rPr lang="ru" u="sng" dirty="0">
+                <a:solidFill>
+                  <a:srgbClr val="FF9900"/>
+                </a:solidFill>
+                <a:latin typeface="Arial"/>
+                <a:ea typeface="Arial"/>
+                <a:cs typeface="Arial"/>
+                <a:sym typeface="Arial"/>
+                <a:hlinkClick r:id="rId3"/>
+              </a:rPr>
+              <a:t>IDisposable</a:t>
+            </a:r>
+            <a:r>
+              <a:rPr lang="ru" dirty="0">
+                <a:solidFill>
+                  <a:srgbClr val="FFFFFF"/>
+                </a:solidFill>
+                <a:latin typeface="Arial"/>
+                <a:ea typeface="Arial"/>
+                <a:cs typeface="Arial"/>
+                <a:sym typeface="Arial"/>
+              </a:rPr>
+              <a:t> предоставляет механизм для освобождения неуправляемых ресурсов. Например, при работе с файловой системой.</a:t>
+            </a:r>
+            <a:endParaRPr dirty="0">
+              <a:solidFill>
+                <a:srgbClr val="FFFFFF"/>
+              </a:solidFill>
+              <a:latin typeface="Arial"/>
+              <a:ea typeface="Arial"/>
+              <a:cs typeface="Arial"/>
+              <a:sym typeface="Arial"/>
+            </a:endParaRPr>
+          </a:p>
+          <a:p>
+            <a:pPr marL="0" lvl="0" indent="0" algn="l" rtl="0">
+              <a:lnSpc>
+                <a:spcPct val="100000"/>
+              </a:lnSpc>
+              <a:spcBef>
+                <a:spcPts val="1600"/>
+              </a:spcBef>
+              <a:spcAft>
+                <a:spcPts val="0"/>
+              </a:spcAft>
+              <a:buNone/>
+            </a:pPr>
+            <a:endParaRPr dirty="0">
+              <a:solidFill>
+                <a:srgbClr val="FFFFFF"/>
+              </a:solidFill>
+              <a:latin typeface="Arial"/>
+              <a:ea typeface="Arial"/>
+              <a:cs typeface="Arial"/>
+              <a:sym typeface="Arial"/>
+            </a:endParaRPr>
+          </a:p>
+          <a:p>
+            <a:pPr marL="0" lvl="0" indent="0" algn="l" rtl="0">
+              <a:lnSpc>
+                <a:spcPct val="100000"/>
+              </a:lnSpc>
+              <a:spcBef>
+                <a:spcPts val="1600"/>
+              </a:spcBef>
+              <a:spcAft>
+                <a:spcPts val="0"/>
+              </a:spcAft>
+              <a:buNone/>
+            </a:pPr>
+            <a:r>
+              <a:rPr lang="ru" sz="1400" dirty="0">
+                <a:solidFill>
+                  <a:srgbClr val="6D9EEB"/>
+                </a:solidFill>
+                <a:latin typeface="Roboto Mono"/>
+                <a:ea typeface="Roboto Mono"/>
+                <a:cs typeface="Roboto Mono"/>
+                <a:sym typeface="Roboto Mono"/>
+              </a:rPr>
+              <a:t>public</a:t>
+            </a:r>
+            <a:r>
+              <a:rPr lang="ru" sz="1400" dirty="0">
+                <a:solidFill>
+                  <a:srgbClr val="FFFFFF"/>
+                </a:solidFill>
+                <a:latin typeface="Roboto Mono"/>
+                <a:ea typeface="Roboto Mono"/>
+                <a:cs typeface="Roboto Mono"/>
+                <a:sym typeface="Roboto Mono"/>
+              </a:rPr>
+              <a:t> </a:t>
+            </a:r>
+            <a:r>
+              <a:rPr lang="ru" sz="1400" dirty="0">
+                <a:solidFill>
+                  <a:srgbClr val="6D9EEB"/>
+                </a:solidFill>
+                <a:latin typeface="Roboto Mono"/>
+                <a:ea typeface="Roboto Mono"/>
+                <a:cs typeface="Roboto Mono"/>
+                <a:sym typeface="Roboto Mono"/>
+              </a:rPr>
+              <a:t>class</a:t>
+            </a:r>
+            <a:r>
+              <a:rPr lang="ru" sz="1400" dirty="0">
+                <a:solidFill>
+                  <a:srgbClr val="FFFFFF"/>
+                </a:solidFill>
+                <a:latin typeface="Roboto Mono"/>
+                <a:ea typeface="Roboto Mono"/>
+                <a:cs typeface="Roboto Mono"/>
+                <a:sym typeface="Roboto Mono"/>
+              </a:rPr>
+              <a:t> </a:t>
+            </a:r>
+            <a:r>
+              <a:rPr lang="ru" sz="1400" dirty="0">
+                <a:solidFill>
+                  <a:srgbClr val="4EC9B0"/>
+                </a:solidFill>
+                <a:latin typeface="Roboto Mono"/>
+                <a:ea typeface="Roboto Mono"/>
+                <a:cs typeface="Roboto Mono"/>
+                <a:sym typeface="Roboto Mono"/>
+              </a:rPr>
+              <a:t>DisposableSample</a:t>
+            </a:r>
+            <a:r>
+              <a:rPr lang="ru" sz="1400" dirty="0">
+                <a:solidFill>
+                  <a:srgbClr val="FFFFFF"/>
+                </a:solidFill>
+                <a:latin typeface="Roboto Mono"/>
+                <a:ea typeface="Roboto Mono"/>
+                <a:cs typeface="Roboto Mono"/>
+                <a:sym typeface="Roboto Mono"/>
+              </a:rPr>
+              <a:t> </a:t>
+            </a:r>
+            <a:r>
+              <a:rPr lang="ru" sz="1400" dirty="0">
+                <a:solidFill>
+                  <a:srgbClr val="DCDCDC"/>
+                </a:solidFill>
+                <a:latin typeface="Roboto Mono"/>
+                <a:ea typeface="Roboto Mono"/>
+                <a:cs typeface="Roboto Mono"/>
+                <a:sym typeface="Roboto Mono"/>
+              </a:rPr>
+              <a:t>:</a:t>
+            </a:r>
+            <a:r>
+              <a:rPr lang="ru" sz="1400" dirty="0">
+                <a:solidFill>
+                  <a:srgbClr val="FFFFFF"/>
+                </a:solidFill>
+                <a:latin typeface="Roboto Mono"/>
+                <a:ea typeface="Roboto Mono"/>
+                <a:cs typeface="Roboto Mono"/>
+                <a:sym typeface="Roboto Mono"/>
+              </a:rPr>
+              <a:t> </a:t>
+            </a:r>
+            <a:r>
+              <a:rPr lang="ru" sz="1400" dirty="0">
+                <a:solidFill>
+                  <a:srgbClr val="B8D7A3"/>
+                </a:solidFill>
+                <a:latin typeface="Roboto Mono"/>
+                <a:ea typeface="Roboto Mono"/>
+                <a:cs typeface="Roboto Mono"/>
+                <a:sym typeface="Roboto Mono"/>
+              </a:rPr>
+              <a:t>IDisposable</a:t>
+            </a:r>
+            <a:endParaRPr sz="1400" dirty="0">
+              <a:solidFill>
+                <a:srgbClr val="FFFFFF"/>
+              </a:solidFill>
+              <a:latin typeface="Roboto Mono"/>
+              <a:ea typeface="Roboto Mono"/>
+              <a:cs typeface="Roboto Mono"/>
+              <a:sym typeface="Roboto Mono"/>
+            </a:endParaRPr>
+          </a:p>
+          <a:p>
+            <a:pPr marL="0" lvl="0" indent="0" algn="l" rtl="0">
+              <a:lnSpc>
+                <a:spcPct val="100000"/>
+              </a:lnSpc>
+              <a:spcBef>
+                <a:spcPts val="0"/>
+              </a:spcBef>
+              <a:spcAft>
+                <a:spcPts val="0"/>
+              </a:spcAft>
+              <a:buNone/>
+            </a:pPr>
+            <a:r>
+              <a:rPr lang="ru" sz="1400" dirty="0">
+                <a:solidFill>
+                  <a:srgbClr val="DCDCDC"/>
+                </a:solidFill>
+                <a:latin typeface="Roboto Mono"/>
+                <a:ea typeface="Roboto Mono"/>
+                <a:cs typeface="Roboto Mono"/>
+                <a:sym typeface="Roboto Mono"/>
+              </a:rPr>
+              <a:t>{</a:t>
+            </a:r>
+            <a:endParaRPr sz="1400" dirty="0">
+              <a:solidFill>
+                <a:srgbClr val="FFFFFF"/>
+              </a:solidFill>
+              <a:latin typeface="Roboto Mono"/>
+              <a:ea typeface="Roboto Mono"/>
+              <a:cs typeface="Roboto Mono"/>
+              <a:sym typeface="Roboto Mono"/>
+            </a:endParaRPr>
+          </a:p>
+          <a:p>
+            <a:pPr marL="0" lvl="0" indent="0" algn="l" rtl="0">
+              <a:lnSpc>
+                <a:spcPct val="100000"/>
+              </a:lnSpc>
+              <a:spcBef>
+                <a:spcPts val="0"/>
+              </a:spcBef>
+              <a:spcAft>
+                <a:spcPts val="0"/>
+              </a:spcAft>
+              <a:buNone/>
+            </a:pPr>
+            <a:r>
+              <a:rPr lang="ru" sz="1400" dirty="0">
+                <a:solidFill>
+                  <a:srgbClr val="FFFFFF"/>
+                </a:solidFill>
+                <a:latin typeface="Roboto Mono"/>
+                <a:ea typeface="Roboto Mono"/>
+                <a:cs typeface="Roboto Mono"/>
+                <a:sym typeface="Roboto Mono"/>
+              </a:rPr>
+              <a:t>	</a:t>
+            </a:r>
+            <a:r>
+              <a:rPr lang="ru" sz="1400" dirty="0">
+                <a:solidFill>
+                  <a:srgbClr val="93C479"/>
+                </a:solidFill>
+                <a:latin typeface="Roboto Mono"/>
+                <a:ea typeface="Roboto Mono"/>
+                <a:cs typeface="Roboto Mono"/>
+                <a:sym typeface="Roboto Mono"/>
+              </a:rPr>
+              <a:t>// ... some logic here</a:t>
+            </a:r>
+            <a:endParaRPr sz="1400" dirty="0">
+              <a:solidFill>
+                <a:srgbClr val="FFFFFF"/>
+              </a:solidFill>
+              <a:latin typeface="Roboto Mono"/>
+              <a:ea typeface="Roboto Mono"/>
+              <a:cs typeface="Roboto Mono"/>
+              <a:sym typeface="Roboto Mono"/>
+            </a:endParaRPr>
+          </a:p>
+          <a:p>
+            <a:pPr marL="0" lvl="0" indent="0" algn="l" rtl="0">
+              <a:lnSpc>
+                <a:spcPct val="100000"/>
+              </a:lnSpc>
+              <a:spcBef>
+                <a:spcPts val="0"/>
+              </a:spcBef>
+              <a:spcAft>
+                <a:spcPts val="0"/>
+              </a:spcAft>
+              <a:buNone/>
+            </a:pPr>
+            <a:r>
+              <a:rPr lang="ru" sz="1400" dirty="0">
+                <a:solidFill>
+                  <a:srgbClr val="FFFFFF"/>
+                </a:solidFill>
+                <a:latin typeface="Roboto Mono"/>
+                <a:ea typeface="Roboto Mono"/>
+                <a:cs typeface="Roboto Mono"/>
+                <a:sym typeface="Roboto Mono"/>
+              </a:rPr>
+              <a:t> </a:t>
+            </a:r>
+            <a:endParaRPr sz="1400" dirty="0">
+              <a:solidFill>
+                <a:srgbClr val="FFFFFF"/>
+              </a:solidFill>
+              <a:latin typeface="Roboto Mono"/>
+              <a:ea typeface="Roboto Mono"/>
+              <a:cs typeface="Roboto Mono"/>
+              <a:sym typeface="Roboto Mono"/>
+            </a:endParaRPr>
+          </a:p>
+          <a:p>
+            <a:pPr marL="0" lvl="0" indent="0" algn="l" rtl="0">
+              <a:lnSpc>
+                <a:spcPct val="100000"/>
+              </a:lnSpc>
+              <a:spcBef>
+                <a:spcPts val="0"/>
+              </a:spcBef>
+              <a:spcAft>
+                <a:spcPts val="0"/>
+              </a:spcAft>
+              <a:buNone/>
+            </a:pPr>
+            <a:r>
+              <a:rPr lang="ru" sz="1400" dirty="0">
+                <a:solidFill>
+                  <a:srgbClr val="FFFFFF"/>
+                </a:solidFill>
+                <a:latin typeface="Roboto Mono"/>
+                <a:ea typeface="Roboto Mono"/>
+                <a:cs typeface="Roboto Mono"/>
+                <a:sym typeface="Roboto Mono"/>
+              </a:rPr>
+              <a:t>	</a:t>
+            </a:r>
+            <a:r>
+              <a:rPr lang="ru" sz="1400" dirty="0">
+                <a:solidFill>
+                  <a:srgbClr val="6D9EEB"/>
+                </a:solidFill>
+                <a:latin typeface="Roboto Mono"/>
+                <a:ea typeface="Roboto Mono"/>
+                <a:cs typeface="Roboto Mono"/>
+                <a:sym typeface="Roboto Mono"/>
+              </a:rPr>
+              <a:t>public</a:t>
+            </a:r>
+            <a:r>
+              <a:rPr lang="ru" sz="1400" dirty="0">
+                <a:solidFill>
+                  <a:srgbClr val="FFFFFF"/>
+                </a:solidFill>
+                <a:latin typeface="Roboto Mono"/>
+                <a:ea typeface="Roboto Mono"/>
+                <a:cs typeface="Roboto Mono"/>
+                <a:sym typeface="Roboto Mono"/>
+              </a:rPr>
+              <a:t> </a:t>
+            </a:r>
+            <a:r>
+              <a:rPr lang="ru" sz="1400" dirty="0">
+                <a:solidFill>
+                  <a:srgbClr val="6D9EEB"/>
+                </a:solidFill>
+                <a:latin typeface="Roboto Mono"/>
+                <a:ea typeface="Roboto Mono"/>
+                <a:cs typeface="Roboto Mono"/>
+                <a:sym typeface="Roboto Mono"/>
+              </a:rPr>
+              <a:t>void</a:t>
+            </a:r>
+            <a:r>
+              <a:rPr lang="ru" sz="1400" dirty="0">
+                <a:solidFill>
+                  <a:srgbClr val="FFFFFF"/>
+                </a:solidFill>
+                <a:latin typeface="Roboto Mono"/>
+                <a:ea typeface="Roboto Mono"/>
+                <a:cs typeface="Roboto Mono"/>
+                <a:sym typeface="Roboto Mono"/>
+              </a:rPr>
+              <a:t> Dispose</a:t>
+            </a:r>
+            <a:r>
+              <a:rPr lang="ru" sz="1400" dirty="0">
+                <a:solidFill>
+                  <a:srgbClr val="DCDCDC"/>
+                </a:solidFill>
+                <a:latin typeface="Roboto Mono"/>
+                <a:ea typeface="Roboto Mono"/>
+                <a:cs typeface="Roboto Mono"/>
+                <a:sym typeface="Roboto Mono"/>
+              </a:rPr>
+              <a:t>()</a:t>
+            </a:r>
+            <a:endParaRPr sz="1400" dirty="0">
+              <a:solidFill>
+                <a:srgbClr val="FFFFFF"/>
+              </a:solidFill>
+              <a:latin typeface="Roboto Mono"/>
+              <a:ea typeface="Roboto Mono"/>
+              <a:cs typeface="Roboto Mono"/>
+              <a:sym typeface="Roboto Mono"/>
+            </a:endParaRPr>
+          </a:p>
+          <a:p>
+            <a:pPr marL="0" lvl="0" indent="0" algn="l" rtl="0">
+              <a:lnSpc>
+                <a:spcPct val="100000"/>
+              </a:lnSpc>
+              <a:spcBef>
+                <a:spcPts val="0"/>
+              </a:spcBef>
+              <a:spcAft>
+                <a:spcPts val="0"/>
+              </a:spcAft>
+              <a:buNone/>
+            </a:pPr>
+            <a:r>
+              <a:rPr lang="ru" sz="1400" dirty="0">
+                <a:solidFill>
+                  <a:srgbClr val="FFFFFF"/>
+                </a:solidFill>
+                <a:latin typeface="Roboto Mono"/>
+                <a:ea typeface="Roboto Mono"/>
+                <a:cs typeface="Roboto Mono"/>
+                <a:sym typeface="Roboto Mono"/>
+              </a:rPr>
+              <a:t>	</a:t>
+            </a:r>
+            <a:r>
+              <a:rPr lang="ru" sz="1400" dirty="0">
+                <a:solidFill>
+                  <a:srgbClr val="DCDCDC"/>
+                </a:solidFill>
+                <a:latin typeface="Roboto Mono"/>
+                <a:ea typeface="Roboto Mono"/>
+                <a:cs typeface="Roboto Mono"/>
+                <a:sym typeface="Roboto Mono"/>
+              </a:rPr>
+              <a:t>{</a:t>
+            </a:r>
+            <a:endParaRPr sz="1400" dirty="0">
+              <a:solidFill>
+                <a:srgbClr val="FFFFFF"/>
+              </a:solidFill>
+              <a:latin typeface="Roboto Mono"/>
+              <a:ea typeface="Roboto Mono"/>
+              <a:cs typeface="Roboto Mono"/>
+              <a:sym typeface="Roboto Mono"/>
+            </a:endParaRPr>
+          </a:p>
+          <a:p>
+            <a:pPr marL="0" lvl="0" indent="0" algn="l" rtl="0">
+              <a:lnSpc>
+                <a:spcPct val="100000"/>
+              </a:lnSpc>
+              <a:spcBef>
+                <a:spcPts val="0"/>
+              </a:spcBef>
+              <a:spcAft>
+                <a:spcPts val="0"/>
+              </a:spcAft>
+              <a:buNone/>
+            </a:pPr>
+            <a:r>
+              <a:rPr lang="ru" sz="1400" dirty="0">
+                <a:solidFill>
+                  <a:srgbClr val="FFFFFF"/>
+                </a:solidFill>
+                <a:latin typeface="Roboto Mono"/>
+                <a:ea typeface="Roboto Mono"/>
+                <a:cs typeface="Roboto Mono"/>
+                <a:sym typeface="Roboto Mono"/>
+              </a:rPr>
+              <a:t>		</a:t>
+            </a:r>
+            <a:r>
+              <a:rPr lang="ru" sz="1400" dirty="0">
+                <a:solidFill>
+                  <a:srgbClr val="93C479"/>
+                </a:solidFill>
+                <a:latin typeface="Roboto Mono"/>
+                <a:ea typeface="Roboto Mono"/>
+                <a:cs typeface="Roboto Mono"/>
+                <a:sym typeface="Roboto Mono"/>
+              </a:rPr>
+              <a:t>// TODO: free unmanaged resources (unmanaged objects)</a:t>
+            </a:r>
+            <a:endParaRPr sz="1400" dirty="0">
+              <a:solidFill>
+                <a:srgbClr val="FFFFFF"/>
+              </a:solidFill>
+              <a:latin typeface="Roboto Mono"/>
+              <a:ea typeface="Roboto Mono"/>
+              <a:cs typeface="Roboto Mono"/>
+              <a:sym typeface="Roboto Mono"/>
+            </a:endParaRPr>
+          </a:p>
+          <a:p>
+            <a:pPr marL="0" lvl="0" indent="0" algn="l" rtl="0">
+              <a:lnSpc>
+                <a:spcPct val="100000"/>
+              </a:lnSpc>
+              <a:spcBef>
+                <a:spcPts val="0"/>
+              </a:spcBef>
+              <a:spcAft>
+                <a:spcPts val="0"/>
+              </a:spcAft>
+              <a:buNone/>
+            </a:pPr>
+            <a:r>
+              <a:rPr lang="ru" sz="1400" dirty="0">
+                <a:solidFill>
+                  <a:srgbClr val="FFFFFF"/>
+                </a:solidFill>
+                <a:latin typeface="Roboto Mono"/>
+                <a:ea typeface="Roboto Mono"/>
+                <a:cs typeface="Roboto Mono"/>
+                <a:sym typeface="Roboto Mono"/>
+              </a:rPr>
+              <a:t>		</a:t>
+            </a:r>
+            <a:r>
+              <a:rPr lang="ru" sz="1400" dirty="0">
+                <a:solidFill>
+                  <a:srgbClr val="93C479"/>
+                </a:solidFill>
+                <a:latin typeface="Roboto Mono"/>
+                <a:ea typeface="Roboto Mono"/>
+                <a:cs typeface="Roboto Mono"/>
+                <a:sym typeface="Roboto Mono"/>
+              </a:rPr>
+              <a:t>// TODO: set large fields to null.</a:t>
+            </a:r>
+            <a:endParaRPr sz="1400" dirty="0">
+              <a:solidFill>
+                <a:srgbClr val="FFFFFF"/>
+              </a:solidFill>
+              <a:latin typeface="Roboto Mono"/>
+              <a:ea typeface="Roboto Mono"/>
+              <a:cs typeface="Roboto Mono"/>
+              <a:sym typeface="Roboto Mono"/>
+            </a:endParaRPr>
+          </a:p>
+          <a:p>
+            <a:pPr marL="0" lvl="0" indent="0" algn="l" rtl="0">
+              <a:lnSpc>
+                <a:spcPct val="100000"/>
+              </a:lnSpc>
+              <a:spcBef>
+                <a:spcPts val="0"/>
+              </a:spcBef>
+              <a:spcAft>
+                <a:spcPts val="0"/>
+              </a:spcAft>
+              <a:buNone/>
+            </a:pPr>
+            <a:r>
+              <a:rPr lang="ru" sz="1400" dirty="0">
+                <a:solidFill>
+                  <a:srgbClr val="FFFFFF"/>
+                </a:solidFill>
+                <a:latin typeface="Roboto Mono"/>
+                <a:ea typeface="Roboto Mono"/>
+                <a:cs typeface="Roboto Mono"/>
+                <a:sym typeface="Roboto Mono"/>
+              </a:rPr>
+              <a:t>	</a:t>
+            </a:r>
+            <a:r>
+              <a:rPr lang="ru" sz="1400" dirty="0">
+                <a:solidFill>
+                  <a:srgbClr val="DCDCDC"/>
+                </a:solidFill>
+                <a:latin typeface="Roboto Mono"/>
+                <a:ea typeface="Roboto Mono"/>
+                <a:cs typeface="Roboto Mono"/>
+                <a:sym typeface="Roboto Mono"/>
+              </a:rPr>
+              <a:t>}</a:t>
+            </a:r>
+            <a:endParaRPr sz="1400" dirty="0">
+              <a:solidFill>
+                <a:srgbClr val="FFFFFF"/>
+              </a:solidFill>
+              <a:latin typeface="Roboto Mono"/>
+              <a:ea typeface="Roboto Mono"/>
+              <a:cs typeface="Roboto Mono"/>
+              <a:sym typeface="Roboto Mono"/>
+            </a:endParaRPr>
+          </a:p>
+          <a:p>
+            <a:pPr marL="0" lvl="0" indent="0" algn="l" rtl="0">
+              <a:lnSpc>
+                <a:spcPct val="100000"/>
+              </a:lnSpc>
+              <a:spcBef>
+                <a:spcPts val="0"/>
+              </a:spcBef>
+              <a:spcAft>
+                <a:spcPts val="0"/>
+              </a:spcAft>
+              <a:buNone/>
+            </a:pPr>
+            <a:r>
+              <a:rPr lang="ru" sz="1400" dirty="0">
+                <a:solidFill>
+                  <a:srgbClr val="DCDCDC"/>
+                </a:solidFill>
+                <a:latin typeface="Roboto Mono"/>
+                <a:ea typeface="Roboto Mono"/>
+                <a:cs typeface="Roboto Mono"/>
+                <a:sym typeface="Roboto Mono"/>
+              </a:rPr>
+              <a:t>}</a:t>
+            </a:r>
+            <a:endParaRPr sz="1400" dirty="0">
+              <a:solidFill>
+                <a:srgbClr val="DCDCDC"/>
+              </a:solidFill>
+              <a:latin typeface="Roboto Mono"/>
+              <a:ea typeface="Roboto Mono"/>
+              <a:cs typeface="Roboto Mono"/>
+              <a:sym typeface="Roboto Mono"/>
+            </a:endParaRPr>
+          </a:p>
+          <a:p>
+            <a:pPr marL="0" lvl="0" indent="0" algn="l" rtl="0">
+              <a:lnSpc>
+                <a:spcPct val="100000"/>
+              </a:lnSpc>
+              <a:spcBef>
+                <a:spcPts val="0"/>
+              </a:spcBef>
+              <a:spcAft>
+                <a:spcPts val="0"/>
+              </a:spcAft>
+              <a:buNone/>
+            </a:pPr>
+            <a:endParaRPr sz="1400" dirty="0">
+              <a:solidFill>
+                <a:srgbClr val="FFFFFF"/>
+              </a:solidFill>
+              <a:latin typeface="Roboto Mono"/>
+              <a:ea typeface="Roboto Mono"/>
+              <a:cs typeface="Roboto Mono"/>
+              <a:sym typeface="Roboto Mono"/>
+            </a:endParaRPr>
+          </a:p>
+        </p:txBody>
+      </p:sp>
+      <p:sp>
+        <p:nvSpPr>
+          <p:cNvPr id="155" name="Google Shape;155;p26"/>
+          <p:cNvSpPr txBox="1">
+            <a:spLocks noGrp="1"/>
+          </p:cNvSpPr>
+          <p:nvPr>
+            <p:ph type="title"/>
+          </p:nvPr>
+        </p:nvSpPr>
+        <p:spPr>
+          <a:xfrm>
+            <a:off x="387900" y="458025"/>
+            <a:ext cx="8368200" cy="686100"/>
+          </a:xfrm>
+          <a:prstGeom prst="rect">
+            <a:avLst/>
+          </a:prstGeom>
+        </p:spPr>
+        <p:txBody>
+          <a:bodyPr spcFirstLastPara="1" wrap="square" lIns="91425" tIns="91425" rIns="91425" bIns="91425" anchor="b" anchorCtr="0">
+            <a:noAutofit/>
+          </a:bodyPr>
+          <a:lstStyle/>
+          <a:p>
+            <a:pPr marL="0" lvl="0" indent="0" algn="l" rtl="0">
+              <a:spcBef>
+                <a:spcPts val="0"/>
+              </a:spcBef>
+              <a:spcAft>
+                <a:spcPts val="0"/>
+              </a:spcAft>
+              <a:buNone/>
+            </a:pPr>
+            <a:r>
+              <a:rPr lang="ru">
+                <a:solidFill>
+                  <a:srgbClr val="FFFFFF"/>
+                </a:solidFill>
+              </a:rPr>
+              <a:t>Интерфейс </a:t>
+            </a:r>
+            <a:r>
+              <a:rPr lang="ru">
+                <a:solidFill>
+                  <a:srgbClr val="FF9900"/>
+                </a:solidFill>
+              </a:rPr>
+              <a:t>IDisposable</a:t>
+            </a:r>
+            <a:endParaRPr sz="2400">
+              <a:solidFill>
+                <a:srgbClr val="FF9900"/>
+              </a:solidFill>
+            </a:endParaRPr>
+          </a:p>
+        </p:txBody>
+      </p:sp>
+      <p:pic>
+        <p:nvPicPr>
+          <p:cNvPr id="156" name="Google Shape;156;p26"/>
+          <p:cNvPicPr preferRelativeResize="0"/>
+          <p:nvPr/>
+        </p:nvPicPr>
+        <p:blipFill>
+          <a:blip r:embed="rId4">
+            <a:alphaModFix/>
+          </a:blip>
+          <a:stretch>
+            <a:fillRect/>
+          </a:stretch>
+        </p:blipFill>
+        <p:spPr>
+          <a:xfrm>
+            <a:off x="8123525" y="4308200"/>
+            <a:ext cx="632575" cy="632575"/>
+          </a:xfrm>
+          <a:prstGeom prst="rect">
+            <a:avLst/>
+          </a:prstGeom>
+          <a:noFill/>
+          <a:ln>
+            <a:noFill/>
+          </a:ln>
+        </p:spPr>
+      </p:pic>
+    </p:spTree>
+    <p:extLst>
+      <p:ext uri="{BB962C8B-B14F-4D97-AF65-F5344CB8AC3E}">
+        <p14:creationId xmlns:p14="http://schemas.microsoft.com/office/powerpoint/2010/main" val="43254660"/>
+      </p:ext>
+    </p:extLst>
+  </p:cSld>
+  <p:clrMapOvr>
+    <a:masterClrMapping/>
+  </p:clrMapOvr>
+</p:sld>
+</file>
+
+<file path=ppt/slides/slide15.xml><?xml version="1.0" encoding="utf-8"?>
 <p:sld xmlns:a="http://schemas.openxmlformats.org/drawingml/2006/main" xmlns:r="http://schemas.openxmlformats.org/officeDocument/2006/relationships" xmlns:p="http://schemas.openxmlformats.org/presentationml/2006/main">
   <p:cSld>
     <p:spTree>
@@ -9118,7 +12492,7 @@
 </p:sld>
 </file>
 
-<file path=ppt/slides/slide14.xml><?xml version="1.0" encoding="utf-8"?>
+<file path=ppt/slides/slide16.xml><?xml version="1.0" encoding="utf-8"?>
 <p:sld xmlns:a="http://schemas.openxmlformats.org/drawingml/2006/main" xmlns:r="http://schemas.openxmlformats.org/officeDocument/2006/relationships" xmlns:p="http://schemas.openxmlformats.org/presentationml/2006/main">
   <p:cSld>
     <p:spTree>
